--- a/docs/UseCaseApp/Sistema/UseCaseGestionePagamenti.pptx
+++ b/docs/UseCaseApp/Sistema/UseCaseGestionePagamenti.pptx
@@ -1,22 +1,22 @@
 
 <file path=ppt/presentation.xml><?xml version="1.0" encoding="utf-8"?>
-<p:presentation xmlns:a="http://schemas.openxmlformats.org/drawingml/2006/main" xmlns:r="http://schemas.openxmlformats.org/officeDocument/2006/relationships" xmlns:mc="http://schemas.openxmlformats.org/markup-compatibility/2006" xmlns:mv="urn:schemas-microsoft-com:mac:vml" xmlns:p="http://schemas.openxmlformats.org/presentationml/2006/main" xmlns:c="http://schemas.openxmlformats.org/drawingml/2006/chart" xmlns:dgm="http://schemas.openxmlformats.org/drawingml/2006/diagram" xmlns:o="urn:schemas-microsoft-com:office:office" xmlns:v="urn:schemas-microsoft-com:vml" xmlns:pvml="urn:schemas-microsoft-com:office:powerpoint" xmlns:com="http://schemas.openxmlformats.org/drawingml/2006/compatibility" xmlns:p14="http://schemas.microsoft.com/office/powerpoint/2010/main" xmlns:p15="http://schemas.microsoft.com/office/powerpoint/2012/main" autoCompressPictures="0" strictFirstAndLastChars="0" saveSubsetFonts="1">
+<p:presentation xmlns:a="http://schemas.openxmlformats.org/drawingml/2006/main" xmlns:r="http://schemas.openxmlformats.org/officeDocument/2006/relationships" xmlns:p="http://schemas.openxmlformats.org/presentationml/2006/main" strictFirstAndLastChars="0" saveSubsetFonts="1" autoCompressPictures="0">
   <p:sldMasterIdLst>
-    <p:sldMasterId id="2147483648" r:id="rId5"/>
+    <p:sldMasterId id="2147483648" r:id="rId1"/>
   </p:sldMasterIdLst>
   <p:notesMasterIdLst>
     <p:notesMasterId r:id="rId6"/>
   </p:notesMasterIdLst>
   <p:sldIdLst>
-    <p:sldId id="256" r:id="rId7"/>
-    <p:sldId id="257" r:id="rId8"/>
-    <p:sldId id="258" r:id="rId9"/>
-    <p:sldId id="259" r:id="rId10"/>
+    <p:sldId id="256" r:id="rId2"/>
+    <p:sldId id="257" r:id="rId3"/>
+    <p:sldId id="258" r:id="rId4"/>
+    <p:sldId id="259" r:id="rId5"/>
   </p:sldIdLst>
-  <p:sldSz cy="6858000" cx="12192000"/>
+  <p:sldSz cx="12192000" cy="6858000"/>
   <p:notesSz cx="6858000" cy="9144000"/>
   <p:defaultTextStyle>
-    <a:defPPr lvl="0" marR="0" rtl="0" algn="l">
+    <a:defPPr marR="0" lvl="0" algn="l" rtl="0">
       <a:lnSpc>
         <a:spcPct val="100000"/>
       </a:lnSpc>
@@ -27,7 +27,7 @@
         <a:spcPts val="0"/>
       </a:spcAft>
     </a:defPPr>
-    <a:lvl1pPr lvl="0" marR="0" rtl="0" algn="l">
+    <a:lvl1pPr marR="0" lvl="0" algn="l" rtl="0">
       <a:lnSpc>
         <a:spcPct val="100000"/>
       </a:lnSpc>
@@ -41,7 +41,7 @@
         <a:srgbClr val="000000"/>
       </a:buClr>
       <a:buFont typeface="Arial"/>
-      <a:defRPr b="0" i="0" sz="1400" u="none" cap="none" strike="noStrike">
+      <a:defRPr sz="1400" b="0" i="0" u="none" strike="noStrike" cap="none">
         <a:solidFill>
           <a:srgbClr val="000000"/>
         </a:solidFill>
@@ -51,7 +51,7 @@
         <a:sym typeface="Arial"/>
       </a:defRPr>
     </a:lvl1pPr>
-    <a:lvl2pPr lvl="1" marR="0" rtl="0" algn="l">
+    <a:lvl2pPr marR="0" lvl="1" algn="l" rtl="0">
       <a:lnSpc>
         <a:spcPct val="100000"/>
       </a:lnSpc>
@@ -65,7 +65,7 @@
         <a:srgbClr val="000000"/>
       </a:buClr>
       <a:buFont typeface="Arial"/>
-      <a:defRPr b="0" i="0" sz="1400" u="none" cap="none" strike="noStrike">
+      <a:defRPr sz="1400" b="0" i="0" u="none" strike="noStrike" cap="none">
         <a:solidFill>
           <a:srgbClr val="000000"/>
         </a:solidFill>
@@ -75,7 +75,7 @@
         <a:sym typeface="Arial"/>
       </a:defRPr>
     </a:lvl2pPr>
-    <a:lvl3pPr lvl="2" marR="0" rtl="0" algn="l">
+    <a:lvl3pPr marR="0" lvl="2" algn="l" rtl="0">
       <a:lnSpc>
         <a:spcPct val="100000"/>
       </a:lnSpc>
@@ -89,7 +89,7 @@
         <a:srgbClr val="000000"/>
       </a:buClr>
       <a:buFont typeface="Arial"/>
-      <a:defRPr b="0" i="0" sz="1400" u="none" cap="none" strike="noStrike">
+      <a:defRPr sz="1400" b="0" i="0" u="none" strike="noStrike" cap="none">
         <a:solidFill>
           <a:srgbClr val="000000"/>
         </a:solidFill>
@@ -99,7 +99,7 @@
         <a:sym typeface="Arial"/>
       </a:defRPr>
     </a:lvl3pPr>
-    <a:lvl4pPr lvl="3" marR="0" rtl="0" algn="l">
+    <a:lvl4pPr marR="0" lvl="3" algn="l" rtl="0">
       <a:lnSpc>
         <a:spcPct val="100000"/>
       </a:lnSpc>
@@ -113,7 +113,7 @@
         <a:srgbClr val="000000"/>
       </a:buClr>
       <a:buFont typeface="Arial"/>
-      <a:defRPr b="0" i="0" sz="1400" u="none" cap="none" strike="noStrike">
+      <a:defRPr sz="1400" b="0" i="0" u="none" strike="noStrike" cap="none">
         <a:solidFill>
           <a:srgbClr val="000000"/>
         </a:solidFill>
@@ -123,7 +123,7 @@
         <a:sym typeface="Arial"/>
       </a:defRPr>
     </a:lvl4pPr>
-    <a:lvl5pPr lvl="4" marR="0" rtl="0" algn="l">
+    <a:lvl5pPr marR="0" lvl="4" algn="l" rtl="0">
       <a:lnSpc>
         <a:spcPct val="100000"/>
       </a:lnSpc>
@@ -137,7 +137,7 @@
         <a:srgbClr val="000000"/>
       </a:buClr>
       <a:buFont typeface="Arial"/>
-      <a:defRPr b="0" i="0" sz="1400" u="none" cap="none" strike="noStrike">
+      <a:defRPr sz="1400" b="0" i="0" u="none" strike="noStrike" cap="none">
         <a:solidFill>
           <a:srgbClr val="000000"/>
         </a:solidFill>
@@ -147,7 +147,7 @@
         <a:sym typeface="Arial"/>
       </a:defRPr>
     </a:lvl5pPr>
-    <a:lvl6pPr lvl="5" marR="0" rtl="0" algn="l">
+    <a:lvl6pPr marR="0" lvl="5" algn="l" rtl="0">
       <a:lnSpc>
         <a:spcPct val="100000"/>
       </a:lnSpc>
@@ -161,7 +161,7 @@
         <a:srgbClr val="000000"/>
       </a:buClr>
       <a:buFont typeface="Arial"/>
-      <a:defRPr b="0" i="0" sz="1400" u="none" cap="none" strike="noStrike">
+      <a:defRPr sz="1400" b="0" i="0" u="none" strike="noStrike" cap="none">
         <a:solidFill>
           <a:srgbClr val="000000"/>
         </a:solidFill>
@@ -171,7 +171,7 @@
         <a:sym typeface="Arial"/>
       </a:defRPr>
     </a:lvl6pPr>
-    <a:lvl7pPr lvl="6" marR="0" rtl="0" algn="l">
+    <a:lvl7pPr marR="0" lvl="6" algn="l" rtl="0">
       <a:lnSpc>
         <a:spcPct val="100000"/>
       </a:lnSpc>
@@ -185,7 +185,7 @@
         <a:srgbClr val="000000"/>
       </a:buClr>
       <a:buFont typeface="Arial"/>
-      <a:defRPr b="0" i="0" sz="1400" u="none" cap="none" strike="noStrike">
+      <a:defRPr sz="1400" b="0" i="0" u="none" strike="noStrike" cap="none">
         <a:solidFill>
           <a:srgbClr val="000000"/>
         </a:solidFill>
@@ -195,7 +195,7 @@
         <a:sym typeface="Arial"/>
       </a:defRPr>
     </a:lvl7pPr>
-    <a:lvl8pPr lvl="7" marR="0" rtl="0" algn="l">
+    <a:lvl8pPr marR="0" lvl="7" algn="l" rtl="0">
       <a:lnSpc>
         <a:spcPct val="100000"/>
       </a:lnSpc>
@@ -209,7 +209,7 @@
         <a:srgbClr val="000000"/>
       </a:buClr>
       <a:buFont typeface="Arial"/>
-      <a:defRPr b="0" i="0" sz="1400" u="none" cap="none" strike="noStrike">
+      <a:defRPr sz="1400" b="0" i="0" u="none" strike="noStrike" cap="none">
         <a:solidFill>
           <a:srgbClr val="000000"/>
         </a:solidFill>
@@ -219,7 +219,7 @@
         <a:sym typeface="Arial"/>
       </a:defRPr>
     </a:lvl8pPr>
-    <a:lvl9pPr lvl="8" marR="0" rtl="0" algn="l">
+    <a:lvl9pPr marR="0" lvl="8" algn="l" rtl="0">
       <a:lnSpc>
         <a:spcPct val="100000"/>
       </a:lnSpc>
@@ -233,7 +233,7 @@
         <a:srgbClr val="000000"/>
       </a:buClr>
       <a:buFont typeface="Arial"/>
-      <a:defRPr b="0" i="0" sz="1400" u="none" cap="none" strike="noStrike">
+      <a:defRPr sz="1400" b="0" i="0" u="none" strike="noStrike" cap="none">
         <a:solidFill>
           <a:srgbClr val="000000"/>
         </a:solidFill>
@@ -246,7 +246,7 @@
   </p:defaultTextStyle>
   <p:extLst>
     <p:ext uri="{EFAFB233-063F-42B5-8137-9DF3F51BA10A}">
-      <p15:sldGuideLst>
+      <p15:sldGuideLst xmlns:p15="http://schemas.microsoft.com/office/powerpoint/2012/main" xmlns:p14="http://schemas.microsoft.com/office/powerpoint/2010/main" xmlns:com="http://schemas.openxmlformats.org/drawingml/2006/compatibility" xmlns:pvml="urn:schemas-microsoft-com:office:powerpoint" xmlns:v="urn:schemas-microsoft-com:vml" xmlns:o="urn:schemas-microsoft-com:office:office" xmlns:dgm="http://schemas.openxmlformats.org/drawingml/2006/diagram" xmlns:c="http://schemas.openxmlformats.org/drawingml/2006/chart" xmlns:mv="urn:schemas-microsoft-com:mac:vml" xmlns:mc="http://schemas.openxmlformats.org/markup-compatibility/2006" xmlns="">
         <p15:guide id="1" orient="horz" pos="2160">
           <p15:clr>
             <a:srgbClr val="000000"/>
@@ -260,18 +260,23 @@
       </p15:sldGuideLst>
     </p:ext>
     <p:ext uri="http://customooxmlschemas.google.com/">
-      <go:slidesCustomData xmlns:go="http://customooxmlschemas.google.com/" r:id="rId11" roundtripDataSignature="AMtx7mhvmxc3xgJwyBJT4OookOSahgj8Kg=="/>
+      <go:slidesCustomData xmlns:go="http://customooxmlschemas.google.com/" xmlns:p15="http://schemas.microsoft.com/office/powerpoint/2012/main" xmlns:p14="http://schemas.microsoft.com/office/powerpoint/2010/main" xmlns:com="http://schemas.openxmlformats.org/drawingml/2006/compatibility" xmlns:pvml="urn:schemas-microsoft-com:office:powerpoint" xmlns:v="urn:schemas-microsoft-com:vml" xmlns:o="urn:schemas-microsoft-com:office:office" xmlns:dgm="http://schemas.openxmlformats.org/drawingml/2006/diagram" xmlns:c="http://schemas.openxmlformats.org/drawingml/2006/chart" xmlns:mv="urn:schemas-microsoft-com:mac:vml" xmlns:mc="http://schemas.openxmlformats.org/markup-compatibility/2006" xmlns="" r:id="rId11" roundtripDataSignature="AMtx7mhvmxc3xgJwyBJT4OookOSahgj8Kg=="/>
     </p:ext>
   </p:extLst>
 </p:presentation>
 </file>
 
 <file path=ppt/notesMasters/notesMaster1.xml><?xml version="1.0" encoding="utf-8"?>
-<p:notesMaster xmlns:a="http://schemas.openxmlformats.org/drawingml/2006/main" xmlns:r="http://schemas.openxmlformats.org/officeDocument/2006/relationships" xmlns:mc="http://schemas.openxmlformats.org/markup-compatibility/2006" xmlns:mv="urn:schemas-microsoft-com:mac:vml" xmlns:p="http://schemas.openxmlformats.org/presentationml/2006/main" xmlns:c="http://schemas.openxmlformats.org/drawingml/2006/chart" xmlns:dgm="http://schemas.openxmlformats.org/drawingml/2006/diagram" xmlns:o="urn:schemas-microsoft-com:office:office" xmlns:v="urn:schemas-microsoft-com:vml" xmlns:pvml="urn:schemas-microsoft-com:office:powerpoint" xmlns:com="http://schemas.openxmlformats.org/drawingml/2006/compatibility" xmlns:p14="http://schemas.microsoft.com/office/powerpoint/2010/main" xmlns:p15="http://schemas.microsoft.com/office/powerpoint/2012/main">
+<p:notesMaster xmlns:a="http://schemas.openxmlformats.org/drawingml/2006/main" xmlns:r="http://schemas.openxmlformats.org/officeDocument/2006/relationships" xmlns:p="http://schemas.openxmlformats.org/presentationml/2006/main">
   <p:cSld>
+    <p:bg>
+      <p:bgRef idx="1001">
+        <a:schemeClr val="bg1"/>
+      </p:bgRef>
+    </p:bg>
     <p:spTree>
       <p:nvGrpSpPr>
-        <p:cNvPr id="2" name="Shape 2"/>
+        <p:cNvPr id="1" name="Shape 2"/>
         <p:cNvGrpSpPr/>
         <p:nvPr/>
       </p:nvGrpSpPr>
@@ -286,9 +291,11 @@
       <p:sp>
         <p:nvSpPr>
           <p:cNvPr id="3" name="Google Shape;3;n"/>
-          <p:cNvSpPr/>
+          <p:cNvSpPr>
+            <a:spLocks noGrp="1" noRot="1" noChangeAspect="1"/>
+          </p:cNvSpPr>
           <p:nvPr>
-            <p:ph idx="2" type="sldImg"/>
+            <p:ph type="sldImg" idx="2"/>
           </p:nvPr>
         </p:nvSpPr>
         <p:spPr>
@@ -297,9 +304,13 @@
             <a:ext cx="4572225" cy="3429000"/>
           </a:xfrm>
           <a:custGeom>
-            <a:rect b="b" l="l" r="r" t="t"/>
+            <a:avLst/>
+            <a:gdLst/>
+            <a:ahLst/>
+            <a:cxnLst/>
+            <a:rect l="l" t="t" r="r" b="b"/>
             <a:pathLst>
-              <a:path extrusionOk="0" h="120000" w="120000">
+              <a:path w="120000" h="120000" extrusionOk="0">
                 <a:moveTo>
                   <a:pt x="0" y="0"/>
                 </a:moveTo>
@@ -317,23 +328,25 @@
             </a:pathLst>
           </a:custGeom>
           <a:noFill/>
-          <a:ln cap="flat" cmpd="sng" w="9525">
+          <a:ln w="9525" cap="flat" cmpd="sng">
             <a:solidFill>
               <a:srgbClr val="000000"/>
             </a:solidFill>
             <a:prstDash val="solid"/>
             <a:round/>
-            <a:headEnd len="sm" w="sm" type="none"/>
-            <a:tailEnd len="sm" w="sm" type="none"/>
+            <a:headEnd type="none" w="sm" len="sm"/>
+            <a:tailEnd type="none" w="sm" len="sm"/>
           </a:ln>
         </p:spPr>
       </p:sp>
       <p:sp>
         <p:nvSpPr>
           <p:cNvPr id="4" name="Google Shape;4;n"/>
-          <p:cNvSpPr txBox="1"/>
+          <p:cNvSpPr txBox="1">
+            <a:spLocks noGrp="1"/>
+          </p:cNvSpPr>
           <p:nvPr>
-            <p:ph idx="1" type="body"/>
+            <p:ph type="body" idx="1"/>
           </p:nvPr>
         </p:nvSpPr>
         <p:spPr>
@@ -350,11 +363,11 @@
           </a:ln>
         </p:spPr>
         <p:txBody>
-          <a:bodyPr anchorCtr="0" anchor="t" bIns="91425" lIns="91425" spcFirstLastPara="1" rIns="91425" wrap="square" tIns="91425">
+          <a:bodyPr spcFirstLastPara="1" wrap="square" lIns="91425" tIns="91425" rIns="91425" bIns="91425" anchor="t" anchorCtr="0">
             <a:noAutofit/>
           </a:bodyPr>
           <a:lstStyle>
-            <a:lvl1pPr indent="-298450" lvl="0" marL="457200">
+            <a:lvl1pPr marL="457200" lvl="0" indent="-298450">
               <a:spcBef>
                 <a:spcPts val="0"/>
               </a:spcBef>
@@ -365,7 +378,7 @@
               <a:buChar char="●"/>
               <a:defRPr sz="1100"/>
             </a:lvl1pPr>
-            <a:lvl2pPr indent="-298450" lvl="1" marL="914400">
+            <a:lvl2pPr marL="914400" lvl="1" indent="-298450">
               <a:spcBef>
                 <a:spcPts val="0"/>
               </a:spcBef>
@@ -376,7 +389,7 @@
               <a:buChar char="○"/>
               <a:defRPr sz="1100"/>
             </a:lvl2pPr>
-            <a:lvl3pPr indent="-298450" lvl="2" marL="1371600">
+            <a:lvl3pPr marL="1371600" lvl="2" indent="-298450">
               <a:spcBef>
                 <a:spcPts val="0"/>
               </a:spcBef>
@@ -387,7 +400,7 @@
               <a:buChar char="■"/>
               <a:defRPr sz="1100"/>
             </a:lvl3pPr>
-            <a:lvl4pPr indent="-298450" lvl="3" marL="1828800">
+            <a:lvl4pPr marL="1828800" lvl="3" indent="-298450">
               <a:spcBef>
                 <a:spcPts val="0"/>
               </a:spcBef>
@@ -398,7 +411,7 @@
               <a:buChar char="●"/>
               <a:defRPr sz="1100"/>
             </a:lvl4pPr>
-            <a:lvl5pPr indent="-298450" lvl="4" marL="2286000">
+            <a:lvl5pPr marL="2286000" lvl="4" indent="-298450">
               <a:spcBef>
                 <a:spcPts val="0"/>
               </a:spcBef>
@@ -409,7 +422,7 @@
               <a:buChar char="○"/>
               <a:defRPr sz="1100"/>
             </a:lvl5pPr>
-            <a:lvl6pPr indent="-298450" lvl="5" marL="2743200">
+            <a:lvl6pPr marL="2743200" lvl="5" indent="-298450">
               <a:spcBef>
                 <a:spcPts val="0"/>
               </a:spcBef>
@@ -420,7 +433,7 @@
               <a:buChar char="■"/>
               <a:defRPr sz="1100"/>
             </a:lvl6pPr>
-            <a:lvl7pPr indent="-298450" lvl="6" marL="3200400">
+            <a:lvl7pPr marL="3200400" lvl="6" indent="-298450">
               <a:spcBef>
                 <a:spcPts val="0"/>
               </a:spcBef>
@@ -431,7 +444,7 @@
               <a:buChar char="●"/>
               <a:defRPr sz="1100"/>
             </a:lvl7pPr>
-            <a:lvl8pPr indent="-298450" lvl="7" marL="3657600">
+            <a:lvl8pPr marL="3657600" lvl="7" indent="-298450">
               <a:spcBef>
                 <a:spcPts val="0"/>
               </a:spcBef>
@@ -442,7 +455,7 @@
               <a:buChar char="○"/>
               <a:defRPr sz="1100"/>
             </a:lvl8pPr>
-            <a:lvl9pPr indent="-298450" lvl="8" marL="4114800">
+            <a:lvl9pPr marL="4114800" lvl="8" indent="-298450">
               <a:spcBef>
                 <a:spcPts val="0"/>
               </a:spcBef>
@@ -454,14 +467,21 @@
               <a:defRPr sz="1100"/>
             </a:lvl9pPr>
           </a:lstStyle>
-          <a:p/>
+          <a:p>
+            <a:endParaRPr/>
+          </a:p>
         </p:txBody>
       </p:sp>
     </p:spTree>
+    <p:extLst>
+      <p:ext uri="{BB962C8B-B14F-4D97-AF65-F5344CB8AC3E}">
+        <p14:creationId xmlns:p14="http://schemas.microsoft.com/office/powerpoint/2010/main" val="583984056"/>
+      </p:ext>
+    </p:extLst>
   </p:cSld>
-  <p:clrMap accent1="accent1" accent2="accent2" accent3="accent3" accent4="accent4" accent5="accent5" accent6="accent6" bg1="lt1" bg2="dk2" tx1="dk1" tx2="lt2" folHlink="folHlink" hlink="hlink"/>
+  <p:clrMap bg1="lt1" tx1="dk1" bg2="dk2" tx2="lt2" accent1="accent1" accent2="accent2" accent3="accent3" accent4="accent4" accent5="accent5" accent6="accent6" hlink="hlink" folHlink="folHlink"/>
   <p:notesStyle>
-    <a:defPPr lvl="0" marR="0" rtl="0" algn="l">
+    <a:defPPr marR="0" lvl="0" algn="l" rtl="0">
       <a:lnSpc>
         <a:spcPct val="100000"/>
       </a:lnSpc>
@@ -472,7 +492,7 @@
         <a:spcPts val="0"/>
       </a:spcAft>
     </a:defPPr>
-    <a:lvl1pPr lvl="0" marR="0" rtl="0" algn="l">
+    <a:lvl1pPr marR="0" lvl="0" algn="l" rtl="0">
       <a:lnSpc>
         <a:spcPct val="100000"/>
       </a:lnSpc>
@@ -486,7 +506,7 @@
         <a:srgbClr val="000000"/>
       </a:buClr>
       <a:buFont typeface="Arial"/>
-      <a:defRPr b="0" i="0" sz="1400" u="none" cap="none" strike="noStrike">
+      <a:defRPr sz="1400" b="0" i="0" u="none" strike="noStrike" cap="none">
         <a:solidFill>
           <a:srgbClr val="000000"/>
         </a:solidFill>
@@ -496,7 +516,7 @@
         <a:sym typeface="Arial"/>
       </a:defRPr>
     </a:lvl1pPr>
-    <a:lvl2pPr lvl="1" marR="0" rtl="0" algn="l">
+    <a:lvl2pPr marR="0" lvl="1" algn="l" rtl="0">
       <a:lnSpc>
         <a:spcPct val="100000"/>
       </a:lnSpc>
@@ -510,7 +530,7 @@
         <a:srgbClr val="000000"/>
       </a:buClr>
       <a:buFont typeface="Arial"/>
-      <a:defRPr b="0" i="0" sz="1400" u="none" cap="none" strike="noStrike">
+      <a:defRPr sz="1400" b="0" i="0" u="none" strike="noStrike" cap="none">
         <a:solidFill>
           <a:srgbClr val="000000"/>
         </a:solidFill>
@@ -520,7 +540,7 @@
         <a:sym typeface="Arial"/>
       </a:defRPr>
     </a:lvl2pPr>
-    <a:lvl3pPr lvl="2" marR="0" rtl="0" algn="l">
+    <a:lvl3pPr marR="0" lvl="2" algn="l" rtl="0">
       <a:lnSpc>
         <a:spcPct val="100000"/>
       </a:lnSpc>
@@ -534,7 +554,7 @@
         <a:srgbClr val="000000"/>
       </a:buClr>
       <a:buFont typeface="Arial"/>
-      <a:defRPr b="0" i="0" sz="1400" u="none" cap="none" strike="noStrike">
+      <a:defRPr sz="1400" b="0" i="0" u="none" strike="noStrike" cap="none">
         <a:solidFill>
           <a:srgbClr val="000000"/>
         </a:solidFill>
@@ -544,7 +564,7 @@
         <a:sym typeface="Arial"/>
       </a:defRPr>
     </a:lvl3pPr>
-    <a:lvl4pPr lvl="3" marR="0" rtl="0" algn="l">
+    <a:lvl4pPr marR="0" lvl="3" algn="l" rtl="0">
       <a:lnSpc>
         <a:spcPct val="100000"/>
       </a:lnSpc>
@@ -558,7 +578,7 @@
         <a:srgbClr val="000000"/>
       </a:buClr>
       <a:buFont typeface="Arial"/>
-      <a:defRPr b="0" i="0" sz="1400" u="none" cap="none" strike="noStrike">
+      <a:defRPr sz="1400" b="0" i="0" u="none" strike="noStrike" cap="none">
         <a:solidFill>
           <a:srgbClr val="000000"/>
         </a:solidFill>
@@ -568,7 +588,7 @@
         <a:sym typeface="Arial"/>
       </a:defRPr>
     </a:lvl4pPr>
-    <a:lvl5pPr lvl="4" marR="0" rtl="0" algn="l">
+    <a:lvl5pPr marR="0" lvl="4" algn="l" rtl="0">
       <a:lnSpc>
         <a:spcPct val="100000"/>
       </a:lnSpc>
@@ -582,7 +602,7 @@
         <a:srgbClr val="000000"/>
       </a:buClr>
       <a:buFont typeface="Arial"/>
-      <a:defRPr b="0" i="0" sz="1400" u="none" cap="none" strike="noStrike">
+      <a:defRPr sz="1400" b="0" i="0" u="none" strike="noStrike" cap="none">
         <a:solidFill>
           <a:srgbClr val="000000"/>
         </a:solidFill>
@@ -592,7 +612,7 @@
         <a:sym typeface="Arial"/>
       </a:defRPr>
     </a:lvl5pPr>
-    <a:lvl6pPr lvl="5" marR="0" rtl="0" algn="l">
+    <a:lvl6pPr marR="0" lvl="5" algn="l" rtl="0">
       <a:lnSpc>
         <a:spcPct val="100000"/>
       </a:lnSpc>
@@ -606,7 +626,7 @@
         <a:srgbClr val="000000"/>
       </a:buClr>
       <a:buFont typeface="Arial"/>
-      <a:defRPr b="0" i="0" sz="1400" u="none" cap="none" strike="noStrike">
+      <a:defRPr sz="1400" b="0" i="0" u="none" strike="noStrike" cap="none">
         <a:solidFill>
           <a:srgbClr val="000000"/>
         </a:solidFill>
@@ -616,7 +636,7 @@
         <a:sym typeface="Arial"/>
       </a:defRPr>
     </a:lvl6pPr>
-    <a:lvl7pPr lvl="6" marR="0" rtl="0" algn="l">
+    <a:lvl7pPr marR="0" lvl="6" algn="l" rtl="0">
       <a:lnSpc>
         <a:spcPct val="100000"/>
       </a:lnSpc>
@@ -630,7 +650,7 @@
         <a:srgbClr val="000000"/>
       </a:buClr>
       <a:buFont typeface="Arial"/>
-      <a:defRPr b="0" i="0" sz="1400" u="none" cap="none" strike="noStrike">
+      <a:defRPr sz="1400" b="0" i="0" u="none" strike="noStrike" cap="none">
         <a:solidFill>
           <a:srgbClr val="000000"/>
         </a:solidFill>
@@ -640,7 +660,7 @@
         <a:sym typeface="Arial"/>
       </a:defRPr>
     </a:lvl7pPr>
-    <a:lvl8pPr lvl="7" marR="0" rtl="0" algn="l">
+    <a:lvl8pPr marR="0" lvl="7" algn="l" rtl="0">
       <a:lnSpc>
         <a:spcPct val="100000"/>
       </a:lnSpc>
@@ -654,7 +674,7 @@
         <a:srgbClr val="000000"/>
       </a:buClr>
       <a:buFont typeface="Arial"/>
-      <a:defRPr b="0" i="0" sz="1400" u="none" cap="none" strike="noStrike">
+      <a:defRPr sz="1400" b="0" i="0" u="none" strike="noStrike" cap="none">
         <a:solidFill>
           <a:srgbClr val="000000"/>
         </a:solidFill>
@@ -664,7 +684,7 @@
         <a:sym typeface="Arial"/>
       </a:defRPr>
     </a:lvl8pPr>
-    <a:lvl9pPr lvl="8" marR="0" rtl="0" algn="l">
+    <a:lvl9pPr marR="0" lvl="8" algn="l" rtl="0">
       <a:lnSpc>
         <a:spcPct val="100000"/>
       </a:lnSpc>
@@ -678,7 +698,7 @@
         <a:srgbClr val="000000"/>
       </a:buClr>
       <a:buFont typeface="Arial"/>
-      <a:defRPr b="0" i="0" sz="1400" u="none" cap="none" strike="noStrike">
+      <a:defRPr sz="1400" b="0" i="0" u="none" strike="noStrike" cap="none">
         <a:solidFill>
           <a:srgbClr val="000000"/>
         </a:solidFill>
@@ -693,11 +713,11 @@
 </file>
 
 <file path=ppt/notesSlides/notesSlide1.xml><?xml version="1.0" encoding="utf-8"?>
-<p:notes xmlns:a="http://schemas.openxmlformats.org/drawingml/2006/main" xmlns:r="http://schemas.openxmlformats.org/officeDocument/2006/relationships" xmlns:mc="http://schemas.openxmlformats.org/markup-compatibility/2006" xmlns:mv="urn:schemas-microsoft-com:mac:vml" xmlns:p="http://schemas.openxmlformats.org/presentationml/2006/main" xmlns:c="http://schemas.openxmlformats.org/drawingml/2006/chart" xmlns:dgm="http://schemas.openxmlformats.org/drawingml/2006/diagram" xmlns:o="urn:schemas-microsoft-com:office:office" xmlns:v="urn:schemas-microsoft-com:vml" xmlns:pvml="urn:schemas-microsoft-com:office:powerpoint" xmlns:com="http://schemas.openxmlformats.org/drawingml/2006/compatibility" xmlns:p14="http://schemas.microsoft.com/office/powerpoint/2010/main" xmlns:p15="http://schemas.microsoft.com/office/powerpoint/2012/main" showMasterPhAnim="0" showMasterSp="0">
+<p:notes xmlns:a="http://schemas.openxmlformats.org/drawingml/2006/main" xmlns:r="http://schemas.openxmlformats.org/officeDocument/2006/relationships" xmlns:p="http://schemas.openxmlformats.org/presentationml/2006/main" showMasterSp="0" showMasterPhAnim="0">
   <p:cSld>
     <p:spTree>
       <p:nvGrpSpPr>
-        <p:cNvPr id="80" name="Shape 80"/>
+        <p:cNvPr id="1" name="Shape 80"/>
         <p:cNvGrpSpPr/>
         <p:nvPr/>
       </p:nvGrpSpPr>
@@ -712,9 +732,11 @@
       <p:sp>
         <p:nvSpPr>
           <p:cNvPr id="81" name="Google Shape;81;p1:notes"/>
-          <p:cNvSpPr txBox="1"/>
+          <p:cNvSpPr txBox="1">
+            <a:spLocks noGrp="1"/>
+          </p:cNvSpPr>
           <p:nvPr>
-            <p:ph idx="1" type="body"/>
+            <p:ph type="body" idx="1"/>
           </p:nvPr>
         </p:nvSpPr>
         <p:spPr>
@@ -727,12 +749,12 @@
           </a:prstGeom>
         </p:spPr>
         <p:txBody>
-          <a:bodyPr anchorCtr="0" anchor="t" bIns="91425" lIns="91425" spcFirstLastPara="1" rIns="91425" wrap="square" tIns="91425">
+          <a:bodyPr spcFirstLastPara="1" wrap="square" lIns="91425" tIns="91425" rIns="91425" bIns="91425" anchor="t" anchorCtr="0">
             <a:noAutofit/>
           </a:bodyPr>
           <a:lstStyle/>
           <a:p>
-            <a:pPr indent="0" lvl="0" marL="0" rtl="0" algn="l">
+            <a:pPr marL="0" lvl="0" indent="0" algn="l" rtl="0">
               <a:spcBef>
                 <a:spcPts val="0"/>
               </a:spcBef>
@@ -741,9 +763,6 @@
               </a:spcAft>
               <a:buNone/>
             </a:pPr>
-            <a:r>
-              <a:t/>
-            </a:r>
             <a:endParaRPr/>
           </a:p>
         </p:txBody>
@@ -751,9 +770,11 @@
       <p:sp>
         <p:nvSpPr>
           <p:cNvPr id="82" name="Google Shape;82;p1:notes"/>
-          <p:cNvSpPr/>
+          <p:cNvSpPr>
+            <a:spLocks noGrp="1" noRot="1" noChangeAspect="1"/>
+          </p:cNvSpPr>
           <p:nvPr>
-            <p:ph idx="2" type="sldImg"/>
+            <p:ph type="sldImg" idx="2"/>
           </p:nvPr>
         </p:nvSpPr>
         <p:spPr>
@@ -762,9 +783,13 @@
             <a:ext cx="4572225" cy="3429000"/>
           </a:xfrm>
           <a:custGeom>
-            <a:rect b="b" l="l" r="r" t="t"/>
+            <a:avLst/>
+            <a:gdLst/>
+            <a:ahLst/>
+            <a:cxnLst/>
+            <a:rect l="l" t="t" r="r" b="b"/>
             <a:pathLst>
-              <a:path extrusionOk="0" h="120000" w="120000">
+              <a:path w="120000" h="120000" extrusionOk="0">
                 <a:moveTo>
                   <a:pt x="0" y="0"/>
                 </a:moveTo>
@@ -792,11 +817,11 @@
 </file>
 
 <file path=ppt/notesSlides/notesSlide2.xml><?xml version="1.0" encoding="utf-8"?>
-<p:notes xmlns:a="http://schemas.openxmlformats.org/drawingml/2006/main" xmlns:r="http://schemas.openxmlformats.org/officeDocument/2006/relationships" xmlns:mc="http://schemas.openxmlformats.org/markup-compatibility/2006" xmlns:mv="urn:schemas-microsoft-com:mac:vml" xmlns:p="http://schemas.openxmlformats.org/presentationml/2006/main" xmlns:c="http://schemas.openxmlformats.org/drawingml/2006/chart" xmlns:dgm="http://schemas.openxmlformats.org/drawingml/2006/diagram" xmlns:o="urn:schemas-microsoft-com:office:office" xmlns:v="urn:schemas-microsoft-com:vml" xmlns:pvml="urn:schemas-microsoft-com:office:powerpoint" xmlns:com="http://schemas.openxmlformats.org/drawingml/2006/compatibility" xmlns:p14="http://schemas.microsoft.com/office/powerpoint/2010/main" xmlns:p15="http://schemas.microsoft.com/office/powerpoint/2012/main" showMasterPhAnim="0" showMasterSp="0">
+<p:notes xmlns:a="http://schemas.openxmlformats.org/drawingml/2006/main" xmlns:r="http://schemas.openxmlformats.org/officeDocument/2006/relationships" xmlns:p="http://schemas.openxmlformats.org/presentationml/2006/main" showMasterSp="0" showMasterPhAnim="0">
   <p:cSld>
     <p:spTree>
       <p:nvGrpSpPr>
-        <p:cNvPr id="88" name="Shape 88"/>
+        <p:cNvPr id="1" name="Shape 88"/>
         <p:cNvGrpSpPr/>
         <p:nvPr/>
       </p:nvGrpSpPr>
@@ -811,9 +836,11 @@
       <p:sp>
         <p:nvSpPr>
           <p:cNvPr id="89" name="Google Shape;89;p2:notes"/>
-          <p:cNvSpPr txBox="1"/>
+          <p:cNvSpPr txBox="1">
+            <a:spLocks noGrp="1"/>
+          </p:cNvSpPr>
           <p:nvPr>
-            <p:ph idx="1" type="body"/>
+            <p:ph type="body" idx="1"/>
           </p:nvPr>
         </p:nvSpPr>
         <p:spPr>
@@ -826,12 +853,12 @@
           </a:prstGeom>
         </p:spPr>
         <p:txBody>
-          <a:bodyPr anchorCtr="0" anchor="t" bIns="91425" lIns="91425" spcFirstLastPara="1" rIns="91425" wrap="square" tIns="91425">
+          <a:bodyPr spcFirstLastPara="1" wrap="square" lIns="91425" tIns="91425" rIns="91425" bIns="91425" anchor="t" anchorCtr="0">
             <a:noAutofit/>
           </a:bodyPr>
           <a:lstStyle/>
           <a:p>
-            <a:pPr indent="0" lvl="0" marL="0" rtl="0" algn="l">
+            <a:pPr marL="0" lvl="0" indent="0" algn="l" rtl="0">
               <a:spcBef>
                 <a:spcPts val="0"/>
               </a:spcBef>
@@ -840,9 +867,6 @@
               </a:spcAft>
               <a:buNone/>
             </a:pPr>
-            <a:r>
-              <a:t/>
-            </a:r>
             <a:endParaRPr/>
           </a:p>
         </p:txBody>
@@ -850,9 +874,11 @@
       <p:sp>
         <p:nvSpPr>
           <p:cNvPr id="90" name="Google Shape;90;p2:notes"/>
-          <p:cNvSpPr/>
+          <p:cNvSpPr>
+            <a:spLocks noGrp="1" noRot="1" noChangeAspect="1"/>
+          </p:cNvSpPr>
           <p:nvPr>
-            <p:ph idx="2" type="sldImg"/>
+            <p:ph type="sldImg" idx="2"/>
           </p:nvPr>
         </p:nvSpPr>
         <p:spPr>
@@ -861,9 +887,13 @@
             <a:ext cx="4572225" cy="3429000"/>
           </a:xfrm>
           <a:custGeom>
-            <a:rect b="b" l="l" r="r" t="t"/>
+            <a:avLst/>
+            <a:gdLst/>
+            <a:ahLst/>
+            <a:cxnLst/>
+            <a:rect l="l" t="t" r="r" b="b"/>
             <a:pathLst>
-              <a:path extrusionOk="0" h="120000" w="120000">
+              <a:path w="120000" h="120000" extrusionOk="0">
                 <a:moveTo>
                   <a:pt x="0" y="0"/>
                 </a:moveTo>
@@ -891,11 +921,11 @@
 </file>
 
 <file path=ppt/notesSlides/notesSlide3.xml><?xml version="1.0" encoding="utf-8"?>
-<p:notes xmlns:a="http://schemas.openxmlformats.org/drawingml/2006/main" xmlns:r="http://schemas.openxmlformats.org/officeDocument/2006/relationships" xmlns:mc="http://schemas.openxmlformats.org/markup-compatibility/2006" xmlns:mv="urn:schemas-microsoft-com:mac:vml" xmlns:p="http://schemas.openxmlformats.org/presentationml/2006/main" xmlns:c="http://schemas.openxmlformats.org/drawingml/2006/chart" xmlns:dgm="http://schemas.openxmlformats.org/drawingml/2006/diagram" xmlns:o="urn:schemas-microsoft-com:office:office" xmlns:v="urn:schemas-microsoft-com:vml" xmlns:pvml="urn:schemas-microsoft-com:office:powerpoint" xmlns:com="http://schemas.openxmlformats.org/drawingml/2006/compatibility" xmlns:p14="http://schemas.microsoft.com/office/powerpoint/2010/main" xmlns:p15="http://schemas.microsoft.com/office/powerpoint/2012/main" showMasterPhAnim="0" showMasterSp="0">
+<p:notes xmlns:a="http://schemas.openxmlformats.org/drawingml/2006/main" xmlns:r="http://schemas.openxmlformats.org/officeDocument/2006/relationships" xmlns:p="http://schemas.openxmlformats.org/presentationml/2006/main" showMasterSp="0" showMasterPhAnim="0">
   <p:cSld>
     <p:spTree>
       <p:nvGrpSpPr>
-        <p:cNvPr id="95" name="Shape 95"/>
+        <p:cNvPr id="1" name="Shape 95"/>
         <p:cNvGrpSpPr/>
         <p:nvPr/>
       </p:nvGrpSpPr>
@@ -910,9 +940,11 @@
       <p:sp>
         <p:nvSpPr>
           <p:cNvPr id="96" name="Google Shape;96;p3:notes"/>
-          <p:cNvSpPr txBox="1"/>
+          <p:cNvSpPr txBox="1">
+            <a:spLocks noGrp="1"/>
+          </p:cNvSpPr>
           <p:nvPr>
-            <p:ph idx="1" type="body"/>
+            <p:ph type="body" idx="1"/>
           </p:nvPr>
         </p:nvSpPr>
         <p:spPr>
@@ -925,12 +957,12 @@
           </a:prstGeom>
         </p:spPr>
         <p:txBody>
-          <a:bodyPr anchorCtr="0" anchor="t" bIns="91425" lIns="91425" spcFirstLastPara="1" rIns="91425" wrap="square" tIns="91425">
+          <a:bodyPr spcFirstLastPara="1" wrap="square" lIns="91425" tIns="91425" rIns="91425" bIns="91425" anchor="t" anchorCtr="0">
             <a:noAutofit/>
           </a:bodyPr>
           <a:lstStyle/>
           <a:p>
-            <a:pPr indent="0" lvl="0" marL="0" rtl="0" algn="l">
+            <a:pPr marL="0" lvl="0" indent="0" algn="l" rtl="0">
               <a:spcBef>
                 <a:spcPts val="0"/>
               </a:spcBef>
@@ -939,9 +971,6 @@
               </a:spcAft>
               <a:buNone/>
             </a:pPr>
-            <a:r>
-              <a:t/>
-            </a:r>
             <a:endParaRPr/>
           </a:p>
         </p:txBody>
@@ -949,20 +978,26 @@
       <p:sp>
         <p:nvSpPr>
           <p:cNvPr id="97" name="Google Shape;97;p3:notes"/>
-          <p:cNvSpPr/>
+          <p:cNvSpPr>
+            <a:spLocks noGrp="1" noRot="1" noChangeAspect="1"/>
+          </p:cNvSpPr>
           <p:nvPr>
-            <p:ph idx="2" type="sldImg"/>
+            <p:ph type="sldImg" idx="2"/>
           </p:nvPr>
         </p:nvSpPr>
         <p:spPr>
           <a:xfrm>
-            <a:off x="1143225" y="685800"/>
-            <a:ext cx="4572225" cy="3429000"/>
+            <a:off x="381000" y="685800"/>
+            <a:ext cx="6096000" cy="3429000"/>
           </a:xfrm>
           <a:custGeom>
-            <a:rect b="b" l="l" r="r" t="t"/>
+            <a:avLst/>
+            <a:gdLst/>
+            <a:ahLst/>
+            <a:cxnLst/>
+            <a:rect l="l" t="t" r="r" b="b"/>
             <a:pathLst>
-              <a:path extrusionOk="0" h="120000" w="120000">
+              <a:path w="120000" h="120000" extrusionOk="0">
                 <a:moveTo>
                   <a:pt x="0" y="0"/>
                 </a:moveTo>
@@ -990,11 +1025,11 @@
 </file>
 
 <file path=ppt/notesSlides/notesSlide4.xml><?xml version="1.0" encoding="utf-8"?>
-<p:notes xmlns:a="http://schemas.openxmlformats.org/drawingml/2006/main" xmlns:r="http://schemas.openxmlformats.org/officeDocument/2006/relationships" xmlns:mc="http://schemas.openxmlformats.org/markup-compatibility/2006" xmlns:mv="urn:schemas-microsoft-com:mac:vml" xmlns:p="http://schemas.openxmlformats.org/presentationml/2006/main" xmlns:c="http://schemas.openxmlformats.org/drawingml/2006/chart" xmlns:dgm="http://schemas.openxmlformats.org/drawingml/2006/diagram" xmlns:o="urn:schemas-microsoft-com:office:office" xmlns:v="urn:schemas-microsoft-com:vml" xmlns:pvml="urn:schemas-microsoft-com:office:powerpoint" xmlns:com="http://schemas.openxmlformats.org/drawingml/2006/compatibility" xmlns:p14="http://schemas.microsoft.com/office/powerpoint/2010/main" xmlns:p15="http://schemas.microsoft.com/office/powerpoint/2012/main" showMasterPhAnim="0" showMasterSp="0">
+<p:notes xmlns:a="http://schemas.openxmlformats.org/drawingml/2006/main" xmlns:r="http://schemas.openxmlformats.org/officeDocument/2006/relationships" xmlns:p="http://schemas.openxmlformats.org/presentationml/2006/main" showMasterSp="0" showMasterPhAnim="0">
   <p:cSld>
     <p:spTree>
       <p:nvGrpSpPr>
-        <p:cNvPr id="102" name="Shape 102"/>
+        <p:cNvPr id="1" name="Shape 102"/>
         <p:cNvGrpSpPr/>
         <p:nvPr/>
       </p:nvGrpSpPr>
@@ -1009,9 +1044,11 @@
       <p:sp>
         <p:nvSpPr>
           <p:cNvPr id="103" name="Google Shape;103;p4:notes"/>
-          <p:cNvSpPr txBox="1"/>
+          <p:cNvSpPr txBox="1">
+            <a:spLocks noGrp="1"/>
+          </p:cNvSpPr>
           <p:nvPr>
-            <p:ph idx="1" type="body"/>
+            <p:ph type="body" idx="1"/>
           </p:nvPr>
         </p:nvSpPr>
         <p:spPr>
@@ -1024,12 +1061,12 @@
           </a:prstGeom>
         </p:spPr>
         <p:txBody>
-          <a:bodyPr anchorCtr="0" anchor="t" bIns="91425" lIns="91425" spcFirstLastPara="1" rIns="91425" wrap="square" tIns="91425">
+          <a:bodyPr spcFirstLastPara="1" wrap="square" lIns="91425" tIns="91425" rIns="91425" bIns="91425" anchor="t" anchorCtr="0">
             <a:noAutofit/>
           </a:bodyPr>
           <a:lstStyle/>
           <a:p>
-            <a:pPr indent="0" lvl="0" marL="0" rtl="0" algn="l">
+            <a:pPr marL="0" lvl="0" indent="0" algn="l" rtl="0">
               <a:spcBef>
                 <a:spcPts val="0"/>
               </a:spcBef>
@@ -1038,9 +1075,6 @@
               </a:spcAft>
               <a:buNone/>
             </a:pPr>
-            <a:r>
-              <a:t/>
-            </a:r>
             <a:endParaRPr/>
           </a:p>
         </p:txBody>
@@ -1048,20 +1082,26 @@
       <p:sp>
         <p:nvSpPr>
           <p:cNvPr id="104" name="Google Shape;104;p4:notes"/>
-          <p:cNvSpPr/>
+          <p:cNvSpPr>
+            <a:spLocks noGrp="1" noRot="1" noChangeAspect="1"/>
+          </p:cNvSpPr>
           <p:nvPr>
-            <p:ph idx="2" type="sldImg"/>
+            <p:ph type="sldImg" idx="2"/>
           </p:nvPr>
         </p:nvSpPr>
         <p:spPr>
           <a:xfrm>
-            <a:off x="1143225" y="685800"/>
-            <a:ext cx="4572225" cy="3429000"/>
+            <a:off x="381000" y="685800"/>
+            <a:ext cx="6096000" cy="3429000"/>
           </a:xfrm>
           <a:custGeom>
-            <a:rect b="b" l="l" r="r" t="t"/>
+            <a:avLst/>
+            <a:gdLst/>
+            <a:ahLst/>
+            <a:cxnLst/>
+            <a:rect l="l" t="t" r="r" b="b"/>
             <a:pathLst>
-              <a:path extrusionOk="0" h="120000" w="120000">
+              <a:path w="120000" h="120000" extrusionOk="0">
                 <a:moveTo>
                   <a:pt x="0" y="0"/>
                 </a:moveTo>
@@ -1089,11 +1129,11 @@
 </file>
 
 <file path=ppt/slideLayouts/slideLayout1.xml><?xml version="1.0" encoding="utf-8"?>
-<p:sldLayout xmlns:a="http://schemas.openxmlformats.org/drawingml/2006/main" xmlns:r="http://schemas.openxmlformats.org/officeDocument/2006/relationships" xmlns:mc="http://schemas.openxmlformats.org/markup-compatibility/2006" xmlns:mv="urn:schemas-microsoft-com:mac:vml" xmlns:p="http://schemas.openxmlformats.org/presentationml/2006/main" xmlns:c="http://schemas.openxmlformats.org/drawingml/2006/chart" xmlns:dgm="http://schemas.openxmlformats.org/drawingml/2006/diagram" xmlns:o="urn:schemas-microsoft-com:office:office" xmlns:v="urn:schemas-microsoft-com:vml" xmlns:pvml="urn:schemas-microsoft-com:office:powerpoint" xmlns:com="http://schemas.openxmlformats.org/drawingml/2006/compatibility" xmlns:p14="http://schemas.microsoft.com/office/powerpoint/2010/main" xmlns:p15="http://schemas.microsoft.com/office/powerpoint/2012/main" matchingName="Diapositiva titolo" type="title">
+<p:sldLayout xmlns:a="http://schemas.openxmlformats.org/drawingml/2006/main" xmlns:r="http://schemas.openxmlformats.org/officeDocument/2006/relationships" xmlns:p="http://schemas.openxmlformats.org/presentationml/2006/main" matchingName="Diapositiva titolo" type="title">
   <p:cSld name="TITLE">
     <p:spTree>
       <p:nvGrpSpPr>
-        <p:cNvPr id="11" name="Shape 11"/>
+        <p:cNvPr id="1" name="Shape 11"/>
         <p:cNvGrpSpPr/>
         <p:nvPr/>
       </p:nvGrpSpPr>
@@ -1108,7 +1148,9 @@
       <p:sp>
         <p:nvSpPr>
           <p:cNvPr id="12" name="Google Shape;12;p6"/>
-          <p:cNvSpPr txBox="1"/>
+          <p:cNvSpPr txBox="1">
+            <a:spLocks noGrp="1"/>
+          </p:cNvSpPr>
           <p:nvPr>
             <p:ph type="ctrTitle"/>
           </p:nvPr>
@@ -1127,7 +1169,7 @@
           </a:ln>
         </p:spPr>
         <p:txBody>
-          <a:bodyPr anchorCtr="0" anchor="b" bIns="45700" lIns="91425" spcFirstLastPara="1" rIns="91425" wrap="square" tIns="45700">
+          <a:bodyPr spcFirstLastPara="1" wrap="square" lIns="91425" tIns="45700" rIns="91425" bIns="45700" anchor="b" anchorCtr="0">
             <a:normAutofit/>
           </a:bodyPr>
           <a:lstStyle>
@@ -1238,15 +1280,19 @@
               <a:defRPr/>
             </a:lvl9pPr>
           </a:lstStyle>
-          <a:p/>
+          <a:p>
+            <a:endParaRPr/>
+          </a:p>
         </p:txBody>
       </p:sp>
       <p:sp>
         <p:nvSpPr>
           <p:cNvPr id="13" name="Google Shape;13;p6"/>
-          <p:cNvSpPr txBox="1"/>
+          <p:cNvSpPr txBox="1">
+            <a:spLocks noGrp="1"/>
+          </p:cNvSpPr>
           <p:nvPr>
-            <p:ph idx="1" type="subTitle"/>
+            <p:ph type="subTitle" idx="1"/>
           </p:nvPr>
         </p:nvSpPr>
         <p:spPr>
@@ -1263,7 +1309,7 @@
           </a:ln>
         </p:spPr>
         <p:txBody>
-          <a:bodyPr anchorCtr="0" anchor="t" bIns="45700" lIns="91425" spcFirstLastPara="1" rIns="91425" wrap="square" tIns="45700">
+          <a:bodyPr spcFirstLastPara="1" wrap="square" lIns="91425" tIns="45700" rIns="91425" bIns="45700" anchor="t" anchorCtr="0">
             <a:normAutofit/>
           </a:bodyPr>
           <a:lstStyle>
@@ -1421,15 +1467,19 @@
               <a:defRPr sz="1600"/>
             </a:lvl9pPr>
           </a:lstStyle>
-          <a:p/>
+          <a:p>
+            <a:endParaRPr/>
+          </a:p>
         </p:txBody>
       </p:sp>
       <p:sp>
         <p:nvSpPr>
           <p:cNvPr id="14" name="Google Shape;14;p6"/>
-          <p:cNvSpPr txBox="1"/>
+          <p:cNvSpPr txBox="1">
+            <a:spLocks noGrp="1"/>
+          </p:cNvSpPr>
           <p:nvPr>
-            <p:ph idx="10" type="dt"/>
+            <p:ph type="dt" idx="10"/>
           </p:nvPr>
         </p:nvSpPr>
         <p:spPr>
@@ -1446,7 +1496,7 @@
           </a:ln>
         </p:spPr>
         <p:txBody>
-          <a:bodyPr anchorCtr="0" anchor="ctr" bIns="45700" lIns="91425" spcFirstLastPara="1" rIns="91425" wrap="square" tIns="45700">
+          <a:bodyPr spcFirstLastPara="1" wrap="square" lIns="91425" tIns="45700" rIns="91425" bIns="45700" anchor="ctr" anchorCtr="0">
             <a:noAutofit/>
           </a:bodyPr>
           <a:lstStyle>
@@ -1550,15 +1600,19 @@
               <a:defRPr/>
             </a:lvl9pPr>
           </a:lstStyle>
-          <a:p/>
+          <a:p>
+            <a:endParaRPr/>
+          </a:p>
         </p:txBody>
       </p:sp>
       <p:sp>
         <p:nvSpPr>
           <p:cNvPr id="15" name="Google Shape;15;p6"/>
-          <p:cNvSpPr txBox="1"/>
+          <p:cNvSpPr txBox="1">
+            <a:spLocks noGrp="1"/>
+          </p:cNvSpPr>
           <p:nvPr>
-            <p:ph idx="11" type="ftr"/>
+            <p:ph type="ftr" idx="11"/>
           </p:nvPr>
         </p:nvSpPr>
         <p:spPr>
@@ -1575,7 +1629,7 @@
           </a:ln>
         </p:spPr>
         <p:txBody>
-          <a:bodyPr anchorCtr="0" anchor="ctr" bIns="45700" lIns="91425" spcFirstLastPara="1" rIns="91425" wrap="square" tIns="45700">
+          <a:bodyPr spcFirstLastPara="1" wrap="square" lIns="91425" tIns="45700" rIns="91425" bIns="45700" anchor="ctr" anchorCtr="0">
             <a:noAutofit/>
           </a:bodyPr>
           <a:lstStyle>
@@ -1679,15 +1733,19 @@
               <a:defRPr/>
             </a:lvl9pPr>
           </a:lstStyle>
-          <a:p/>
+          <a:p>
+            <a:endParaRPr/>
+          </a:p>
         </p:txBody>
       </p:sp>
       <p:sp>
         <p:nvSpPr>
           <p:cNvPr id="16" name="Google Shape;16;p6"/>
-          <p:cNvSpPr txBox="1"/>
+          <p:cNvSpPr txBox="1">
+            <a:spLocks noGrp="1"/>
+          </p:cNvSpPr>
           <p:nvPr>
-            <p:ph idx="12" type="sldNum"/>
+            <p:ph type="sldNum" idx="12"/>
           </p:nvPr>
         </p:nvSpPr>
         <p:spPr>
@@ -1704,67 +1762,67 @@
           </a:ln>
         </p:spPr>
         <p:txBody>
-          <a:bodyPr anchorCtr="0" anchor="ctr" bIns="45700" lIns="91425" spcFirstLastPara="1" rIns="91425" wrap="square" tIns="45700">
+          <a:bodyPr spcFirstLastPara="1" wrap="square" lIns="91425" tIns="45700" rIns="91425" bIns="45700" anchor="ctr" anchorCtr="0">
             <a:noAutofit/>
           </a:bodyPr>
           <a:lstStyle>
-            <a:lvl1pPr indent="0" lvl="0" marL="0" algn="r">
+            <a:lvl1pPr marL="0" lvl="0" indent="0" algn="r">
               <a:spcBef>
                 <a:spcPts val="0"/>
               </a:spcBef>
               <a:buNone/>
               <a:defRPr/>
             </a:lvl1pPr>
-            <a:lvl2pPr indent="0" lvl="1" marL="0" algn="r">
+            <a:lvl2pPr marL="0" lvl="1" indent="0" algn="r">
               <a:spcBef>
                 <a:spcPts val="0"/>
               </a:spcBef>
               <a:buNone/>
               <a:defRPr/>
             </a:lvl2pPr>
-            <a:lvl3pPr indent="0" lvl="2" marL="0" algn="r">
+            <a:lvl3pPr marL="0" lvl="2" indent="0" algn="r">
               <a:spcBef>
                 <a:spcPts val="0"/>
               </a:spcBef>
               <a:buNone/>
               <a:defRPr/>
             </a:lvl3pPr>
-            <a:lvl4pPr indent="0" lvl="3" marL="0" algn="r">
+            <a:lvl4pPr marL="0" lvl="3" indent="0" algn="r">
               <a:spcBef>
                 <a:spcPts val="0"/>
               </a:spcBef>
               <a:buNone/>
               <a:defRPr/>
             </a:lvl4pPr>
-            <a:lvl5pPr indent="0" lvl="4" marL="0" algn="r">
+            <a:lvl5pPr marL="0" lvl="4" indent="0" algn="r">
               <a:spcBef>
                 <a:spcPts val="0"/>
               </a:spcBef>
               <a:buNone/>
               <a:defRPr/>
             </a:lvl5pPr>
-            <a:lvl6pPr indent="0" lvl="5" marL="0" algn="r">
+            <a:lvl6pPr marL="0" lvl="5" indent="0" algn="r">
               <a:spcBef>
                 <a:spcPts val="0"/>
               </a:spcBef>
               <a:buNone/>
               <a:defRPr/>
             </a:lvl6pPr>
-            <a:lvl7pPr indent="0" lvl="6" marL="0" algn="r">
+            <a:lvl7pPr marL="0" lvl="6" indent="0" algn="r">
               <a:spcBef>
                 <a:spcPts val="0"/>
               </a:spcBef>
               <a:buNone/>
               <a:defRPr/>
             </a:lvl7pPr>
-            <a:lvl8pPr indent="0" lvl="7" marL="0" algn="r">
+            <a:lvl8pPr marL="0" lvl="7" indent="0" algn="r">
               <a:spcBef>
                 <a:spcPts val="0"/>
               </a:spcBef>
               <a:buNone/>
               <a:defRPr/>
             </a:lvl8pPr>
-            <a:lvl9pPr indent="0" lvl="8" marL="0" algn="r">
+            <a:lvl9pPr marL="0" lvl="8" indent="0" algn="r">
               <a:spcBef>
                 <a:spcPts val="0"/>
               </a:spcBef>
@@ -1773,7 +1831,7 @@
             </a:lvl9pPr>
           </a:lstStyle>
           <a:p>
-            <a:pPr indent="0" lvl="0" marL="0" rtl="0" algn="r">
+            <a:pPr marL="0" lvl="0" indent="0" algn="r" rtl="0">
               <a:spcBef>
                 <a:spcPts val="0"/>
               </a:spcBef>
@@ -1784,7 +1842,7 @@
             </a:pPr>
             <a:fld id="{00000000-1234-1234-1234-123412341234}" type="slidenum">
               <a:rPr lang="it-IT"/>
-              <a:t>‹#›</a:t>
+              <a:t>‹N›</a:t>
             </a:fld>
             <a:endParaRPr/>
           </a:p>
@@ -1799,11 +1857,11 @@
 </file>
 
 <file path=ppt/slideLayouts/slideLayout10.xml><?xml version="1.0" encoding="utf-8"?>
-<p:sldLayout xmlns:a="http://schemas.openxmlformats.org/drawingml/2006/main" xmlns:r="http://schemas.openxmlformats.org/officeDocument/2006/relationships" xmlns:mc="http://schemas.openxmlformats.org/markup-compatibility/2006" xmlns:mv="urn:schemas-microsoft-com:mac:vml" xmlns:p="http://schemas.openxmlformats.org/presentationml/2006/main" xmlns:c="http://schemas.openxmlformats.org/drawingml/2006/chart" xmlns:dgm="http://schemas.openxmlformats.org/drawingml/2006/diagram" xmlns:o="urn:schemas-microsoft-com:office:office" xmlns:v="urn:schemas-microsoft-com:vml" xmlns:pvml="urn:schemas-microsoft-com:office:powerpoint" xmlns:com="http://schemas.openxmlformats.org/drawingml/2006/compatibility" xmlns:p14="http://schemas.microsoft.com/office/powerpoint/2010/main" xmlns:p15="http://schemas.microsoft.com/office/powerpoint/2012/main" matchingName="Titolo e testo verticale" type="vertTx">
+<p:sldLayout xmlns:a="http://schemas.openxmlformats.org/drawingml/2006/main" xmlns:r="http://schemas.openxmlformats.org/officeDocument/2006/relationships" xmlns:p="http://schemas.openxmlformats.org/presentationml/2006/main" matchingName="Titolo e testo verticale" type="vertTx">
   <p:cSld name="VERTICAL_TEXT">
     <p:spTree>
       <p:nvGrpSpPr>
-        <p:cNvPr id="68" name="Shape 68"/>
+        <p:cNvPr id="1" name="Shape 68"/>
         <p:cNvGrpSpPr/>
         <p:nvPr/>
       </p:nvGrpSpPr>
@@ -1818,7 +1876,9 @@
       <p:sp>
         <p:nvSpPr>
           <p:cNvPr id="69" name="Google Shape;69;p15"/>
-          <p:cNvSpPr txBox="1"/>
+          <p:cNvSpPr txBox="1">
+            <a:spLocks noGrp="1"/>
+          </p:cNvSpPr>
           <p:nvPr>
             <p:ph type="title"/>
           </p:nvPr>
@@ -1837,7 +1897,7 @@
           </a:ln>
         </p:spPr>
         <p:txBody>
-          <a:bodyPr anchorCtr="0" anchor="ctr" bIns="45700" lIns="91425" spcFirstLastPara="1" rIns="91425" wrap="square" tIns="45700">
+          <a:bodyPr spcFirstLastPara="1" wrap="square" lIns="91425" tIns="45700" rIns="91425" bIns="45700" anchor="ctr" anchorCtr="0">
             <a:normAutofit/>
           </a:bodyPr>
           <a:lstStyle>
@@ -1947,15 +2007,19 @@
               <a:defRPr/>
             </a:lvl9pPr>
           </a:lstStyle>
-          <a:p/>
+          <a:p>
+            <a:endParaRPr/>
+          </a:p>
         </p:txBody>
       </p:sp>
       <p:sp>
         <p:nvSpPr>
           <p:cNvPr id="70" name="Google Shape;70;p15"/>
-          <p:cNvSpPr txBox="1"/>
+          <p:cNvSpPr txBox="1">
+            <a:spLocks noGrp="1"/>
+          </p:cNvSpPr>
           <p:nvPr>
-            <p:ph idx="1" type="body"/>
+            <p:ph type="body" idx="1"/>
           </p:nvPr>
         </p:nvSpPr>
         <p:spPr>
@@ -1972,11 +2036,11 @@
           </a:ln>
         </p:spPr>
         <p:txBody>
-          <a:bodyPr anchorCtr="0" anchor="t" bIns="45700" lIns="91425" spcFirstLastPara="1" rIns="91425" wrap="square" tIns="45700">
+          <a:bodyPr spcFirstLastPara="1" wrap="square" lIns="91425" tIns="45700" rIns="91425" bIns="45700" anchor="t" anchorCtr="0">
             <a:normAutofit/>
           </a:bodyPr>
           <a:lstStyle>
-            <a:lvl1pPr indent="-342900" lvl="0" marL="457200" algn="l">
+            <a:lvl1pPr marL="457200" lvl="0" indent="-342900" algn="l">
               <a:lnSpc>
                 <a:spcPct val="90000"/>
               </a:lnSpc>
@@ -1993,7 +2057,7 @@
               <a:buChar char="•"/>
               <a:defRPr/>
             </a:lvl1pPr>
-            <a:lvl2pPr indent="-342900" lvl="1" marL="914400" algn="l">
+            <a:lvl2pPr marL="914400" lvl="1" indent="-342900" algn="l">
               <a:lnSpc>
                 <a:spcPct val="90000"/>
               </a:lnSpc>
@@ -2010,7 +2074,7 @@
               <a:buChar char="•"/>
               <a:defRPr/>
             </a:lvl2pPr>
-            <a:lvl3pPr indent="-342900" lvl="2" marL="1371600" algn="l">
+            <a:lvl3pPr marL="1371600" lvl="2" indent="-342900" algn="l">
               <a:lnSpc>
                 <a:spcPct val="90000"/>
               </a:lnSpc>
@@ -2027,7 +2091,7 @@
               <a:buChar char="•"/>
               <a:defRPr/>
             </a:lvl3pPr>
-            <a:lvl4pPr indent="-342900" lvl="3" marL="1828800" algn="l">
+            <a:lvl4pPr marL="1828800" lvl="3" indent="-342900" algn="l">
               <a:lnSpc>
                 <a:spcPct val="90000"/>
               </a:lnSpc>
@@ -2044,7 +2108,7 @@
               <a:buChar char="•"/>
               <a:defRPr/>
             </a:lvl4pPr>
-            <a:lvl5pPr indent="-342900" lvl="4" marL="2286000" algn="l">
+            <a:lvl5pPr marL="2286000" lvl="4" indent="-342900" algn="l">
               <a:lnSpc>
                 <a:spcPct val="90000"/>
               </a:lnSpc>
@@ -2061,7 +2125,7 @@
               <a:buChar char="•"/>
               <a:defRPr/>
             </a:lvl5pPr>
-            <a:lvl6pPr indent="-342900" lvl="5" marL="2743200" algn="l">
+            <a:lvl6pPr marL="2743200" lvl="5" indent="-342900" algn="l">
               <a:lnSpc>
                 <a:spcPct val="90000"/>
               </a:lnSpc>
@@ -2078,7 +2142,7 @@
               <a:buChar char="•"/>
               <a:defRPr/>
             </a:lvl6pPr>
-            <a:lvl7pPr indent="-342900" lvl="6" marL="3200400" algn="l">
+            <a:lvl7pPr marL="3200400" lvl="6" indent="-342900" algn="l">
               <a:lnSpc>
                 <a:spcPct val="90000"/>
               </a:lnSpc>
@@ -2095,7 +2159,7 @@
               <a:buChar char="•"/>
               <a:defRPr/>
             </a:lvl7pPr>
-            <a:lvl8pPr indent="-342900" lvl="7" marL="3657600" algn="l">
+            <a:lvl8pPr marL="3657600" lvl="7" indent="-342900" algn="l">
               <a:lnSpc>
                 <a:spcPct val="90000"/>
               </a:lnSpc>
@@ -2112,7 +2176,7 @@
               <a:buChar char="•"/>
               <a:defRPr/>
             </a:lvl8pPr>
-            <a:lvl9pPr indent="-342900" lvl="8" marL="4114800" algn="l">
+            <a:lvl9pPr marL="4114800" lvl="8" indent="-342900" algn="l">
               <a:lnSpc>
                 <a:spcPct val="90000"/>
               </a:lnSpc>
@@ -2130,15 +2194,19 @@
               <a:defRPr/>
             </a:lvl9pPr>
           </a:lstStyle>
-          <a:p/>
+          <a:p>
+            <a:endParaRPr/>
+          </a:p>
         </p:txBody>
       </p:sp>
       <p:sp>
         <p:nvSpPr>
           <p:cNvPr id="71" name="Google Shape;71;p15"/>
-          <p:cNvSpPr txBox="1"/>
+          <p:cNvSpPr txBox="1">
+            <a:spLocks noGrp="1"/>
+          </p:cNvSpPr>
           <p:nvPr>
-            <p:ph idx="10" type="dt"/>
+            <p:ph type="dt" idx="10"/>
           </p:nvPr>
         </p:nvSpPr>
         <p:spPr>
@@ -2155,7 +2223,7 @@
           </a:ln>
         </p:spPr>
         <p:txBody>
-          <a:bodyPr anchorCtr="0" anchor="ctr" bIns="45700" lIns="91425" spcFirstLastPara="1" rIns="91425" wrap="square" tIns="45700">
+          <a:bodyPr spcFirstLastPara="1" wrap="square" lIns="91425" tIns="45700" rIns="91425" bIns="45700" anchor="ctr" anchorCtr="0">
             <a:noAutofit/>
           </a:bodyPr>
           <a:lstStyle>
@@ -2259,15 +2327,19 @@
               <a:defRPr/>
             </a:lvl9pPr>
           </a:lstStyle>
-          <a:p/>
+          <a:p>
+            <a:endParaRPr/>
+          </a:p>
         </p:txBody>
       </p:sp>
       <p:sp>
         <p:nvSpPr>
           <p:cNvPr id="72" name="Google Shape;72;p15"/>
-          <p:cNvSpPr txBox="1"/>
+          <p:cNvSpPr txBox="1">
+            <a:spLocks noGrp="1"/>
+          </p:cNvSpPr>
           <p:nvPr>
-            <p:ph idx="11" type="ftr"/>
+            <p:ph type="ftr" idx="11"/>
           </p:nvPr>
         </p:nvSpPr>
         <p:spPr>
@@ -2284,7 +2356,7 @@
           </a:ln>
         </p:spPr>
         <p:txBody>
-          <a:bodyPr anchorCtr="0" anchor="ctr" bIns="45700" lIns="91425" spcFirstLastPara="1" rIns="91425" wrap="square" tIns="45700">
+          <a:bodyPr spcFirstLastPara="1" wrap="square" lIns="91425" tIns="45700" rIns="91425" bIns="45700" anchor="ctr" anchorCtr="0">
             <a:noAutofit/>
           </a:bodyPr>
           <a:lstStyle>
@@ -2388,15 +2460,19 @@
               <a:defRPr/>
             </a:lvl9pPr>
           </a:lstStyle>
-          <a:p/>
+          <a:p>
+            <a:endParaRPr/>
+          </a:p>
         </p:txBody>
       </p:sp>
       <p:sp>
         <p:nvSpPr>
           <p:cNvPr id="73" name="Google Shape;73;p15"/>
-          <p:cNvSpPr txBox="1"/>
+          <p:cNvSpPr txBox="1">
+            <a:spLocks noGrp="1"/>
+          </p:cNvSpPr>
           <p:nvPr>
-            <p:ph idx="12" type="sldNum"/>
+            <p:ph type="sldNum" idx="12"/>
           </p:nvPr>
         </p:nvSpPr>
         <p:spPr>
@@ -2413,67 +2489,67 @@
           </a:ln>
         </p:spPr>
         <p:txBody>
-          <a:bodyPr anchorCtr="0" anchor="ctr" bIns="45700" lIns="91425" spcFirstLastPara="1" rIns="91425" wrap="square" tIns="45700">
+          <a:bodyPr spcFirstLastPara="1" wrap="square" lIns="91425" tIns="45700" rIns="91425" bIns="45700" anchor="ctr" anchorCtr="0">
             <a:noAutofit/>
           </a:bodyPr>
           <a:lstStyle>
-            <a:lvl1pPr indent="0" lvl="0" marL="0" algn="r">
+            <a:lvl1pPr marL="0" lvl="0" indent="0" algn="r">
               <a:spcBef>
                 <a:spcPts val="0"/>
               </a:spcBef>
               <a:buNone/>
               <a:defRPr/>
             </a:lvl1pPr>
-            <a:lvl2pPr indent="0" lvl="1" marL="0" algn="r">
+            <a:lvl2pPr marL="0" lvl="1" indent="0" algn="r">
               <a:spcBef>
                 <a:spcPts val="0"/>
               </a:spcBef>
               <a:buNone/>
               <a:defRPr/>
             </a:lvl2pPr>
-            <a:lvl3pPr indent="0" lvl="2" marL="0" algn="r">
+            <a:lvl3pPr marL="0" lvl="2" indent="0" algn="r">
               <a:spcBef>
                 <a:spcPts val="0"/>
               </a:spcBef>
               <a:buNone/>
               <a:defRPr/>
             </a:lvl3pPr>
-            <a:lvl4pPr indent="0" lvl="3" marL="0" algn="r">
+            <a:lvl4pPr marL="0" lvl="3" indent="0" algn="r">
               <a:spcBef>
                 <a:spcPts val="0"/>
               </a:spcBef>
               <a:buNone/>
               <a:defRPr/>
             </a:lvl4pPr>
-            <a:lvl5pPr indent="0" lvl="4" marL="0" algn="r">
+            <a:lvl5pPr marL="0" lvl="4" indent="0" algn="r">
               <a:spcBef>
                 <a:spcPts val="0"/>
               </a:spcBef>
               <a:buNone/>
               <a:defRPr/>
             </a:lvl5pPr>
-            <a:lvl6pPr indent="0" lvl="5" marL="0" algn="r">
+            <a:lvl6pPr marL="0" lvl="5" indent="0" algn="r">
               <a:spcBef>
                 <a:spcPts val="0"/>
               </a:spcBef>
               <a:buNone/>
               <a:defRPr/>
             </a:lvl6pPr>
-            <a:lvl7pPr indent="0" lvl="6" marL="0" algn="r">
+            <a:lvl7pPr marL="0" lvl="6" indent="0" algn="r">
               <a:spcBef>
                 <a:spcPts val="0"/>
               </a:spcBef>
               <a:buNone/>
               <a:defRPr/>
             </a:lvl7pPr>
-            <a:lvl8pPr indent="0" lvl="7" marL="0" algn="r">
+            <a:lvl8pPr marL="0" lvl="7" indent="0" algn="r">
               <a:spcBef>
                 <a:spcPts val="0"/>
               </a:spcBef>
               <a:buNone/>
               <a:defRPr/>
             </a:lvl8pPr>
-            <a:lvl9pPr indent="0" lvl="8" marL="0" algn="r">
+            <a:lvl9pPr marL="0" lvl="8" indent="0" algn="r">
               <a:spcBef>
                 <a:spcPts val="0"/>
               </a:spcBef>
@@ -2482,7 +2558,7 @@
             </a:lvl9pPr>
           </a:lstStyle>
           <a:p>
-            <a:pPr indent="0" lvl="0" marL="0" rtl="0" algn="r">
+            <a:pPr marL="0" lvl="0" indent="0" algn="r" rtl="0">
               <a:spcBef>
                 <a:spcPts val="0"/>
               </a:spcBef>
@@ -2493,7 +2569,7 @@
             </a:pPr>
             <a:fld id="{00000000-1234-1234-1234-123412341234}" type="slidenum">
               <a:rPr lang="it-IT"/>
-              <a:t>‹#›</a:t>
+              <a:t>‹N›</a:t>
             </a:fld>
             <a:endParaRPr/>
           </a:p>
@@ -2508,11 +2584,11 @@
 </file>
 
 <file path=ppt/slideLayouts/slideLayout11.xml><?xml version="1.0" encoding="utf-8"?>
-<p:sldLayout xmlns:a="http://schemas.openxmlformats.org/drawingml/2006/main" xmlns:r="http://schemas.openxmlformats.org/officeDocument/2006/relationships" xmlns:mc="http://schemas.openxmlformats.org/markup-compatibility/2006" xmlns:mv="urn:schemas-microsoft-com:mac:vml" xmlns:p="http://schemas.openxmlformats.org/presentationml/2006/main" xmlns:c="http://schemas.openxmlformats.org/drawingml/2006/chart" xmlns:dgm="http://schemas.openxmlformats.org/drawingml/2006/diagram" xmlns:o="urn:schemas-microsoft-com:office:office" xmlns:v="urn:schemas-microsoft-com:vml" xmlns:pvml="urn:schemas-microsoft-com:office:powerpoint" xmlns:com="http://schemas.openxmlformats.org/drawingml/2006/compatibility" xmlns:p14="http://schemas.microsoft.com/office/powerpoint/2010/main" xmlns:p15="http://schemas.microsoft.com/office/powerpoint/2012/main" matchingName="1_Titolo e testo verticale" type="vertTitleAndTx">
+<p:sldLayout xmlns:a="http://schemas.openxmlformats.org/drawingml/2006/main" xmlns:r="http://schemas.openxmlformats.org/officeDocument/2006/relationships" xmlns:p="http://schemas.openxmlformats.org/presentationml/2006/main" matchingName="1_Titolo e testo verticale" type="vertTitleAndTx">
   <p:cSld name="VERTICAL_TITLE_AND_VERTICAL_TEXT">
     <p:spTree>
       <p:nvGrpSpPr>
-        <p:cNvPr id="74" name="Shape 74"/>
+        <p:cNvPr id="1" name="Shape 74"/>
         <p:cNvGrpSpPr/>
         <p:nvPr/>
       </p:nvGrpSpPr>
@@ -2527,7 +2603,9 @@
       <p:sp>
         <p:nvSpPr>
           <p:cNvPr id="75" name="Google Shape;75;p16"/>
-          <p:cNvSpPr txBox="1"/>
+          <p:cNvSpPr txBox="1">
+            <a:spLocks noGrp="1"/>
+          </p:cNvSpPr>
           <p:nvPr>
             <p:ph type="title"/>
           </p:nvPr>
@@ -2546,7 +2624,7 @@
           </a:ln>
         </p:spPr>
         <p:txBody>
-          <a:bodyPr anchorCtr="0" anchor="ctr" bIns="45700" lIns="91425" spcFirstLastPara="1" rIns="91425" wrap="square" tIns="45700">
+          <a:bodyPr spcFirstLastPara="1" wrap="square" lIns="91425" tIns="45700" rIns="91425" bIns="45700" anchor="ctr" anchorCtr="0">
             <a:normAutofit/>
           </a:bodyPr>
           <a:lstStyle>
@@ -2656,15 +2734,19 @@
               <a:defRPr/>
             </a:lvl9pPr>
           </a:lstStyle>
-          <a:p/>
+          <a:p>
+            <a:endParaRPr/>
+          </a:p>
         </p:txBody>
       </p:sp>
       <p:sp>
         <p:nvSpPr>
           <p:cNvPr id="76" name="Google Shape;76;p16"/>
-          <p:cNvSpPr txBox="1"/>
+          <p:cNvSpPr txBox="1">
+            <a:spLocks noGrp="1"/>
+          </p:cNvSpPr>
           <p:nvPr>
-            <p:ph idx="1" type="body"/>
+            <p:ph type="body" idx="1"/>
           </p:nvPr>
         </p:nvSpPr>
         <p:spPr>
@@ -2681,11 +2763,11 @@
           </a:ln>
         </p:spPr>
         <p:txBody>
-          <a:bodyPr anchorCtr="0" anchor="t" bIns="45700" lIns="91425" spcFirstLastPara="1" rIns="91425" wrap="square" tIns="45700">
+          <a:bodyPr spcFirstLastPara="1" wrap="square" lIns="91425" tIns="45700" rIns="91425" bIns="45700" anchor="t" anchorCtr="0">
             <a:normAutofit/>
           </a:bodyPr>
           <a:lstStyle>
-            <a:lvl1pPr indent="-342900" lvl="0" marL="457200" algn="l">
+            <a:lvl1pPr marL="457200" lvl="0" indent="-342900" algn="l">
               <a:lnSpc>
                 <a:spcPct val="90000"/>
               </a:lnSpc>
@@ -2702,7 +2784,7 @@
               <a:buChar char="•"/>
               <a:defRPr/>
             </a:lvl1pPr>
-            <a:lvl2pPr indent="-342900" lvl="1" marL="914400" algn="l">
+            <a:lvl2pPr marL="914400" lvl="1" indent="-342900" algn="l">
               <a:lnSpc>
                 <a:spcPct val="90000"/>
               </a:lnSpc>
@@ -2719,7 +2801,7 @@
               <a:buChar char="•"/>
               <a:defRPr/>
             </a:lvl2pPr>
-            <a:lvl3pPr indent="-342900" lvl="2" marL="1371600" algn="l">
+            <a:lvl3pPr marL="1371600" lvl="2" indent="-342900" algn="l">
               <a:lnSpc>
                 <a:spcPct val="90000"/>
               </a:lnSpc>
@@ -2736,7 +2818,7 @@
               <a:buChar char="•"/>
               <a:defRPr/>
             </a:lvl3pPr>
-            <a:lvl4pPr indent="-342900" lvl="3" marL="1828800" algn="l">
+            <a:lvl4pPr marL="1828800" lvl="3" indent="-342900" algn="l">
               <a:lnSpc>
                 <a:spcPct val="90000"/>
               </a:lnSpc>
@@ -2753,7 +2835,7 @@
               <a:buChar char="•"/>
               <a:defRPr/>
             </a:lvl4pPr>
-            <a:lvl5pPr indent="-342900" lvl="4" marL="2286000" algn="l">
+            <a:lvl5pPr marL="2286000" lvl="4" indent="-342900" algn="l">
               <a:lnSpc>
                 <a:spcPct val="90000"/>
               </a:lnSpc>
@@ -2770,7 +2852,7 @@
               <a:buChar char="•"/>
               <a:defRPr/>
             </a:lvl5pPr>
-            <a:lvl6pPr indent="-342900" lvl="5" marL="2743200" algn="l">
+            <a:lvl6pPr marL="2743200" lvl="5" indent="-342900" algn="l">
               <a:lnSpc>
                 <a:spcPct val="90000"/>
               </a:lnSpc>
@@ -2787,7 +2869,7 @@
               <a:buChar char="•"/>
               <a:defRPr/>
             </a:lvl6pPr>
-            <a:lvl7pPr indent="-342900" lvl="6" marL="3200400" algn="l">
+            <a:lvl7pPr marL="3200400" lvl="6" indent="-342900" algn="l">
               <a:lnSpc>
                 <a:spcPct val="90000"/>
               </a:lnSpc>
@@ -2804,7 +2886,7 @@
               <a:buChar char="•"/>
               <a:defRPr/>
             </a:lvl7pPr>
-            <a:lvl8pPr indent="-342900" lvl="7" marL="3657600" algn="l">
+            <a:lvl8pPr marL="3657600" lvl="7" indent="-342900" algn="l">
               <a:lnSpc>
                 <a:spcPct val="90000"/>
               </a:lnSpc>
@@ -2821,7 +2903,7 @@
               <a:buChar char="•"/>
               <a:defRPr/>
             </a:lvl8pPr>
-            <a:lvl9pPr indent="-342900" lvl="8" marL="4114800" algn="l">
+            <a:lvl9pPr marL="4114800" lvl="8" indent="-342900" algn="l">
               <a:lnSpc>
                 <a:spcPct val="90000"/>
               </a:lnSpc>
@@ -2839,15 +2921,19 @@
               <a:defRPr/>
             </a:lvl9pPr>
           </a:lstStyle>
-          <a:p/>
+          <a:p>
+            <a:endParaRPr/>
+          </a:p>
         </p:txBody>
       </p:sp>
       <p:sp>
         <p:nvSpPr>
           <p:cNvPr id="77" name="Google Shape;77;p16"/>
-          <p:cNvSpPr txBox="1"/>
+          <p:cNvSpPr txBox="1">
+            <a:spLocks noGrp="1"/>
+          </p:cNvSpPr>
           <p:nvPr>
-            <p:ph idx="10" type="dt"/>
+            <p:ph type="dt" idx="10"/>
           </p:nvPr>
         </p:nvSpPr>
         <p:spPr>
@@ -2864,7 +2950,7 @@
           </a:ln>
         </p:spPr>
         <p:txBody>
-          <a:bodyPr anchorCtr="0" anchor="ctr" bIns="45700" lIns="91425" spcFirstLastPara="1" rIns="91425" wrap="square" tIns="45700">
+          <a:bodyPr spcFirstLastPara="1" wrap="square" lIns="91425" tIns="45700" rIns="91425" bIns="45700" anchor="ctr" anchorCtr="0">
             <a:noAutofit/>
           </a:bodyPr>
           <a:lstStyle>
@@ -2968,15 +3054,19 @@
               <a:defRPr/>
             </a:lvl9pPr>
           </a:lstStyle>
-          <a:p/>
+          <a:p>
+            <a:endParaRPr/>
+          </a:p>
         </p:txBody>
       </p:sp>
       <p:sp>
         <p:nvSpPr>
           <p:cNvPr id="78" name="Google Shape;78;p16"/>
-          <p:cNvSpPr txBox="1"/>
+          <p:cNvSpPr txBox="1">
+            <a:spLocks noGrp="1"/>
+          </p:cNvSpPr>
           <p:nvPr>
-            <p:ph idx="11" type="ftr"/>
+            <p:ph type="ftr" idx="11"/>
           </p:nvPr>
         </p:nvSpPr>
         <p:spPr>
@@ -2993,7 +3083,7 @@
           </a:ln>
         </p:spPr>
         <p:txBody>
-          <a:bodyPr anchorCtr="0" anchor="ctr" bIns="45700" lIns="91425" spcFirstLastPara="1" rIns="91425" wrap="square" tIns="45700">
+          <a:bodyPr spcFirstLastPara="1" wrap="square" lIns="91425" tIns="45700" rIns="91425" bIns="45700" anchor="ctr" anchorCtr="0">
             <a:noAutofit/>
           </a:bodyPr>
           <a:lstStyle>
@@ -3097,15 +3187,19 @@
               <a:defRPr/>
             </a:lvl9pPr>
           </a:lstStyle>
-          <a:p/>
+          <a:p>
+            <a:endParaRPr/>
+          </a:p>
         </p:txBody>
       </p:sp>
       <p:sp>
         <p:nvSpPr>
           <p:cNvPr id="79" name="Google Shape;79;p16"/>
-          <p:cNvSpPr txBox="1"/>
+          <p:cNvSpPr txBox="1">
+            <a:spLocks noGrp="1"/>
+          </p:cNvSpPr>
           <p:nvPr>
-            <p:ph idx="12" type="sldNum"/>
+            <p:ph type="sldNum" idx="12"/>
           </p:nvPr>
         </p:nvSpPr>
         <p:spPr>
@@ -3122,67 +3216,67 @@
           </a:ln>
         </p:spPr>
         <p:txBody>
-          <a:bodyPr anchorCtr="0" anchor="ctr" bIns="45700" lIns="91425" spcFirstLastPara="1" rIns="91425" wrap="square" tIns="45700">
+          <a:bodyPr spcFirstLastPara="1" wrap="square" lIns="91425" tIns="45700" rIns="91425" bIns="45700" anchor="ctr" anchorCtr="0">
             <a:noAutofit/>
           </a:bodyPr>
           <a:lstStyle>
-            <a:lvl1pPr indent="0" lvl="0" marL="0" algn="r">
+            <a:lvl1pPr marL="0" lvl="0" indent="0" algn="r">
               <a:spcBef>
                 <a:spcPts val="0"/>
               </a:spcBef>
               <a:buNone/>
               <a:defRPr/>
             </a:lvl1pPr>
-            <a:lvl2pPr indent="0" lvl="1" marL="0" algn="r">
+            <a:lvl2pPr marL="0" lvl="1" indent="0" algn="r">
               <a:spcBef>
                 <a:spcPts val="0"/>
               </a:spcBef>
               <a:buNone/>
               <a:defRPr/>
             </a:lvl2pPr>
-            <a:lvl3pPr indent="0" lvl="2" marL="0" algn="r">
+            <a:lvl3pPr marL="0" lvl="2" indent="0" algn="r">
               <a:spcBef>
                 <a:spcPts val="0"/>
               </a:spcBef>
               <a:buNone/>
               <a:defRPr/>
             </a:lvl3pPr>
-            <a:lvl4pPr indent="0" lvl="3" marL="0" algn="r">
+            <a:lvl4pPr marL="0" lvl="3" indent="0" algn="r">
               <a:spcBef>
                 <a:spcPts val="0"/>
               </a:spcBef>
               <a:buNone/>
               <a:defRPr/>
             </a:lvl4pPr>
-            <a:lvl5pPr indent="0" lvl="4" marL="0" algn="r">
+            <a:lvl5pPr marL="0" lvl="4" indent="0" algn="r">
               <a:spcBef>
                 <a:spcPts val="0"/>
               </a:spcBef>
               <a:buNone/>
               <a:defRPr/>
             </a:lvl5pPr>
-            <a:lvl6pPr indent="0" lvl="5" marL="0" algn="r">
+            <a:lvl6pPr marL="0" lvl="5" indent="0" algn="r">
               <a:spcBef>
                 <a:spcPts val="0"/>
               </a:spcBef>
               <a:buNone/>
               <a:defRPr/>
             </a:lvl6pPr>
-            <a:lvl7pPr indent="0" lvl="6" marL="0" algn="r">
+            <a:lvl7pPr marL="0" lvl="6" indent="0" algn="r">
               <a:spcBef>
                 <a:spcPts val="0"/>
               </a:spcBef>
               <a:buNone/>
               <a:defRPr/>
             </a:lvl7pPr>
-            <a:lvl8pPr indent="0" lvl="7" marL="0" algn="r">
+            <a:lvl8pPr marL="0" lvl="7" indent="0" algn="r">
               <a:spcBef>
                 <a:spcPts val="0"/>
               </a:spcBef>
               <a:buNone/>
               <a:defRPr/>
             </a:lvl8pPr>
-            <a:lvl9pPr indent="0" lvl="8" marL="0" algn="r">
+            <a:lvl9pPr marL="0" lvl="8" indent="0" algn="r">
               <a:spcBef>
                 <a:spcPts val="0"/>
               </a:spcBef>
@@ -3191,7 +3285,7 @@
             </a:lvl9pPr>
           </a:lstStyle>
           <a:p>
-            <a:pPr indent="0" lvl="0" marL="0" rtl="0" algn="r">
+            <a:pPr marL="0" lvl="0" indent="0" algn="r" rtl="0">
               <a:spcBef>
                 <a:spcPts val="0"/>
               </a:spcBef>
@@ -3202,7 +3296,7 @@
             </a:pPr>
             <a:fld id="{00000000-1234-1234-1234-123412341234}" type="slidenum">
               <a:rPr lang="it-IT"/>
-              <a:t>‹#›</a:t>
+              <a:t>‹N›</a:t>
             </a:fld>
             <a:endParaRPr/>
           </a:p>
@@ -3217,11 +3311,11 @@
 </file>
 
 <file path=ppt/slideLayouts/slideLayout2.xml><?xml version="1.0" encoding="utf-8"?>
-<p:sldLayout xmlns:a="http://schemas.openxmlformats.org/drawingml/2006/main" xmlns:r="http://schemas.openxmlformats.org/officeDocument/2006/relationships" xmlns:mc="http://schemas.openxmlformats.org/markup-compatibility/2006" xmlns:mv="urn:schemas-microsoft-com:mac:vml" xmlns:p="http://schemas.openxmlformats.org/presentationml/2006/main" xmlns:c="http://schemas.openxmlformats.org/drawingml/2006/chart" xmlns:dgm="http://schemas.openxmlformats.org/drawingml/2006/diagram" xmlns:o="urn:schemas-microsoft-com:office:office" xmlns:v="urn:schemas-microsoft-com:vml" xmlns:pvml="urn:schemas-microsoft-com:office:powerpoint" xmlns:com="http://schemas.openxmlformats.org/drawingml/2006/compatibility" xmlns:p14="http://schemas.microsoft.com/office/powerpoint/2010/main" xmlns:p15="http://schemas.microsoft.com/office/powerpoint/2012/main" matchingName="Titolo e contenuto" type="obj">
+<p:sldLayout xmlns:a="http://schemas.openxmlformats.org/drawingml/2006/main" xmlns:r="http://schemas.openxmlformats.org/officeDocument/2006/relationships" xmlns:p="http://schemas.openxmlformats.org/presentationml/2006/main" matchingName="Titolo e contenuto" type="obj">
   <p:cSld name="OBJECT">
     <p:spTree>
       <p:nvGrpSpPr>
-        <p:cNvPr id="17" name="Shape 17"/>
+        <p:cNvPr id="1" name="Shape 17"/>
         <p:cNvGrpSpPr/>
         <p:nvPr/>
       </p:nvGrpSpPr>
@@ -3236,7 +3330,9 @@
       <p:sp>
         <p:nvSpPr>
           <p:cNvPr id="18" name="Google Shape;18;p7"/>
-          <p:cNvSpPr txBox="1"/>
+          <p:cNvSpPr txBox="1">
+            <a:spLocks noGrp="1"/>
+          </p:cNvSpPr>
           <p:nvPr>
             <p:ph type="title"/>
           </p:nvPr>
@@ -3255,7 +3351,7 @@
           </a:ln>
         </p:spPr>
         <p:txBody>
-          <a:bodyPr anchorCtr="0" anchor="ctr" bIns="45700" lIns="91425" spcFirstLastPara="1" rIns="91425" wrap="square" tIns="45700">
+          <a:bodyPr spcFirstLastPara="1" wrap="square" lIns="91425" tIns="45700" rIns="91425" bIns="45700" anchor="ctr" anchorCtr="0">
             <a:normAutofit/>
           </a:bodyPr>
           <a:lstStyle>
@@ -3365,15 +3461,19 @@
               <a:defRPr/>
             </a:lvl9pPr>
           </a:lstStyle>
-          <a:p/>
+          <a:p>
+            <a:endParaRPr/>
+          </a:p>
         </p:txBody>
       </p:sp>
       <p:sp>
         <p:nvSpPr>
           <p:cNvPr id="19" name="Google Shape;19;p7"/>
-          <p:cNvSpPr txBox="1"/>
+          <p:cNvSpPr txBox="1">
+            <a:spLocks noGrp="1"/>
+          </p:cNvSpPr>
           <p:nvPr>
-            <p:ph idx="1" type="body"/>
+            <p:ph type="body" idx="1"/>
           </p:nvPr>
         </p:nvSpPr>
         <p:spPr>
@@ -3390,11 +3490,11 @@
           </a:ln>
         </p:spPr>
         <p:txBody>
-          <a:bodyPr anchorCtr="0" anchor="t" bIns="45700" lIns="91425" spcFirstLastPara="1" rIns="91425" wrap="square" tIns="45700">
+          <a:bodyPr spcFirstLastPara="1" wrap="square" lIns="91425" tIns="45700" rIns="91425" bIns="45700" anchor="t" anchorCtr="0">
             <a:normAutofit/>
           </a:bodyPr>
           <a:lstStyle>
-            <a:lvl1pPr indent="-342900" lvl="0" marL="457200" algn="l">
+            <a:lvl1pPr marL="457200" lvl="0" indent="-342900" algn="l">
               <a:lnSpc>
                 <a:spcPct val="90000"/>
               </a:lnSpc>
@@ -3411,7 +3511,7 @@
               <a:buChar char="•"/>
               <a:defRPr/>
             </a:lvl1pPr>
-            <a:lvl2pPr indent="-342900" lvl="1" marL="914400" algn="l">
+            <a:lvl2pPr marL="914400" lvl="1" indent="-342900" algn="l">
               <a:lnSpc>
                 <a:spcPct val="90000"/>
               </a:lnSpc>
@@ -3428,7 +3528,7 @@
               <a:buChar char="•"/>
               <a:defRPr/>
             </a:lvl2pPr>
-            <a:lvl3pPr indent="-342900" lvl="2" marL="1371600" algn="l">
+            <a:lvl3pPr marL="1371600" lvl="2" indent="-342900" algn="l">
               <a:lnSpc>
                 <a:spcPct val="90000"/>
               </a:lnSpc>
@@ -3445,7 +3545,7 @@
               <a:buChar char="•"/>
               <a:defRPr/>
             </a:lvl3pPr>
-            <a:lvl4pPr indent="-342900" lvl="3" marL="1828800" algn="l">
+            <a:lvl4pPr marL="1828800" lvl="3" indent="-342900" algn="l">
               <a:lnSpc>
                 <a:spcPct val="90000"/>
               </a:lnSpc>
@@ -3462,7 +3562,7 @@
               <a:buChar char="•"/>
               <a:defRPr/>
             </a:lvl4pPr>
-            <a:lvl5pPr indent="-342900" lvl="4" marL="2286000" algn="l">
+            <a:lvl5pPr marL="2286000" lvl="4" indent="-342900" algn="l">
               <a:lnSpc>
                 <a:spcPct val="90000"/>
               </a:lnSpc>
@@ -3479,7 +3579,7 @@
               <a:buChar char="•"/>
               <a:defRPr/>
             </a:lvl5pPr>
-            <a:lvl6pPr indent="-342900" lvl="5" marL="2743200" algn="l">
+            <a:lvl6pPr marL="2743200" lvl="5" indent="-342900" algn="l">
               <a:lnSpc>
                 <a:spcPct val="90000"/>
               </a:lnSpc>
@@ -3496,7 +3596,7 @@
               <a:buChar char="•"/>
               <a:defRPr/>
             </a:lvl6pPr>
-            <a:lvl7pPr indent="-342900" lvl="6" marL="3200400" algn="l">
+            <a:lvl7pPr marL="3200400" lvl="6" indent="-342900" algn="l">
               <a:lnSpc>
                 <a:spcPct val="90000"/>
               </a:lnSpc>
@@ -3513,7 +3613,7 @@
               <a:buChar char="•"/>
               <a:defRPr/>
             </a:lvl7pPr>
-            <a:lvl8pPr indent="-342900" lvl="7" marL="3657600" algn="l">
+            <a:lvl8pPr marL="3657600" lvl="7" indent="-342900" algn="l">
               <a:lnSpc>
                 <a:spcPct val="90000"/>
               </a:lnSpc>
@@ -3530,7 +3630,7 @@
               <a:buChar char="•"/>
               <a:defRPr/>
             </a:lvl8pPr>
-            <a:lvl9pPr indent="-342900" lvl="8" marL="4114800" algn="l">
+            <a:lvl9pPr marL="4114800" lvl="8" indent="-342900" algn="l">
               <a:lnSpc>
                 <a:spcPct val="90000"/>
               </a:lnSpc>
@@ -3548,15 +3648,19 @@
               <a:defRPr/>
             </a:lvl9pPr>
           </a:lstStyle>
-          <a:p/>
+          <a:p>
+            <a:endParaRPr/>
+          </a:p>
         </p:txBody>
       </p:sp>
       <p:sp>
         <p:nvSpPr>
           <p:cNvPr id="20" name="Google Shape;20;p7"/>
-          <p:cNvSpPr txBox="1"/>
+          <p:cNvSpPr txBox="1">
+            <a:spLocks noGrp="1"/>
+          </p:cNvSpPr>
           <p:nvPr>
-            <p:ph idx="10" type="dt"/>
+            <p:ph type="dt" idx="10"/>
           </p:nvPr>
         </p:nvSpPr>
         <p:spPr>
@@ -3573,7 +3677,7 @@
           </a:ln>
         </p:spPr>
         <p:txBody>
-          <a:bodyPr anchorCtr="0" anchor="ctr" bIns="45700" lIns="91425" spcFirstLastPara="1" rIns="91425" wrap="square" tIns="45700">
+          <a:bodyPr spcFirstLastPara="1" wrap="square" lIns="91425" tIns="45700" rIns="91425" bIns="45700" anchor="ctr" anchorCtr="0">
             <a:noAutofit/>
           </a:bodyPr>
           <a:lstStyle>
@@ -3677,15 +3781,19 @@
               <a:defRPr/>
             </a:lvl9pPr>
           </a:lstStyle>
-          <a:p/>
+          <a:p>
+            <a:endParaRPr/>
+          </a:p>
         </p:txBody>
       </p:sp>
       <p:sp>
         <p:nvSpPr>
           <p:cNvPr id="21" name="Google Shape;21;p7"/>
-          <p:cNvSpPr txBox="1"/>
+          <p:cNvSpPr txBox="1">
+            <a:spLocks noGrp="1"/>
+          </p:cNvSpPr>
           <p:nvPr>
-            <p:ph idx="11" type="ftr"/>
+            <p:ph type="ftr" idx="11"/>
           </p:nvPr>
         </p:nvSpPr>
         <p:spPr>
@@ -3702,7 +3810,7 @@
           </a:ln>
         </p:spPr>
         <p:txBody>
-          <a:bodyPr anchorCtr="0" anchor="ctr" bIns="45700" lIns="91425" spcFirstLastPara="1" rIns="91425" wrap="square" tIns="45700">
+          <a:bodyPr spcFirstLastPara="1" wrap="square" lIns="91425" tIns="45700" rIns="91425" bIns="45700" anchor="ctr" anchorCtr="0">
             <a:noAutofit/>
           </a:bodyPr>
           <a:lstStyle>
@@ -3806,15 +3914,19 @@
               <a:defRPr/>
             </a:lvl9pPr>
           </a:lstStyle>
-          <a:p/>
+          <a:p>
+            <a:endParaRPr/>
+          </a:p>
         </p:txBody>
       </p:sp>
       <p:sp>
         <p:nvSpPr>
           <p:cNvPr id="22" name="Google Shape;22;p7"/>
-          <p:cNvSpPr txBox="1"/>
+          <p:cNvSpPr txBox="1">
+            <a:spLocks noGrp="1"/>
+          </p:cNvSpPr>
           <p:nvPr>
-            <p:ph idx="12" type="sldNum"/>
+            <p:ph type="sldNum" idx="12"/>
           </p:nvPr>
         </p:nvSpPr>
         <p:spPr>
@@ -3831,67 +3943,67 @@
           </a:ln>
         </p:spPr>
         <p:txBody>
-          <a:bodyPr anchorCtr="0" anchor="ctr" bIns="45700" lIns="91425" spcFirstLastPara="1" rIns="91425" wrap="square" tIns="45700">
+          <a:bodyPr spcFirstLastPara="1" wrap="square" lIns="91425" tIns="45700" rIns="91425" bIns="45700" anchor="ctr" anchorCtr="0">
             <a:noAutofit/>
           </a:bodyPr>
           <a:lstStyle>
-            <a:lvl1pPr indent="0" lvl="0" marL="0" algn="r">
+            <a:lvl1pPr marL="0" lvl="0" indent="0" algn="r">
               <a:spcBef>
                 <a:spcPts val="0"/>
               </a:spcBef>
               <a:buNone/>
               <a:defRPr/>
             </a:lvl1pPr>
-            <a:lvl2pPr indent="0" lvl="1" marL="0" algn="r">
+            <a:lvl2pPr marL="0" lvl="1" indent="0" algn="r">
               <a:spcBef>
                 <a:spcPts val="0"/>
               </a:spcBef>
               <a:buNone/>
               <a:defRPr/>
             </a:lvl2pPr>
-            <a:lvl3pPr indent="0" lvl="2" marL="0" algn="r">
+            <a:lvl3pPr marL="0" lvl="2" indent="0" algn="r">
               <a:spcBef>
                 <a:spcPts val="0"/>
               </a:spcBef>
               <a:buNone/>
               <a:defRPr/>
             </a:lvl3pPr>
-            <a:lvl4pPr indent="0" lvl="3" marL="0" algn="r">
+            <a:lvl4pPr marL="0" lvl="3" indent="0" algn="r">
               <a:spcBef>
                 <a:spcPts val="0"/>
               </a:spcBef>
               <a:buNone/>
               <a:defRPr/>
             </a:lvl4pPr>
-            <a:lvl5pPr indent="0" lvl="4" marL="0" algn="r">
+            <a:lvl5pPr marL="0" lvl="4" indent="0" algn="r">
               <a:spcBef>
                 <a:spcPts val="0"/>
               </a:spcBef>
               <a:buNone/>
               <a:defRPr/>
             </a:lvl5pPr>
-            <a:lvl6pPr indent="0" lvl="5" marL="0" algn="r">
+            <a:lvl6pPr marL="0" lvl="5" indent="0" algn="r">
               <a:spcBef>
                 <a:spcPts val="0"/>
               </a:spcBef>
               <a:buNone/>
               <a:defRPr/>
             </a:lvl6pPr>
-            <a:lvl7pPr indent="0" lvl="6" marL="0" algn="r">
+            <a:lvl7pPr marL="0" lvl="6" indent="0" algn="r">
               <a:spcBef>
                 <a:spcPts val="0"/>
               </a:spcBef>
               <a:buNone/>
               <a:defRPr/>
             </a:lvl7pPr>
-            <a:lvl8pPr indent="0" lvl="7" marL="0" algn="r">
+            <a:lvl8pPr marL="0" lvl="7" indent="0" algn="r">
               <a:spcBef>
                 <a:spcPts val="0"/>
               </a:spcBef>
               <a:buNone/>
               <a:defRPr/>
             </a:lvl8pPr>
-            <a:lvl9pPr indent="0" lvl="8" marL="0" algn="r">
+            <a:lvl9pPr marL="0" lvl="8" indent="0" algn="r">
               <a:spcBef>
                 <a:spcPts val="0"/>
               </a:spcBef>
@@ -3900,7 +4012,7 @@
             </a:lvl9pPr>
           </a:lstStyle>
           <a:p>
-            <a:pPr indent="0" lvl="0" marL="0" rtl="0" algn="r">
+            <a:pPr marL="0" lvl="0" indent="0" algn="r" rtl="0">
               <a:spcBef>
                 <a:spcPts val="0"/>
               </a:spcBef>
@@ -3911,7 +4023,7 @@
             </a:pPr>
             <a:fld id="{00000000-1234-1234-1234-123412341234}" type="slidenum">
               <a:rPr lang="it-IT"/>
-              <a:t>‹#›</a:t>
+              <a:t>‹N›</a:t>
             </a:fld>
             <a:endParaRPr/>
           </a:p>
@@ -3926,11 +4038,11 @@
 </file>
 
 <file path=ppt/slideLayouts/slideLayout3.xml><?xml version="1.0" encoding="utf-8"?>
-<p:sldLayout xmlns:a="http://schemas.openxmlformats.org/drawingml/2006/main" xmlns:r="http://schemas.openxmlformats.org/officeDocument/2006/relationships" xmlns:mc="http://schemas.openxmlformats.org/markup-compatibility/2006" xmlns:mv="urn:schemas-microsoft-com:mac:vml" xmlns:p="http://schemas.openxmlformats.org/presentationml/2006/main" xmlns:c="http://schemas.openxmlformats.org/drawingml/2006/chart" xmlns:dgm="http://schemas.openxmlformats.org/drawingml/2006/diagram" xmlns:o="urn:schemas-microsoft-com:office:office" xmlns:v="urn:schemas-microsoft-com:vml" xmlns:pvml="urn:schemas-microsoft-com:office:powerpoint" xmlns:com="http://schemas.openxmlformats.org/drawingml/2006/compatibility" xmlns:p14="http://schemas.microsoft.com/office/powerpoint/2010/main" xmlns:p15="http://schemas.microsoft.com/office/powerpoint/2012/main" matchingName="Intestazione sezione" type="secHead">
+<p:sldLayout xmlns:a="http://schemas.openxmlformats.org/drawingml/2006/main" xmlns:r="http://schemas.openxmlformats.org/officeDocument/2006/relationships" xmlns:p="http://schemas.openxmlformats.org/presentationml/2006/main" matchingName="Intestazione sezione" type="secHead">
   <p:cSld name="SECTION_HEADER">
     <p:spTree>
       <p:nvGrpSpPr>
-        <p:cNvPr id="23" name="Shape 23"/>
+        <p:cNvPr id="1" name="Shape 23"/>
         <p:cNvGrpSpPr/>
         <p:nvPr/>
       </p:nvGrpSpPr>
@@ -3945,7 +4057,9 @@
       <p:sp>
         <p:nvSpPr>
           <p:cNvPr id="24" name="Google Shape;24;p8"/>
-          <p:cNvSpPr txBox="1"/>
+          <p:cNvSpPr txBox="1">
+            <a:spLocks noGrp="1"/>
+          </p:cNvSpPr>
           <p:nvPr>
             <p:ph type="title"/>
           </p:nvPr>
@@ -3964,7 +4078,7 @@
           </a:ln>
         </p:spPr>
         <p:txBody>
-          <a:bodyPr anchorCtr="0" anchor="b" bIns="45700" lIns="91425" spcFirstLastPara="1" rIns="91425" wrap="square" tIns="45700">
+          <a:bodyPr spcFirstLastPara="1" wrap="square" lIns="91425" tIns="45700" rIns="91425" bIns="45700" anchor="b" anchorCtr="0">
             <a:normAutofit/>
           </a:bodyPr>
           <a:lstStyle>
@@ -4075,15 +4189,19 @@
               <a:defRPr/>
             </a:lvl9pPr>
           </a:lstStyle>
-          <a:p/>
+          <a:p>
+            <a:endParaRPr/>
+          </a:p>
         </p:txBody>
       </p:sp>
       <p:sp>
         <p:nvSpPr>
           <p:cNvPr id="25" name="Google Shape;25;p8"/>
-          <p:cNvSpPr txBox="1"/>
+          <p:cNvSpPr txBox="1">
+            <a:spLocks noGrp="1"/>
+          </p:cNvSpPr>
           <p:nvPr>
-            <p:ph idx="1" type="body"/>
+            <p:ph type="body" idx="1"/>
           </p:nvPr>
         </p:nvSpPr>
         <p:spPr>
@@ -4100,11 +4218,11 @@
           </a:ln>
         </p:spPr>
         <p:txBody>
-          <a:bodyPr anchorCtr="0" anchor="t" bIns="45700" lIns="91425" spcFirstLastPara="1" rIns="91425" wrap="square" tIns="45700">
+          <a:bodyPr spcFirstLastPara="1" wrap="square" lIns="91425" tIns="45700" rIns="91425" bIns="45700" anchor="t" anchorCtr="0">
             <a:normAutofit/>
           </a:bodyPr>
           <a:lstStyle>
-            <a:lvl1pPr indent="-228600" lvl="0" marL="457200" algn="l">
+            <a:lvl1pPr marL="457200" lvl="0" indent="-228600" algn="l">
               <a:lnSpc>
                 <a:spcPct val="90000"/>
               </a:lnSpc>
@@ -4125,7 +4243,7 @@
                 </a:solidFill>
               </a:defRPr>
             </a:lvl1pPr>
-            <a:lvl2pPr indent="-228600" lvl="1" marL="914400" algn="l">
+            <a:lvl2pPr marL="914400" lvl="1" indent="-228600" algn="l">
               <a:lnSpc>
                 <a:spcPct val="90000"/>
               </a:lnSpc>
@@ -4146,7 +4264,7 @@
                 </a:solidFill>
               </a:defRPr>
             </a:lvl2pPr>
-            <a:lvl3pPr indent="-228600" lvl="2" marL="1371600" algn="l">
+            <a:lvl3pPr marL="1371600" lvl="2" indent="-228600" algn="l">
               <a:lnSpc>
                 <a:spcPct val="90000"/>
               </a:lnSpc>
@@ -4167,7 +4285,7 @@
                 </a:solidFill>
               </a:defRPr>
             </a:lvl3pPr>
-            <a:lvl4pPr indent="-228600" lvl="3" marL="1828800" algn="l">
+            <a:lvl4pPr marL="1828800" lvl="3" indent="-228600" algn="l">
               <a:lnSpc>
                 <a:spcPct val="90000"/>
               </a:lnSpc>
@@ -4188,7 +4306,7 @@
                 </a:solidFill>
               </a:defRPr>
             </a:lvl4pPr>
-            <a:lvl5pPr indent="-228600" lvl="4" marL="2286000" algn="l">
+            <a:lvl5pPr marL="2286000" lvl="4" indent="-228600" algn="l">
               <a:lnSpc>
                 <a:spcPct val="90000"/>
               </a:lnSpc>
@@ -4209,7 +4327,7 @@
                 </a:solidFill>
               </a:defRPr>
             </a:lvl5pPr>
-            <a:lvl6pPr indent="-228600" lvl="5" marL="2743200" algn="l">
+            <a:lvl6pPr marL="2743200" lvl="5" indent="-228600" algn="l">
               <a:lnSpc>
                 <a:spcPct val="90000"/>
               </a:lnSpc>
@@ -4230,7 +4348,7 @@
                 </a:solidFill>
               </a:defRPr>
             </a:lvl6pPr>
-            <a:lvl7pPr indent="-228600" lvl="6" marL="3200400" algn="l">
+            <a:lvl7pPr marL="3200400" lvl="6" indent="-228600" algn="l">
               <a:lnSpc>
                 <a:spcPct val="90000"/>
               </a:lnSpc>
@@ -4251,7 +4369,7 @@
                 </a:solidFill>
               </a:defRPr>
             </a:lvl7pPr>
-            <a:lvl8pPr indent="-228600" lvl="7" marL="3657600" algn="l">
+            <a:lvl8pPr marL="3657600" lvl="7" indent="-228600" algn="l">
               <a:lnSpc>
                 <a:spcPct val="90000"/>
               </a:lnSpc>
@@ -4272,7 +4390,7 @@
                 </a:solidFill>
               </a:defRPr>
             </a:lvl8pPr>
-            <a:lvl9pPr indent="-228600" lvl="8" marL="4114800" algn="l">
+            <a:lvl9pPr marL="4114800" lvl="8" indent="-228600" algn="l">
               <a:lnSpc>
                 <a:spcPct val="90000"/>
               </a:lnSpc>
@@ -4294,15 +4412,19 @@
               </a:defRPr>
             </a:lvl9pPr>
           </a:lstStyle>
-          <a:p/>
+          <a:p>
+            <a:endParaRPr/>
+          </a:p>
         </p:txBody>
       </p:sp>
       <p:sp>
         <p:nvSpPr>
           <p:cNvPr id="26" name="Google Shape;26;p8"/>
-          <p:cNvSpPr txBox="1"/>
+          <p:cNvSpPr txBox="1">
+            <a:spLocks noGrp="1"/>
+          </p:cNvSpPr>
           <p:nvPr>
-            <p:ph idx="10" type="dt"/>
+            <p:ph type="dt" idx="10"/>
           </p:nvPr>
         </p:nvSpPr>
         <p:spPr>
@@ -4319,7 +4441,7 @@
           </a:ln>
         </p:spPr>
         <p:txBody>
-          <a:bodyPr anchorCtr="0" anchor="ctr" bIns="45700" lIns="91425" spcFirstLastPara="1" rIns="91425" wrap="square" tIns="45700">
+          <a:bodyPr spcFirstLastPara="1" wrap="square" lIns="91425" tIns="45700" rIns="91425" bIns="45700" anchor="ctr" anchorCtr="0">
             <a:noAutofit/>
           </a:bodyPr>
           <a:lstStyle>
@@ -4423,15 +4545,19 @@
               <a:defRPr/>
             </a:lvl9pPr>
           </a:lstStyle>
-          <a:p/>
+          <a:p>
+            <a:endParaRPr/>
+          </a:p>
         </p:txBody>
       </p:sp>
       <p:sp>
         <p:nvSpPr>
           <p:cNvPr id="27" name="Google Shape;27;p8"/>
-          <p:cNvSpPr txBox="1"/>
+          <p:cNvSpPr txBox="1">
+            <a:spLocks noGrp="1"/>
+          </p:cNvSpPr>
           <p:nvPr>
-            <p:ph idx="11" type="ftr"/>
+            <p:ph type="ftr" idx="11"/>
           </p:nvPr>
         </p:nvSpPr>
         <p:spPr>
@@ -4448,7 +4574,7 @@
           </a:ln>
         </p:spPr>
         <p:txBody>
-          <a:bodyPr anchorCtr="0" anchor="ctr" bIns="45700" lIns="91425" spcFirstLastPara="1" rIns="91425" wrap="square" tIns="45700">
+          <a:bodyPr spcFirstLastPara="1" wrap="square" lIns="91425" tIns="45700" rIns="91425" bIns="45700" anchor="ctr" anchorCtr="0">
             <a:noAutofit/>
           </a:bodyPr>
           <a:lstStyle>
@@ -4552,15 +4678,19 @@
               <a:defRPr/>
             </a:lvl9pPr>
           </a:lstStyle>
-          <a:p/>
+          <a:p>
+            <a:endParaRPr/>
+          </a:p>
         </p:txBody>
       </p:sp>
       <p:sp>
         <p:nvSpPr>
           <p:cNvPr id="28" name="Google Shape;28;p8"/>
-          <p:cNvSpPr txBox="1"/>
+          <p:cNvSpPr txBox="1">
+            <a:spLocks noGrp="1"/>
+          </p:cNvSpPr>
           <p:nvPr>
-            <p:ph idx="12" type="sldNum"/>
+            <p:ph type="sldNum" idx="12"/>
           </p:nvPr>
         </p:nvSpPr>
         <p:spPr>
@@ -4577,67 +4707,67 @@
           </a:ln>
         </p:spPr>
         <p:txBody>
-          <a:bodyPr anchorCtr="0" anchor="ctr" bIns="45700" lIns="91425" spcFirstLastPara="1" rIns="91425" wrap="square" tIns="45700">
+          <a:bodyPr spcFirstLastPara="1" wrap="square" lIns="91425" tIns="45700" rIns="91425" bIns="45700" anchor="ctr" anchorCtr="0">
             <a:noAutofit/>
           </a:bodyPr>
           <a:lstStyle>
-            <a:lvl1pPr indent="0" lvl="0" marL="0" algn="r">
+            <a:lvl1pPr marL="0" lvl="0" indent="0" algn="r">
               <a:spcBef>
                 <a:spcPts val="0"/>
               </a:spcBef>
               <a:buNone/>
               <a:defRPr/>
             </a:lvl1pPr>
-            <a:lvl2pPr indent="0" lvl="1" marL="0" algn="r">
+            <a:lvl2pPr marL="0" lvl="1" indent="0" algn="r">
               <a:spcBef>
                 <a:spcPts val="0"/>
               </a:spcBef>
               <a:buNone/>
               <a:defRPr/>
             </a:lvl2pPr>
-            <a:lvl3pPr indent="0" lvl="2" marL="0" algn="r">
+            <a:lvl3pPr marL="0" lvl="2" indent="0" algn="r">
               <a:spcBef>
                 <a:spcPts val="0"/>
               </a:spcBef>
               <a:buNone/>
               <a:defRPr/>
             </a:lvl3pPr>
-            <a:lvl4pPr indent="0" lvl="3" marL="0" algn="r">
+            <a:lvl4pPr marL="0" lvl="3" indent="0" algn="r">
               <a:spcBef>
                 <a:spcPts val="0"/>
               </a:spcBef>
               <a:buNone/>
               <a:defRPr/>
             </a:lvl4pPr>
-            <a:lvl5pPr indent="0" lvl="4" marL="0" algn="r">
+            <a:lvl5pPr marL="0" lvl="4" indent="0" algn="r">
               <a:spcBef>
                 <a:spcPts val="0"/>
               </a:spcBef>
               <a:buNone/>
               <a:defRPr/>
             </a:lvl5pPr>
-            <a:lvl6pPr indent="0" lvl="5" marL="0" algn="r">
+            <a:lvl6pPr marL="0" lvl="5" indent="0" algn="r">
               <a:spcBef>
                 <a:spcPts val="0"/>
               </a:spcBef>
               <a:buNone/>
               <a:defRPr/>
             </a:lvl6pPr>
-            <a:lvl7pPr indent="0" lvl="6" marL="0" algn="r">
+            <a:lvl7pPr marL="0" lvl="6" indent="0" algn="r">
               <a:spcBef>
                 <a:spcPts val="0"/>
               </a:spcBef>
               <a:buNone/>
               <a:defRPr/>
             </a:lvl7pPr>
-            <a:lvl8pPr indent="0" lvl="7" marL="0" algn="r">
+            <a:lvl8pPr marL="0" lvl="7" indent="0" algn="r">
               <a:spcBef>
                 <a:spcPts val="0"/>
               </a:spcBef>
               <a:buNone/>
               <a:defRPr/>
             </a:lvl8pPr>
-            <a:lvl9pPr indent="0" lvl="8" marL="0" algn="r">
+            <a:lvl9pPr marL="0" lvl="8" indent="0" algn="r">
               <a:spcBef>
                 <a:spcPts val="0"/>
               </a:spcBef>
@@ -4646,7 +4776,7 @@
             </a:lvl9pPr>
           </a:lstStyle>
           <a:p>
-            <a:pPr indent="0" lvl="0" marL="0" rtl="0" algn="r">
+            <a:pPr marL="0" lvl="0" indent="0" algn="r" rtl="0">
               <a:spcBef>
                 <a:spcPts val="0"/>
               </a:spcBef>
@@ -4657,7 +4787,7 @@
             </a:pPr>
             <a:fld id="{00000000-1234-1234-1234-123412341234}" type="slidenum">
               <a:rPr lang="it-IT"/>
-              <a:t>‹#›</a:t>
+              <a:t>‹N›</a:t>
             </a:fld>
             <a:endParaRPr/>
           </a:p>
@@ -4672,11 +4802,11 @@
 </file>
 
 <file path=ppt/slideLayouts/slideLayout4.xml><?xml version="1.0" encoding="utf-8"?>
-<p:sldLayout xmlns:a="http://schemas.openxmlformats.org/drawingml/2006/main" xmlns:r="http://schemas.openxmlformats.org/officeDocument/2006/relationships" xmlns:mc="http://schemas.openxmlformats.org/markup-compatibility/2006" xmlns:mv="urn:schemas-microsoft-com:mac:vml" xmlns:p="http://schemas.openxmlformats.org/presentationml/2006/main" xmlns:c="http://schemas.openxmlformats.org/drawingml/2006/chart" xmlns:dgm="http://schemas.openxmlformats.org/drawingml/2006/diagram" xmlns:o="urn:schemas-microsoft-com:office:office" xmlns:v="urn:schemas-microsoft-com:vml" xmlns:pvml="urn:schemas-microsoft-com:office:powerpoint" xmlns:com="http://schemas.openxmlformats.org/drawingml/2006/compatibility" xmlns:p14="http://schemas.microsoft.com/office/powerpoint/2010/main" xmlns:p15="http://schemas.microsoft.com/office/powerpoint/2012/main" matchingName="Due contenuti" type="twoObj">
+<p:sldLayout xmlns:a="http://schemas.openxmlformats.org/drawingml/2006/main" xmlns:r="http://schemas.openxmlformats.org/officeDocument/2006/relationships" xmlns:p="http://schemas.openxmlformats.org/presentationml/2006/main" matchingName="Due contenuti" type="twoObj">
   <p:cSld name="TWO_OBJECTS">
     <p:spTree>
       <p:nvGrpSpPr>
-        <p:cNvPr id="29" name="Shape 29"/>
+        <p:cNvPr id="1" name="Shape 29"/>
         <p:cNvGrpSpPr/>
         <p:nvPr/>
       </p:nvGrpSpPr>
@@ -4691,7 +4821,9 @@
       <p:sp>
         <p:nvSpPr>
           <p:cNvPr id="30" name="Google Shape;30;p9"/>
-          <p:cNvSpPr txBox="1"/>
+          <p:cNvSpPr txBox="1">
+            <a:spLocks noGrp="1"/>
+          </p:cNvSpPr>
           <p:nvPr>
             <p:ph type="title"/>
           </p:nvPr>
@@ -4710,7 +4842,7 @@
           </a:ln>
         </p:spPr>
         <p:txBody>
-          <a:bodyPr anchorCtr="0" anchor="ctr" bIns="45700" lIns="91425" spcFirstLastPara="1" rIns="91425" wrap="square" tIns="45700">
+          <a:bodyPr spcFirstLastPara="1" wrap="square" lIns="91425" tIns="45700" rIns="91425" bIns="45700" anchor="ctr" anchorCtr="0">
             <a:normAutofit/>
           </a:bodyPr>
           <a:lstStyle>
@@ -4820,15 +4952,19 @@
               <a:defRPr/>
             </a:lvl9pPr>
           </a:lstStyle>
-          <a:p/>
+          <a:p>
+            <a:endParaRPr/>
+          </a:p>
         </p:txBody>
       </p:sp>
       <p:sp>
         <p:nvSpPr>
           <p:cNvPr id="31" name="Google Shape;31;p9"/>
-          <p:cNvSpPr txBox="1"/>
+          <p:cNvSpPr txBox="1">
+            <a:spLocks noGrp="1"/>
+          </p:cNvSpPr>
           <p:nvPr>
-            <p:ph idx="1" type="body"/>
+            <p:ph type="body" idx="1"/>
           </p:nvPr>
         </p:nvSpPr>
         <p:spPr>
@@ -4845,11 +4981,11 @@
           </a:ln>
         </p:spPr>
         <p:txBody>
-          <a:bodyPr anchorCtr="0" anchor="t" bIns="45700" lIns="91425" spcFirstLastPara="1" rIns="91425" wrap="square" tIns="45700">
+          <a:bodyPr spcFirstLastPara="1" wrap="square" lIns="91425" tIns="45700" rIns="91425" bIns="45700" anchor="t" anchorCtr="0">
             <a:normAutofit/>
           </a:bodyPr>
           <a:lstStyle>
-            <a:lvl1pPr indent="-342900" lvl="0" marL="457200" algn="l">
+            <a:lvl1pPr marL="457200" lvl="0" indent="-342900" algn="l">
               <a:lnSpc>
                 <a:spcPct val="90000"/>
               </a:lnSpc>
@@ -4866,7 +5002,7 @@
               <a:buChar char="•"/>
               <a:defRPr/>
             </a:lvl1pPr>
-            <a:lvl2pPr indent="-342900" lvl="1" marL="914400" algn="l">
+            <a:lvl2pPr marL="914400" lvl="1" indent="-342900" algn="l">
               <a:lnSpc>
                 <a:spcPct val="90000"/>
               </a:lnSpc>
@@ -4883,7 +5019,7 @@
               <a:buChar char="•"/>
               <a:defRPr/>
             </a:lvl2pPr>
-            <a:lvl3pPr indent="-342900" lvl="2" marL="1371600" algn="l">
+            <a:lvl3pPr marL="1371600" lvl="2" indent="-342900" algn="l">
               <a:lnSpc>
                 <a:spcPct val="90000"/>
               </a:lnSpc>
@@ -4900,7 +5036,7 @@
               <a:buChar char="•"/>
               <a:defRPr/>
             </a:lvl3pPr>
-            <a:lvl4pPr indent="-342900" lvl="3" marL="1828800" algn="l">
+            <a:lvl4pPr marL="1828800" lvl="3" indent="-342900" algn="l">
               <a:lnSpc>
                 <a:spcPct val="90000"/>
               </a:lnSpc>
@@ -4917,7 +5053,7 @@
               <a:buChar char="•"/>
               <a:defRPr/>
             </a:lvl4pPr>
-            <a:lvl5pPr indent="-342900" lvl="4" marL="2286000" algn="l">
+            <a:lvl5pPr marL="2286000" lvl="4" indent="-342900" algn="l">
               <a:lnSpc>
                 <a:spcPct val="90000"/>
               </a:lnSpc>
@@ -4934,7 +5070,7 @@
               <a:buChar char="•"/>
               <a:defRPr/>
             </a:lvl5pPr>
-            <a:lvl6pPr indent="-342900" lvl="5" marL="2743200" algn="l">
+            <a:lvl6pPr marL="2743200" lvl="5" indent="-342900" algn="l">
               <a:lnSpc>
                 <a:spcPct val="90000"/>
               </a:lnSpc>
@@ -4951,7 +5087,7 @@
               <a:buChar char="•"/>
               <a:defRPr/>
             </a:lvl6pPr>
-            <a:lvl7pPr indent="-342900" lvl="6" marL="3200400" algn="l">
+            <a:lvl7pPr marL="3200400" lvl="6" indent="-342900" algn="l">
               <a:lnSpc>
                 <a:spcPct val="90000"/>
               </a:lnSpc>
@@ -4968,7 +5104,7 @@
               <a:buChar char="•"/>
               <a:defRPr/>
             </a:lvl7pPr>
-            <a:lvl8pPr indent="-342900" lvl="7" marL="3657600" algn="l">
+            <a:lvl8pPr marL="3657600" lvl="7" indent="-342900" algn="l">
               <a:lnSpc>
                 <a:spcPct val="90000"/>
               </a:lnSpc>
@@ -4985,7 +5121,7 @@
               <a:buChar char="•"/>
               <a:defRPr/>
             </a:lvl8pPr>
-            <a:lvl9pPr indent="-342900" lvl="8" marL="4114800" algn="l">
+            <a:lvl9pPr marL="4114800" lvl="8" indent="-342900" algn="l">
               <a:lnSpc>
                 <a:spcPct val="90000"/>
               </a:lnSpc>
@@ -5003,15 +5139,19 @@
               <a:defRPr/>
             </a:lvl9pPr>
           </a:lstStyle>
-          <a:p/>
+          <a:p>
+            <a:endParaRPr/>
+          </a:p>
         </p:txBody>
       </p:sp>
       <p:sp>
         <p:nvSpPr>
           <p:cNvPr id="32" name="Google Shape;32;p9"/>
-          <p:cNvSpPr txBox="1"/>
+          <p:cNvSpPr txBox="1">
+            <a:spLocks noGrp="1"/>
+          </p:cNvSpPr>
           <p:nvPr>
-            <p:ph idx="2" type="body"/>
+            <p:ph type="body" idx="2"/>
           </p:nvPr>
         </p:nvSpPr>
         <p:spPr>
@@ -5028,11 +5168,11 @@
           </a:ln>
         </p:spPr>
         <p:txBody>
-          <a:bodyPr anchorCtr="0" anchor="t" bIns="45700" lIns="91425" spcFirstLastPara="1" rIns="91425" wrap="square" tIns="45700">
+          <a:bodyPr spcFirstLastPara="1" wrap="square" lIns="91425" tIns="45700" rIns="91425" bIns="45700" anchor="t" anchorCtr="0">
             <a:normAutofit/>
           </a:bodyPr>
           <a:lstStyle>
-            <a:lvl1pPr indent="-342900" lvl="0" marL="457200" algn="l">
+            <a:lvl1pPr marL="457200" lvl="0" indent="-342900" algn="l">
               <a:lnSpc>
                 <a:spcPct val="90000"/>
               </a:lnSpc>
@@ -5049,7 +5189,7 @@
               <a:buChar char="•"/>
               <a:defRPr/>
             </a:lvl1pPr>
-            <a:lvl2pPr indent="-342900" lvl="1" marL="914400" algn="l">
+            <a:lvl2pPr marL="914400" lvl="1" indent="-342900" algn="l">
               <a:lnSpc>
                 <a:spcPct val="90000"/>
               </a:lnSpc>
@@ -5066,7 +5206,7 @@
               <a:buChar char="•"/>
               <a:defRPr/>
             </a:lvl2pPr>
-            <a:lvl3pPr indent="-342900" lvl="2" marL="1371600" algn="l">
+            <a:lvl3pPr marL="1371600" lvl="2" indent="-342900" algn="l">
               <a:lnSpc>
                 <a:spcPct val="90000"/>
               </a:lnSpc>
@@ -5083,7 +5223,7 @@
               <a:buChar char="•"/>
               <a:defRPr/>
             </a:lvl3pPr>
-            <a:lvl4pPr indent="-342900" lvl="3" marL="1828800" algn="l">
+            <a:lvl4pPr marL="1828800" lvl="3" indent="-342900" algn="l">
               <a:lnSpc>
                 <a:spcPct val="90000"/>
               </a:lnSpc>
@@ -5100,7 +5240,7 @@
               <a:buChar char="•"/>
               <a:defRPr/>
             </a:lvl4pPr>
-            <a:lvl5pPr indent="-342900" lvl="4" marL="2286000" algn="l">
+            <a:lvl5pPr marL="2286000" lvl="4" indent="-342900" algn="l">
               <a:lnSpc>
                 <a:spcPct val="90000"/>
               </a:lnSpc>
@@ -5117,7 +5257,7 @@
               <a:buChar char="•"/>
               <a:defRPr/>
             </a:lvl5pPr>
-            <a:lvl6pPr indent="-342900" lvl="5" marL="2743200" algn="l">
+            <a:lvl6pPr marL="2743200" lvl="5" indent="-342900" algn="l">
               <a:lnSpc>
                 <a:spcPct val="90000"/>
               </a:lnSpc>
@@ -5134,7 +5274,7 @@
               <a:buChar char="•"/>
               <a:defRPr/>
             </a:lvl6pPr>
-            <a:lvl7pPr indent="-342900" lvl="6" marL="3200400" algn="l">
+            <a:lvl7pPr marL="3200400" lvl="6" indent="-342900" algn="l">
               <a:lnSpc>
                 <a:spcPct val="90000"/>
               </a:lnSpc>
@@ -5151,7 +5291,7 @@
               <a:buChar char="•"/>
               <a:defRPr/>
             </a:lvl7pPr>
-            <a:lvl8pPr indent="-342900" lvl="7" marL="3657600" algn="l">
+            <a:lvl8pPr marL="3657600" lvl="7" indent="-342900" algn="l">
               <a:lnSpc>
                 <a:spcPct val="90000"/>
               </a:lnSpc>
@@ -5168,7 +5308,7 @@
               <a:buChar char="•"/>
               <a:defRPr/>
             </a:lvl8pPr>
-            <a:lvl9pPr indent="-342900" lvl="8" marL="4114800" algn="l">
+            <a:lvl9pPr marL="4114800" lvl="8" indent="-342900" algn="l">
               <a:lnSpc>
                 <a:spcPct val="90000"/>
               </a:lnSpc>
@@ -5186,15 +5326,19 @@
               <a:defRPr/>
             </a:lvl9pPr>
           </a:lstStyle>
-          <a:p/>
+          <a:p>
+            <a:endParaRPr/>
+          </a:p>
         </p:txBody>
       </p:sp>
       <p:sp>
         <p:nvSpPr>
           <p:cNvPr id="33" name="Google Shape;33;p9"/>
-          <p:cNvSpPr txBox="1"/>
+          <p:cNvSpPr txBox="1">
+            <a:spLocks noGrp="1"/>
+          </p:cNvSpPr>
           <p:nvPr>
-            <p:ph idx="10" type="dt"/>
+            <p:ph type="dt" idx="10"/>
           </p:nvPr>
         </p:nvSpPr>
         <p:spPr>
@@ -5211,7 +5355,7 @@
           </a:ln>
         </p:spPr>
         <p:txBody>
-          <a:bodyPr anchorCtr="0" anchor="ctr" bIns="45700" lIns="91425" spcFirstLastPara="1" rIns="91425" wrap="square" tIns="45700">
+          <a:bodyPr spcFirstLastPara="1" wrap="square" lIns="91425" tIns="45700" rIns="91425" bIns="45700" anchor="ctr" anchorCtr="0">
             <a:noAutofit/>
           </a:bodyPr>
           <a:lstStyle>
@@ -5315,15 +5459,19 @@
               <a:defRPr/>
             </a:lvl9pPr>
           </a:lstStyle>
-          <a:p/>
+          <a:p>
+            <a:endParaRPr/>
+          </a:p>
         </p:txBody>
       </p:sp>
       <p:sp>
         <p:nvSpPr>
           <p:cNvPr id="34" name="Google Shape;34;p9"/>
-          <p:cNvSpPr txBox="1"/>
+          <p:cNvSpPr txBox="1">
+            <a:spLocks noGrp="1"/>
+          </p:cNvSpPr>
           <p:nvPr>
-            <p:ph idx="11" type="ftr"/>
+            <p:ph type="ftr" idx="11"/>
           </p:nvPr>
         </p:nvSpPr>
         <p:spPr>
@@ -5340,7 +5488,7 @@
           </a:ln>
         </p:spPr>
         <p:txBody>
-          <a:bodyPr anchorCtr="0" anchor="ctr" bIns="45700" lIns="91425" spcFirstLastPara="1" rIns="91425" wrap="square" tIns="45700">
+          <a:bodyPr spcFirstLastPara="1" wrap="square" lIns="91425" tIns="45700" rIns="91425" bIns="45700" anchor="ctr" anchorCtr="0">
             <a:noAutofit/>
           </a:bodyPr>
           <a:lstStyle>
@@ -5444,15 +5592,19 @@
               <a:defRPr/>
             </a:lvl9pPr>
           </a:lstStyle>
-          <a:p/>
+          <a:p>
+            <a:endParaRPr/>
+          </a:p>
         </p:txBody>
       </p:sp>
       <p:sp>
         <p:nvSpPr>
           <p:cNvPr id="35" name="Google Shape;35;p9"/>
-          <p:cNvSpPr txBox="1"/>
+          <p:cNvSpPr txBox="1">
+            <a:spLocks noGrp="1"/>
+          </p:cNvSpPr>
           <p:nvPr>
-            <p:ph idx="12" type="sldNum"/>
+            <p:ph type="sldNum" idx="12"/>
           </p:nvPr>
         </p:nvSpPr>
         <p:spPr>
@@ -5469,67 +5621,67 @@
           </a:ln>
         </p:spPr>
         <p:txBody>
-          <a:bodyPr anchorCtr="0" anchor="ctr" bIns="45700" lIns="91425" spcFirstLastPara="1" rIns="91425" wrap="square" tIns="45700">
+          <a:bodyPr spcFirstLastPara="1" wrap="square" lIns="91425" tIns="45700" rIns="91425" bIns="45700" anchor="ctr" anchorCtr="0">
             <a:noAutofit/>
           </a:bodyPr>
           <a:lstStyle>
-            <a:lvl1pPr indent="0" lvl="0" marL="0" algn="r">
+            <a:lvl1pPr marL="0" lvl="0" indent="0" algn="r">
               <a:spcBef>
                 <a:spcPts val="0"/>
               </a:spcBef>
               <a:buNone/>
               <a:defRPr/>
             </a:lvl1pPr>
-            <a:lvl2pPr indent="0" lvl="1" marL="0" algn="r">
+            <a:lvl2pPr marL="0" lvl="1" indent="0" algn="r">
               <a:spcBef>
                 <a:spcPts val="0"/>
               </a:spcBef>
               <a:buNone/>
               <a:defRPr/>
             </a:lvl2pPr>
-            <a:lvl3pPr indent="0" lvl="2" marL="0" algn="r">
+            <a:lvl3pPr marL="0" lvl="2" indent="0" algn="r">
               <a:spcBef>
                 <a:spcPts val="0"/>
               </a:spcBef>
               <a:buNone/>
               <a:defRPr/>
             </a:lvl3pPr>
-            <a:lvl4pPr indent="0" lvl="3" marL="0" algn="r">
+            <a:lvl4pPr marL="0" lvl="3" indent="0" algn="r">
               <a:spcBef>
                 <a:spcPts val="0"/>
               </a:spcBef>
               <a:buNone/>
               <a:defRPr/>
             </a:lvl4pPr>
-            <a:lvl5pPr indent="0" lvl="4" marL="0" algn="r">
+            <a:lvl5pPr marL="0" lvl="4" indent="0" algn="r">
               <a:spcBef>
                 <a:spcPts val="0"/>
               </a:spcBef>
               <a:buNone/>
               <a:defRPr/>
             </a:lvl5pPr>
-            <a:lvl6pPr indent="0" lvl="5" marL="0" algn="r">
+            <a:lvl6pPr marL="0" lvl="5" indent="0" algn="r">
               <a:spcBef>
                 <a:spcPts val="0"/>
               </a:spcBef>
               <a:buNone/>
               <a:defRPr/>
             </a:lvl6pPr>
-            <a:lvl7pPr indent="0" lvl="6" marL="0" algn="r">
+            <a:lvl7pPr marL="0" lvl="6" indent="0" algn="r">
               <a:spcBef>
                 <a:spcPts val="0"/>
               </a:spcBef>
               <a:buNone/>
               <a:defRPr/>
             </a:lvl7pPr>
-            <a:lvl8pPr indent="0" lvl="7" marL="0" algn="r">
+            <a:lvl8pPr marL="0" lvl="7" indent="0" algn="r">
               <a:spcBef>
                 <a:spcPts val="0"/>
               </a:spcBef>
               <a:buNone/>
               <a:defRPr/>
             </a:lvl8pPr>
-            <a:lvl9pPr indent="0" lvl="8" marL="0" algn="r">
+            <a:lvl9pPr marL="0" lvl="8" indent="0" algn="r">
               <a:spcBef>
                 <a:spcPts val="0"/>
               </a:spcBef>
@@ -5538,7 +5690,7 @@
             </a:lvl9pPr>
           </a:lstStyle>
           <a:p>
-            <a:pPr indent="0" lvl="0" marL="0" rtl="0" algn="r">
+            <a:pPr marL="0" lvl="0" indent="0" algn="r" rtl="0">
               <a:spcBef>
                 <a:spcPts val="0"/>
               </a:spcBef>
@@ -5549,7 +5701,7 @@
             </a:pPr>
             <a:fld id="{00000000-1234-1234-1234-123412341234}" type="slidenum">
               <a:rPr lang="it-IT"/>
-              <a:t>‹#›</a:t>
+              <a:t>‹N›</a:t>
             </a:fld>
             <a:endParaRPr/>
           </a:p>
@@ -5564,11 +5716,11 @@
 </file>
 
 <file path=ppt/slideLayouts/slideLayout5.xml><?xml version="1.0" encoding="utf-8"?>
-<p:sldLayout xmlns:a="http://schemas.openxmlformats.org/drawingml/2006/main" xmlns:r="http://schemas.openxmlformats.org/officeDocument/2006/relationships" xmlns:mc="http://schemas.openxmlformats.org/markup-compatibility/2006" xmlns:mv="urn:schemas-microsoft-com:mac:vml" xmlns:p="http://schemas.openxmlformats.org/presentationml/2006/main" xmlns:c="http://schemas.openxmlformats.org/drawingml/2006/chart" xmlns:dgm="http://schemas.openxmlformats.org/drawingml/2006/diagram" xmlns:o="urn:schemas-microsoft-com:office:office" xmlns:v="urn:schemas-microsoft-com:vml" xmlns:pvml="urn:schemas-microsoft-com:office:powerpoint" xmlns:com="http://schemas.openxmlformats.org/drawingml/2006/compatibility" xmlns:p14="http://schemas.microsoft.com/office/powerpoint/2010/main" xmlns:p15="http://schemas.microsoft.com/office/powerpoint/2012/main" matchingName="Confronto" type="twoTxTwoObj">
+<p:sldLayout xmlns:a="http://schemas.openxmlformats.org/drawingml/2006/main" xmlns:r="http://schemas.openxmlformats.org/officeDocument/2006/relationships" xmlns:p="http://schemas.openxmlformats.org/presentationml/2006/main" matchingName="Confronto" type="twoTxTwoObj">
   <p:cSld name="TWO_OBJECTS_WITH_TEXT">
     <p:spTree>
       <p:nvGrpSpPr>
-        <p:cNvPr id="36" name="Shape 36"/>
+        <p:cNvPr id="1" name="Shape 36"/>
         <p:cNvGrpSpPr/>
         <p:nvPr/>
       </p:nvGrpSpPr>
@@ -5583,7 +5735,9 @@
       <p:sp>
         <p:nvSpPr>
           <p:cNvPr id="37" name="Google Shape;37;p10"/>
-          <p:cNvSpPr txBox="1"/>
+          <p:cNvSpPr txBox="1">
+            <a:spLocks noGrp="1"/>
+          </p:cNvSpPr>
           <p:nvPr>
             <p:ph type="title"/>
           </p:nvPr>
@@ -5602,7 +5756,7 @@
           </a:ln>
         </p:spPr>
         <p:txBody>
-          <a:bodyPr anchorCtr="0" anchor="ctr" bIns="45700" lIns="91425" spcFirstLastPara="1" rIns="91425" wrap="square" tIns="45700">
+          <a:bodyPr spcFirstLastPara="1" wrap="square" lIns="91425" tIns="45700" rIns="91425" bIns="45700" anchor="ctr" anchorCtr="0">
             <a:normAutofit/>
           </a:bodyPr>
           <a:lstStyle>
@@ -5712,15 +5866,19 @@
               <a:defRPr/>
             </a:lvl9pPr>
           </a:lstStyle>
-          <a:p/>
+          <a:p>
+            <a:endParaRPr/>
+          </a:p>
         </p:txBody>
       </p:sp>
       <p:sp>
         <p:nvSpPr>
           <p:cNvPr id="38" name="Google Shape;38;p10"/>
-          <p:cNvSpPr txBox="1"/>
+          <p:cNvSpPr txBox="1">
+            <a:spLocks noGrp="1"/>
+          </p:cNvSpPr>
           <p:nvPr>
-            <p:ph idx="1" type="body"/>
+            <p:ph type="body" idx="1"/>
           </p:nvPr>
         </p:nvSpPr>
         <p:spPr>
@@ -5737,11 +5895,11 @@
           </a:ln>
         </p:spPr>
         <p:txBody>
-          <a:bodyPr anchorCtr="0" anchor="b" bIns="45700" lIns="91425" spcFirstLastPara="1" rIns="91425" wrap="square" tIns="45700">
+          <a:bodyPr spcFirstLastPara="1" wrap="square" lIns="91425" tIns="45700" rIns="91425" bIns="45700" anchor="b" anchorCtr="0">
             <a:normAutofit/>
           </a:bodyPr>
           <a:lstStyle>
-            <a:lvl1pPr indent="-228600" lvl="0" marL="457200" algn="l">
+            <a:lvl1pPr marL="457200" lvl="0" indent="-228600" algn="l">
               <a:lnSpc>
                 <a:spcPct val="90000"/>
               </a:lnSpc>
@@ -5756,9 +5914,9 @@
               </a:buClr>
               <a:buSzPts val="2400"/>
               <a:buNone/>
-              <a:defRPr b="1" sz="2400"/>
+              <a:defRPr sz="2400" b="1"/>
             </a:lvl1pPr>
-            <a:lvl2pPr indent="-228600" lvl="1" marL="914400" algn="l">
+            <a:lvl2pPr marL="914400" lvl="1" indent="-228600" algn="l">
               <a:lnSpc>
                 <a:spcPct val="90000"/>
               </a:lnSpc>
@@ -5773,9 +5931,9 @@
               </a:buClr>
               <a:buSzPts val="2000"/>
               <a:buNone/>
-              <a:defRPr b="1" sz="2000"/>
+              <a:defRPr sz="2000" b="1"/>
             </a:lvl2pPr>
-            <a:lvl3pPr indent="-228600" lvl="2" marL="1371600" algn="l">
+            <a:lvl3pPr marL="1371600" lvl="2" indent="-228600" algn="l">
               <a:lnSpc>
                 <a:spcPct val="90000"/>
               </a:lnSpc>
@@ -5790,9 +5948,9 @@
               </a:buClr>
               <a:buSzPts val="1800"/>
               <a:buNone/>
-              <a:defRPr b="1" sz="1800"/>
+              <a:defRPr sz="1800" b="1"/>
             </a:lvl3pPr>
-            <a:lvl4pPr indent="-228600" lvl="3" marL="1828800" algn="l">
+            <a:lvl4pPr marL="1828800" lvl="3" indent="-228600" algn="l">
               <a:lnSpc>
                 <a:spcPct val="90000"/>
               </a:lnSpc>
@@ -5807,9 +5965,9 @@
               </a:buClr>
               <a:buSzPts val="1600"/>
               <a:buNone/>
-              <a:defRPr b="1" sz="1600"/>
+              <a:defRPr sz="1600" b="1"/>
             </a:lvl4pPr>
-            <a:lvl5pPr indent="-228600" lvl="4" marL="2286000" algn="l">
+            <a:lvl5pPr marL="2286000" lvl="4" indent="-228600" algn="l">
               <a:lnSpc>
                 <a:spcPct val="90000"/>
               </a:lnSpc>
@@ -5824,9 +5982,9 @@
               </a:buClr>
               <a:buSzPts val="1600"/>
               <a:buNone/>
-              <a:defRPr b="1" sz="1600"/>
+              <a:defRPr sz="1600" b="1"/>
             </a:lvl5pPr>
-            <a:lvl6pPr indent="-228600" lvl="5" marL="2743200" algn="l">
+            <a:lvl6pPr marL="2743200" lvl="5" indent="-228600" algn="l">
               <a:lnSpc>
                 <a:spcPct val="90000"/>
               </a:lnSpc>
@@ -5841,9 +5999,9 @@
               </a:buClr>
               <a:buSzPts val="1600"/>
               <a:buNone/>
-              <a:defRPr b="1" sz="1600"/>
+              <a:defRPr sz="1600" b="1"/>
             </a:lvl6pPr>
-            <a:lvl7pPr indent="-228600" lvl="6" marL="3200400" algn="l">
+            <a:lvl7pPr marL="3200400" lvl="6" indent="-228600" algn="l">
               <a:lnSpc>
                 <a:spcPct val="90000"/>
               </a:lnSpc>
@@ -5858,9 +6016,9 @@
               </a:buClr>
               <a:buSzPts val="1600"/>
               <a:buNone/>
-              <a:defRPr b="1" sz="1600"/>
+              <a:defRPr sz="1600" b="1"/>
             </a:lvl7pPr>
-            <a:lvl8pPr indent="-228600" lvl="7" marL="3657600" algn="l">
+            <a:lvl8pPr marL="3657600" lvl="7" indent="-228600" algn="l">
               <a:lnSpc>
                 <a:spcPct val="90000"/>
               </a:lnSpc>
@@ -5875,9 +6033,9 @@
               </a:buClr>
               <a:buSzPts val="1600"/>
               <a:buNone/>
-              <a:defRPr b="1" sz="1600"/>
+              <a:defRPr sz="1600" b="1"/>
             </a:lvl8pPr>
-            <a:lvl9pPr indent="-228600" lvl="8" marL="4114800" algn="l">
+            <a:lvl9pPr marL="4114800" lvl="8" indent="-228600" algn="l">
               <a:lnSpc>
                 <a:spcPct val="90000"/>
               </a:lnSpc>
@@ -5892,18 +6050,22 @@
               </a:buClr>
               <a:buSzPts val="1600"/>
               <a:buNone/>
-              <a:defRPr b="1" sz="1600"/>
+              <a:defRPr sz="1600" b="1"/>
             </a:lvl9pPr>
           </a:lstStyle>
-          <a:p/>
+          <a:p>
+            <a:endParaRPr/>
+          </a:p>
         </p:txBody>
       </p:sp>
       <p:sp>
         <p:nvSpPr>
           <p:cNvPr id="39" name="Google Shape;39;p10"/>
-          <p:cNvSpPr txBox="1"/>
+          <p:cNvSpPr txBox="1">
+            <a:spLocks noGrp="1"/>
+          </p:cNvSpPr>
           <p:nvPr>
-            <p:ph idx="2" type="body"/>
+            <p:ph type="body" idx="2"/>
           </p:nvPr>
         </p:nvSpPr>
         <p:spPr>
@@ -5920,11 +6082,11 @@
           </a:ln>
         </p:spPr>
         <p:txBody>
-          <a:bodyPr anchorCtr="0" anchor="t" bIns="45700" lIns="91425" spcFirstLastPara="1" rIns="91425" wrap="square" tIns="45700">
+          <a:bodyPr spcFirstLastPara="1" wrap="square" lIns="91425" tIns="45700" rIns="91425" bIns="45700" anchor="t" anchorCtr="0">
             <a:normAutofit/>
           </a:bodyPr>
           <a:lstStyle>
-            <a:lvl1pPr indent="-342900" lvl="0" marL="457200" algn="l">
+            <a:lvl1pPr marL="457200" lvl="0" indent="-342900" algn="l">
               <a:lnSpc>
                 <a:spcPct val="90000"/>
               </a:lnSpc>
@@ -5941,7 +6103,7 @@
               <a:buChar char="•"/>
               <a:defRPr/>
             </a:lvl1pPr>
-            <a:lvl2pPr indent="-342900" lvl="1" marL="914400" algn="l">
+            <a:lvl2pPr marL="914400" lvl="1" indent="-342900" algn="l">
               <a:lnSpc>
                 <a:spcPct val="90000"/>
               </a:lnSpc>
@@ -5958,7 +6120,7 @@
               <a:buChar char="•"/>
               <a:defRPr/>
             </a:lvl2pPr>
-            <a:lvl3pPr indent="-342900" lvl="2" marL="1371600" algn="l">
+            <a:lvl3pPr marL="1371600" lvl="2" indent="-342900" algn="l">
               <a:lnSpc>
                 <a:spcPct val="90000"/>
               </a:lnSpc>
@@ -5975,7 +6137,7 @@
               <a:buChar char="•"/>
               <a:defRPr/>
             </a:lvl3pPr>
-            <a:lvl4pPr indent="-342900" lvl="3" marL="1828800" algn="l">
+            <a:lvl4pPr marL="1828800" lvl="3" indent="-342900" algn="l">
               <a:lnSpc>
                 <a:spcPct val="90000"/>
               </a:lnSpc>
@@ -5992,7 +6154,7 @@
               <a:buChar char="•"/>
               <a:defRPr/>
             </a:lvl4pPr>
-            <a:lvl5pPr indent="-342900" lvl="4" marL="2286000" algn="l">
+            <a:lvl5pPr marL="2286000" lvl="4" indent="-342900" algn="l">
               <a:lnSpc>
                 <a:spcPct val="90000"/>
               </a:lnSpc>
@@ -6009,7 +6171,7 @@
               <a:buChar char="•"/>
               <a:defRPr/>
             </a:lvl5pPr>
-            <a:lvl6pPr indent="-342900" lvl="5" marL="2743200" algn="l">
+            <a:lvl6pPr marL="2743200" lvl="5" indent="-342900" algn="l">
               <a:lnSpc>
                 <a:spcPct val="90000"/>
               </a:lnSpc>
@@ -6026,7 +6188,7 @@
               <a:buChar char="•"/>
               <a:defRPr/>
             </a:lvl6pPr>
-            <a:lvl7pPr indent="-342900" lvl="6" marL="3200400" algn="l">
+            <a:lvl7pPr marL="3200400" lvl="6" indent="-342900" algn="l">
               <a:lnSpc>
                 <a:spcPct val="90000"/>
               </a:lnSpc>
@@ -6043,7 +6205,7 @@
               <a:buChar char="•"/>
               <a:defRPr/>
             </a:lvl7pPr>
-            <a:lvl8pPr indent="-342900" lvl="7" marL="3657600" algn="l">
+            <a:lvl8pPr marL="3657600" lvl="7" indent="-342900" algn="l">
               <a:lnSpc>
                 <a:spcPct val="90000"/>
               </a:lnSpc>
@@ -6060,7 +6222,7 @@
               <a:buChar char="•"/>
               <a:defRPr/>
             </a:lvl8pPr>
-            <a:lvl9pPr indent="-342900" lvl="8" marL="4114800" algn="l">
+            <a:lvl9pPr marL="4114800" lvl="8" indent="-342900" algn="l">
               <a:lnSpc>
                 <a:spcPct val="90000"/>
               </a:lnSpc>
@@ -6078,15 +6240,19 @@
               <a:defRPr/>
             </a:lvl9pPr>
           </a:lstStyle>
-          <a:p/>
+          <a:p>
+            <a:endParaRPr/>
+          </a:p>
         </p:txBody>
       </p:sp>
       <p:sp>
         <p:nvSpPr>
           <p:cNvPr id="40" name="Google Shape;40;p10"/>
-          <p:cNvSpPr txBox="1"/>
+          <p:cNvSpPr txBox="1">
+            <a:spLocks noGrp="1"/>
+          </p:cNvSpPr>
           <p:nvPr>
-            <p:ph idx="3" type="body"/>
+            <p:ph type="body" idx="3"/>
           </p:nvPr>
         </p:nvSpPr>
         <p:spPr>
@@ -6103,11 +6269,11 @@
           </a:ln>
         </p:spPr>
         <p:txBody>
-          <a:bodyPr anchorCtr="0" anchor="b" bIns="45700" lIns="91425" spcFirstLastPara="1" rIns="91425" wrap="square" tIns="45700">
+          <a:bodyPr spcFirstLastPara="1" wrap="square" lIns="91425" tIns="45700" rIns="91425" bIns="45700" anchor="b" anchorCtr="0">
             <a:normAutofit/>
           </a:bodyPr>
           <a:lstStyle>
-            <a:lvl1pPr indent="-228600" lvl="0" marL="457200" algn="l">
+            <a:lvl1pPr marL="457200" lvl="0" indent="-228600" algn="l">
               <a:lnSpc>
                 <a:spcPct val="90000"/>
               </a:lnSpc>
@@ -6122,9 +6288,9 @@
               </a:buClr>
               <a:buSzPts val="2400"/>
               <a:buNone/>
-              <a:defRPr b="1" sz="2400"/>
+              <a:defRPr sz="2400" b="1"/>
             </a:lvl1pPr>
-            <a:lvl2pPr indent="-228600" lvl="1" marL="914400" algn="l">
+            <a:lvl2pPr marL="914400" lvl="1" indent="-228600" algn="l">
               <a:lnSpc>
                 <a:spcPct val="90000"/>
               </a:lnSpc>
@@ -6139,9 +6305,9 @@
               </a:buClr>
               <a:buSzPts val="2000"/>
               <a:buNone/>
-              <a:defRPr b="1" sz="2000"/>
+              <a:defRPr sz="2000" b="1"/>
             </a:lvl2pPr>
-            <a:lvl3pPr indent="-228600" lvl="2" marL="1371600" algn="l">
+            <a:lvl3pPr marL="1371600" lvl="2" indent="-228600" algn="l">
               <a:lnSpc>
                 <a:spcPct val="90000"/>
               </a:lnSpc>
@@ -6156,9 +6322,9 @@
               </a:buClr>
               <a:buSzPts val="1800"/>
               <a:buNone/>
-              <a:defRPr b="1" sz="1800"/>
+              <a:defRPr sz="1800" b="1"/>
             </a:lvl3pPr>
-            <a:lvl4pPr indent="-228600" lvl="3" marL="1828800" algn="l">
+            <a:lvl4pPr marL="1828800" lvl="3" indent="-228600" algn="l">
               <a:lnSpc>
                 <a:spcPct val="90000"/>
               </a:lnSpc>
@@ -6173,9 +6339,9 @@
               </a:buClr>
               <a:buSzPts val="1600"/>
               <a:buNone/>
-              <a:defRPr b="1" sz="1600"/>
+              <a:defRPr sz="1600" b="1"/>
             </a:lvl4pPr>
-            <a:lvl5pPr indent="-228600" lvl="4" marL="2286000" algn="l">
+            <a:lvl5pPr marL="2286000" lvl="4" indent="-228600" algn="l">
               <a:lnSpc>
                 <a:spcPct val="90000"/>
               </a:lnSpc>
@@ -6190,9 +6356,9 @@
               </a:buClr>
               <a:buSzPts val="1600"/>
               <a:buNone/>
-              <a:defRPr b="1" sz="1600"/>
+              <a:defRPr sz="1600" b="1"/>
             </a:lvl5pPr>
-            <a:lvl6pPr indent="-228600" lvl="5" marL="2743200" algn="l">
+            <a:lvl6pPr marL="2743200" lvl="5" indent="-228600" algn="l">
               <a:lnSpc>
                 <a:spcPct val="90000"/>
               </a:lnSpc>
@@ -6207,9 +6373,9 @@
               </a:buClr>
               <a:buSzPts val="1600"/>
               <a:buNone/>
-              <a:defRPr b="1" sz="1600"/>
+              <a:defRPr sz="1600" b="1"/>
             </a:lvl6pPr>
-            <a:lvl7pPr indent="-228600" lvl="6" marL="3200400" algn="l">
+            <a:lvl7pPr marL="3200400" lvl="6" indent="-228600" algn="l">
               <a:lnSpc>
                 <a:spcPct val="90000"/>
               </a:lnSpc>
@@ -6224,9 +6390,9 @@
               </a:buClr>
               <a:buSzPts val="1600"/>
               <a:buNone/>
-              <a:defRPr b="1" sz="1600"/>
+              <a:defRPr sz="1600" b="1"/>
             </a:lvl7pPr>
-            <a:lvl8pPr indent="-228600" lvl="7" marL="3657600" algn="l">
+            <a:lvl8pPr marL="3657600" lvl="7" indent="-228600" algn="l">
               <a:lnSpc>
                 <a:spcPct val="90000"/>
               </a:lnSpc>
@@ -6241,9 +6407,9 @@
               </a:buClr>
               <a:buSzPts val="1600"/>
               <a:buNone/>
-              <a:defRPr b="1" sz="1600"/>
+              <a:defRPr sz="1600" b="1"/>
             </a:lvl8pPr>
-            <a:lvl9pPr indent="-228600" lvl="8" marL="4114800" algn="l">
+            <a:lvl9pPr marL="4114800" lvl="8" indent="-228600" algn="l">
               <a:lnSpc>
                 <a:spcPct val="90000"/>
               </a:lnSpc>
@@ -6258,18 +6424,22 @@
               </a:buClr>
               <a:buSzPts val="1600"/>
               <a:buNone/>
-              <a:defRPr b="1" sz="1600"/>
+              <a:defRPr sz="1600" b="1"/>
             </a:lvl9pPr>
           </a:lstStyle>
-          <a:p/>
+          <a:p>
+            <a:endParaRPr/>
+          </a:p>
         </p:txBody>
       </p:sp>
       <p:sp>
         <p:nvSpPr>
           <p:cNvPr id="41" name="Google Shape;41;p10"/>
-          <p:cNvSpPr txBox="1"/>
+          <p:cNvSpPr txBox="1">
+            <a:spLocks noGrp="1"/>
+          </p:cNvSpPr>
           <p:nvPr>
-            <p:ph idx="4" type="body"/>
+            <p:ph type="body" idx="4"/>
           </p:nvPr>
         </p:nvSpPr>
         <p:spPr>
@@ -6286,11 +6456,11 @@
           </a:ln>
         </p:spPr>
         <p:txBody>
-          <a:bodyPr anchorCtr="0" anchor="t" bIns="45700" lIns="91425" spcFirstLastPara="1" rIns="91425" wrap="square" tIns="45700">
+          <a:bodyPr spcFirstLastPara="1" wrap="square" lIns="91425" tIns="45700" rIns="91425" bIns="45700" anchor="t" anchorCtr="0">
             <a:normAutofit/>
           </a:bodyPr>
           <a:lstStyle>
-            <a:lvl1pPr indent="-342900" lvl="0" marL="457200" algn="l">
+            <a:lvl1pPr marL="457200" lvl="0" indent="-342900" algn="l">
               <a:lnSpc>
                 <a:spcPct val="90000"/>
               </a:lnSpc>
@@ -6307,7 +6477,7 @@
               <a:buChar char="•"/>
               <a:defRPr/>
             </a:lvl1pPr>
-            <a:lvl2pPr indent="-342900" lvl="1" marL="914400" algn="l">
+            <a:lvl2pPr marL="914400" lvl="1" indent="-342900" algn="l">
               <a:lnSpc>
                 <a:spcPct val="90000"/>
               </a:lnSpc>
@@ -6324,7 +6494,7 @@
               <a:buChar char="•"/>
               <a:defRPr/>
             </a:lvl2pPr>
-            <a:lvl3pPr indent="-342900" lvl="2" marL="1371600" algn="l">
+            <a:lvl3pPr marL="1371600" lvl="2" indent="-342900" algn="l">
               <a:lnSpc>
                 <a:spcPct val="90000"/>
               </a:lnSpc>
@@ -6341,7 +6511,7 @@
               <a:buChar char="•"/>
               <a:defRPr/>
             </a:lvl3pPr>
-            <a:lvl4pPr indent="-342900" lvl="3" marL="1828800" algn="l">
+            <a:lvl4pPr marL="1828800" lvl="3" indent="-342900" algn="l">
               <a:lnSpc>
                 <a:spcPct val="90000"/>
               </a:lnSpc>
@@ -6358,7 +6528,7 @@
               <a:buChar char="•"/>
               <a:defRPr/>
             </a:lvl4pPr>
-            <a:lvl5pPr indent="-342900" lvl="4" marL="2286000" algn="l">
+            <a:lvl5pPr marL="2286000" lvl="4" indent="-342900" algn="l">
               <a:lnSpc>
                 <a:spcPct val="90000"/>
               </a:lnSpc>
@@ -6375,7 +6545,7 @@
               <a:buChar char="•"/>
               <a:defRPr/>
             </a:lvl5pPr>
-            <a:lvl6pPr indent="-342900" lvl="5" marL="2743200" algn="l">
+            <a:lvl6pPr marL="2743200" lvl="5" indent="-342900" algn="l">
               <a:lnSpc>
                 <a:spcPct val="90000"/>
               </a:lnSpc>
@@ -6392,7 +6562,7 @@
               <a:buChar char="•"/>
               <a:defRPr/>
             </a:lvl6pPr>
-            <a:lvl7pPr indent="-342900" lvl="6" marL="3200400" algn="l">
+            <a:lvl7pPr marL="3200400" lvl="6" indent="-342900" algn="l">
               <a:lnSpc>
                 <a:spcPct val="90000"/>
               </a:lnSpc>
@@ -6409,7 +6579,7 @@
               <a:buChar char="•"/>
               <a:defRPr/>
             </a:lvl7pPr>
-            <a:lvl8pPr indent="-342900" lvl="7" marL="3657600" algn="l">
+            <a:lvl8pPr marL="3657600" lvl="7" indent="-342900" algn="l">
               <a:lnSpc>
                 <a:spcPct val="90000"/>
               </a:lnSpc>
@@ -6426,7 +6596,7 @@
               <a:buChar char="•"/>
               <a:defRPr/>
             </a:lvl8pPr>
-            <a:lvl9pPr indent="-342900" lvl="8" marL="4114800" algn="l">
+            <a:lvl9pPr marL="4114800" lvl="8" indent="-342900" algn="l">
               <a:lnSpc>
                 <a:spcPct val="90000"/>
               </a:lnSpc>
@@ -6444,15 +6614,19 @@
               <a:defRPr/>
             </a:lvl9pPr>
           </a:lstStyle>
-          <a:p/>
+          <a:p>
+            <a:endParaRPr/>
+          </a:p>
         </p:txBody>
       </p:sp>
       <p:sp>
         <p:nvSpPr>
           <p:cNvPr id="42" name="Google Shape;42;p10"/>
-          <p:cNvSpPr txBox="1"/>
+          <p:cNvSpPr txBox="1">
+            <a:spLocks noGrp="1"/>
+          </p:cNvSpPr>
           <p:nvPr>
-            <p:ph idx="10" type="dt"/>
+            <p:ph type="dt" idx="10"/>
           </p:nvPr>
         </p:nvSpPr>
         <p:spPr>
@@ -6469,7 +6643,7 @@
           </a:ln>
         </p:spPr>
         <p:txBody>
-          <a:bodyPr anchorCtr="0" anchor="ctr" bIns="45700" lIns="91425" spcFirstLastPara="1" rIns="91425" wrap="square" tIns="45700">
+          <a:bodyPr spcFirstLastPara="1" wrap="square" lIns="91425" tIns="45700" rIns="91425" bIns="45700" anchor="ctr" anchorCtr="0">
             <a:noAutofit/>
           </a:bodyPr>
           <a:lstStyle>
@@ -6573,15 +6747,19 @@
               <a:defRPr/>
             </a:lvl9pPr>
           </a:lstStyle>
-          <a:p/>
+          <a:p>
+            <a:endParaRPr/>
+          </a:p>
         </p:txBody>
       </p:sp>
       <p:sp>
         <p:nvSpPr>
           <p:cNvPr id="43" name="Google Shape;43;p10"/>
-          <p:cNvSpPr txBox="1"/>
+          <p:cNvSpPr txBox="1">
+            <a:spLocks noGrp="1"/>
+          </p:cNvSpPr>
           <p:nvPr>
-            <p:ph idx="11" type="ftr"/>
+            <p:ph type="ftr" idx="11"/>
           </p:nvPr>
         </p:nvSpPr>
         <p:spPr>
@@ -6598,7 +6776,7 @@
           </a:ln>
         </p:spPr>
         <p:txBody>
-          <a:bodyPr anchorCtr="0" anchor="ctr" bIns="45700" lIns="91425" spcFirstLastPara="1" rIns="91425" wrap="square" tIns="45700">
+          <a:bodyPr spcFirstLastPara="1" wrap="square" lIns="91425" tIns="45700" rIns="91425" bIns="45700" anchor="ctr" anchorCtr="0">
             <a:noAutofit/>
           </a:bodyPr>
           <a:lstStyle>
@@ -6702,15 +6880,19 @@
               <a:defRPr/>
             </a:lvl9pPr>
           </a:lstStyle>
-          <a:p/>
+          <a:p>
+            <a:endParaRPr/>
+          </a:p>
         </p:txBody>
       </p:sp>
       <p:sp>
         <p:nvSpPr>
           <p:cNvPr id="44" name="Google Shape;44;p10"/>
-          <p:cNvSpPr txBox="1"/>
+          <p:cNvSpPr txBox="1">
+            <a:spLocks noGrp="1"/>
+          </p:cNvSpPr>
           <p:nvPr>
-            <p:ph idx="12" type="sldNum"/>
+            <p:ph type="sldNum" idx="12"/>
           </p:nvPr>
         </p:nvSpPr>
         <p:spPr>
@@ -6727,67 +6909,67 @@
           </a:ln>
         </p:spPr>
         <p:txBody>
-          <a:bodyPr anchorCtr="0" anchor="ctr" bIns="45700" lIns="91425" spcFirstLastPara="1" rIns="91425" wrap="square" tIns="45700">
+          <a:bodyPr spcFirstLastPara="1" wrap="square" lIns="91425" tIns="45700" rIns="91425" bIns="45700" anchor="ctr" anchorCtr="0">
             <a:noAutofit/>
           </a:bodyPr>
           <a:lstStyle>
-            <a:lvl1pPr indent="0" lvl="0" marL="0" algn="r">
+            <a:lvl1pPr marL="0" lvl="0" indent="0" algn="r">
               <a:spcBef>
                 <a:spcPts val="0"/>
               </a:spcBef>
               <a:buNone/>
               <a:defRPr/>
             </a:lvl1pPr>
-            <a:lvl2pPr indent="0" lvl="1" marL="0" algn="r">
+            <a:lvl2pPr marL="0" lvl="1" indent="0" algn="r">
               <a:spcBef>
                 <a:spcPts val="0"/>
               </a:spcBef>
               <a:buNone/>
               <a:defRPr/>
             </a:lvl2pPr>
-            <a:lvl3pPr indent="0" lvl="2" marL="0" algn="r">
+            <a:lvl3pPr marL="0" lvl="2" indent="0" algn="r">
               <a:spcBef>
                 <a:spcPts val="0"/>
               </a:spcBef>
               <a:buNone/>
               <a:defRPr/>
             </a:lvl3pPr>
-            <a:lvl4pPr indent="0" lvl="3" marL="0" algn="r">
+            <a:lvl4pPr marL="0" lvl="3" indent="0" algn="r">
               <a:spcBef>
                 <a:spcPts val="0"/>
               </a:spcBef>
               <a:buNone/>
               <a:defRPr/>
             </a:lvl4pPr>
-            <a:lvl5pPr indent="0" lvl="4" marL="0" algn="r">
+            <a:lvl5pPr marL="0" lvl="4" indent="0" algn="r">
               <a:spcBef>
                 <a:spcPts val="0"/>
               </a:spcBef>
               <a:buNone/>
               <a:defRPr/>
             </a:lvl5pPr>
-            <a:lvl6pPr indent="0" lvl="5" marL="0" algn="r">
+            <a:lvl6pPr marL="0" lvl="5" indent="0" algn="r">
               <a:spcBef>
                 <a:spcPts val="0"/>
               </a:spcBef>
               <a:buNone/>
               <a:defRPr/>
             </a:lvl6pPr>
-            <a:lvl7pPr indent="0" lvl="6" marL="0" algn="r">
+            <a:lvl7pPr marL="0" lvl="6" indent="0" algn="r">
               <a:spcBef>
                 <a:spcPts val="0"/>
               </a:spcBef>
               <a:buNone/>
               <a:defRPr/>
             </a:lvl7pPr>
-            <a:lvl8pPr indent="0" lvl="7" marL="0" algn="r">
+            <a:lvl8pPr marL="0" lvl="7" indent="0" algn="r">
               <a:spcBef>
                 <a:spcPts val="0"/>
               </a:spcBef>
               <a:buNone/>
               <a:defRPr/>
             </a:lvl8pPr>
-            <a:lvl9pPr indent="0" lvl="8" marL="0" algn="r">
+            <a:lvl9pPr marL="0" lvl="8" indent="0" algn="r">
               <a:spcBef>
                 <a:spcPts val="0"/>
               </a:spcBef>
@@ -6796,7 +6978,7 @@
             </a:lvl9pPr>
           </a:lstStyle>
           <a:p>
-            <a:pPr indent="0" lvl="0" marL="0" rtl="0" algn="r">
+            <a:pPr marL="0" lvl="0" indent="0" algn="r" rtl="0">
               <a:spcBef>
                 <a:spcPts val="0"/>
               </a:spcBef>
@@ -6807,7 +6989,7 @@
             </a:pPr>
             <a:fld id="{00000000-1234-1234-1234-123412341234}" type="slidenum">
               <a:rPr lang="it-IT"/>
-              <a:t>‹#›</a:t>
+              <a:t>‹N›</a:t>
             </a:fld>
             <a:endParaRPr/>
           </a:p>
@@ -6822,11 +7004,11 @@
 </file>
 
 <file path=ppt/slideLayouts/slideLayout6.xml><?xml version="1.0" encoding="utf-8"?>
-<p:sldLayout xmlns:a="http://schemas.openxmlformats.org/drawingml/2006/main" xmlns:r="http://schemas.openxmlformats.org/officeDocument/2006/relationships" xmlns:mc="http://schemas.openxmlformats.org/markup-compatibility/2006" xmlns:mv="urn:schemas-microsoft-com:mac:vml" xmlns:p="http://schemas.openxmlformats.org/presentationml/2006/main" xmlns:c="http://schemas.openxmlformats.org/drawingml/2006/chart" xmlns:dgm="http://schemas.openxmlformats.org/drawingml/2006/diagram" xmlns:o="urn:schemas-microsoft-com:office:office" xmlns:v="urn:schemas-microsoft-com:vml" xmlns:pvml="urn:schemas-microsoft-com:office:powerpoint" xmlns:com="http://schemas.openxmlformats.org/drawingml/2006/compatibility" xmlns:p14="http://schemas.microsoft.com/office/powerpoint/2010/main" xmlns:p15="http://schemas.microsoft.com/office/powerpoint/2012/main" matchingName="Solo titolo" type="titleOnly">
+<p:sldLayout xmlns:a="http://schemas.openxmlformats.org/drawingml/2006/main" xmlns:r="http://schemas.openxmlformats.org/officeDocument/2006/relationships" xmlns:p="http://schemas.openxmlformats.org/presentationml/2006/main" matchingName="Solo titolo" type="titleOnly">
   <p:cSld name="TITLE_ONLY">
     <p:spTree>
       <p:nvGrpSpPr>
-        <p:cNvPr id="45" name="Shape 45"/>
+        <p:cNvPr id="1" name="Shape 45"/>
         <p:cNvGrpSpPr/>
         <p:nvPr/>
       </p:nvGrpSpPr>
@@ -6841,7 +7023,9 @@
       <p:sp>
         <p:nvSpPr>
           <p:cNvPr id="46" name="Google Shape;46;p11"/>
-          <p:cNvSpPr txBox="1"/>
+          <p:cNvSpPr txBox="1">
+            <a:spLocks noGrp="1"/>
+          </p:cNvSpPr>
           <p:nvPr>
             <p:ph type="title"/>
           </p:nvPr>
@@ -6860,7 +7044,7 @@
           </a:ln>
         </p:spPr>
         <p:txBody>
-          <a:bodyPr anchorCtr="0" anchor="ctr" bIns="45700" lIns="91425" spcFirstLastPara="1" rIns="91425" wrap="square" tIns="45700">
+          <a:bodyPr spcFirstLastPara="1" wrap="square" lIns="91425" tIns="45700" rIns="91425" bIns="45700" anchor="ctr" anchorCtr="0">
             <a:normAutofit/>
           </a:bodyPr>
           <a:lstStyle>
@@ -6970,15 +7154,19 @@
               <a:defRPr/>
             </a:lvl9pPr>
           </a:lstStyle>
-          <a:p/>
+          <a:p>
+            <a:endParaRPr/>
+          </a:p>
         </p:txBody>
       </p:sp>
       <p:sp>
         <p:nvSpPr>
           <p:cNvPr id="47" name="Google Shape;47;p11"/>
-          <p:cNvSpPr txBox="1"/>
+          <p:cNvSpPr txBox="1">
+            <a:spLocks noGrp="1"/>
+          </p:cNvSpPr>
           <p:nvPr>
-            <p:ph idx="10" type="dt"/>
+            <p:ph type="dt" idx="10"/>
           </p:nvPr>
         </p:nvSpPr>
         <p:spPr>
@@ -6995,7 +7183,7 @@
           </a:ln>
         </p:spPr>
         <p:txBody>
-          <a:bodyPr anchorCtr="0" anchor="ctr" bIns="45700" lIns="91425" spcFirstLastPara="1" rIns="91425" wrap="square" tIns="45700">
+          <a:bodyPr spcFirstLastPara="1" wrap="square" lIns="91425" tIns="45700" rIns="91425" bIns="45700" anchor="ctr" anchorCtr="0">
             <a:noAutofit/>
           </a:bodyPr>
           <a:lstStyle>
@@ -7099,15 +7287,19 @@
               <a:defRPr/>
             </a:lvl9pPr>
           </a:lstStyle>
-          <a:p/>
+          <a:p>
+            <a:endParaRPr/>
+          </a:p>
         </p:txBody>
       </p:sp>
       <p:sp>
         <p:nvSpPr>
           <p:cNvPr id="48" name="Google Shape;48;p11"/>
-          <p:cNvSpPr txBox="1"/>
+          <p:cNvSpPr txBox="1">
+            <a:spLocks noGrp="1"/>
+          </p:cNvSpPr>
           <p:nvPr>
-            <p:ph idx="11" type="ftr"/>
+            <p:ph type="ftr" idx="11"/>
           </p:nvPr>
         </p:nvSpPr>
         <p:spPr>
@@ -7124,7 +7316,7 @@
           </a:ln>
         </p:spPr>
         <p:txBody>
-          <a:bodyPr anchorCtr="0" anchor="ctr" bIns="45700" lIns="91425" spcFirstLastPara="1" rIns="91425" wrap="square" tIns="45700">
+          <a:bodyPr spcFirstLastPara="1" wrap="square" lIns="91425" tIns="45700" rIns="91425" bIns="45700" anchor="ctr" anchorCtr="0">
             <a:noAutofit/>
           </a:bodyPr>
           <a:lstStyle>
@@ -7228,15 +7420,19 @@
               <a:defRPr/>
             </a:lvl9pPr>
           </a:lstStyle>
-          <a:p/>
+          <a:p>
+            <a:endParaRPr/>
+          </a:p>
         </p:txBody>
       </p:sp>
       <p:sp>
         <p:nvSpPr>
           <p:cNvPr id="49" name="Google Shape;49;p11"/>
-          <p:cNvSpPr txBox="1"/>
+          <p:cNvSpPr txBox="1">
+            <a:spLocks noGrp="1"/>
+          </p:cNvSpPr>
           <p:nvPr>
-            <p:ph idx="12" type="sldNum"/>
+            <p:ph type="sldNum" idx="12"/>
           </p:nvPr>
         </p:nvSpPr>
         <p:spPr>
@@ -7253,67 +7449,67 @@
           </a:ln>
         </p:spPr>
         <p:txBody>
-          <a:bodyPr anchorCtr="0" anchor="ctr" bIns="45700" lIns="91425" spcFirstLastPara="1" rIns="91425" wrap="square" tIns="45700">
+          <a:bodyPr spcFirstLastPara="1" wrap="square" lIns="91425" tIns="45700" rIns="91425" bIns="45700" anchor="ctr" anchorCtr="0">
             <a:noAutofit/>
           </a:bodyPr>
           <a:lstStyle>
-            <a:lvl1pPr indent="0" lvl="0" marL="0" algn="r">
+            <a:lvl1pPr marL="0" lvl="0" indent="0" algn="r">
               <a:spcBef>
                 <a:spcPts val="0"/>
               </a:spcBef>
               <a:buNone/>
               <a:defRPr/>
             </a:lvl1pPr>
-            <a:lvl2pPr indent="0" lvl="1" marL="0" algn="r">
+            <a:lvl2pPr marL="0" lvl="1" indent="0" algn="r">
               <a:spcBef>
                 <a:spcPts val="0"/>
               </a:spcBef>
               <a:buNone/>
               <a:defRPr/>
             </a:lvl2pPr>
-            <a:lvl3pPr indent="0" lvl="2" marL="0" algn="r">
+            <a:lvl3pPr marL="0" lvl="2" indent="0" algn="r">
               <a:spcBef>
                 <a:spcPts val="0"/>
               </a:spcBef>
               <a:buNone/>
               <a:defRPr/>
             </a:lvl3pPr>
-            <a:lvl4pPr indent="0" lvl="3" marL="0" algn="r">
+            <a:lvl4pPr marL="0" lvl="3" indent="0" algn="r">
               <a:spcBef>
                 <a:spcPts val="0"/>
               </a:spcBef>
               <a:buNone/>
               <a:defRPr/>
             </a:lvl4pPr>
-            <a:lvl5pPr indent="0" lvl="4" marL="0" algn="r">
+            <a:lvl5pPr marL="0" lvl="4" indent="0" algn="r">
               <a:spcBef>
                 <a:spcPts val="0"/>
               </a:spcBef>
               <a:buNone/>
               <a:defRPr/>
             </a:lvl5pPr>
-            <a:lvl6pPr indent="0" lvl="5" marL="0" algn="r">
+            <a:lvl6pPr marL="0" lvl="5" indent="0" algn="r">
               <a:spcBef>
                 <a:spcPts val="0"/>
               </a:spcBef>
               <a:buNone/>
               <a:defRPr/>
             </a:lvl6pPr>
-            <a:lvl7pPr indent="0" lvl="6" marL="0" algn="r">
+            <a:lvl7pPr marL="0" lvl="6" indent="0" algn="r">
               <a:spcBef>
                 <a:spcPts val="0"/>
               </a:spcBef>
               <a:buNone/>
               <a:defRPr/>
             </a:lvl7pPr>
-            <a:lvl8pPr indent="0" lvl="7" marL="0" algn="r">
+            <a:lvl8pPr marL="0" lvl="7" indent="0" algn="r">
               <a:spcBef>
                 <a:spcPts val="0"/>
               </a:spcBef>
               <a:buNone/>
               <a:defRPr/>
             </a:lvl8pPr>
-            <a:lvl9pPr indent="0" lvl="8" marL="0" algn="r">
+            <a:lvl9pPr marL="0" lvl="8" indent="0" algn="r">
               <a:spcBef>
                 <a:spcPts val="0"/>
               </a:spcBef>
@@ -7322,7 +7518,7 @@
             </a:lvl9pPr>
           </a:lstStyle>
           <a:p>
-            <a:pPr indent="0" lvl="0" marL="0" rtl="0" algn="r">
+            <a:pPr marL="0" lvl="0" indent="0" algn="r" rtl="0">
               <a:spcBef>
                 <a:spcPts val="0"/>
               </a:spcBef>
@@ -7333,7 +7529,7 @@
             </a:pPr>
             <a:fld id="{00000000-1234-1234-1234-123412341234}" type="slidenum">
               <a:rPr lang="it-IT"/>
-              <a:t>‹#›</a:t>
+              <a:t>‹N›</a:t>
             </a:fld>
             <a:endParaRPr/>
           </a:p>
@@ -7348,11 +7544,11 @@
 </file>
 
 <file path=ppt/slideLayouts/slideLayout7.xml><?xml version="1.0" encoding="utf-8"?>
-<p:sldLayout xmlns:a="http://schemas.openxmlformats.org/drawingml/2006/main" xmlns:r="http://schemas.openxmlformats.org/officeDocument/2006/relationships" xmlns:mc="http://schemas.openxmlformats.org/markup-compatibility/2006" xmlns:mv="urn:schemas-microsoft-com:mac:vml" xmlns:p="http://schemas.openxmlformats.org/presentationml/2006/main" xmlns:c="http://schemas.openxmlformats.org/drawingml/2006/chart" xmlns:dgm="http://schemas.openxmlformats.org/drawingml/2006/diagram" xmlns:o="urn:schemas-microsoft-com:office:office" xmlns:v="urn:schemas-microsoft-com:vml" xmlns:pvml="urn:schemas-microsoft-com:office:powerpoint" xmlns:com="http://schemas.openxmlformats.org/drawingml/2006/compatibility" xmlns:p14="http://schemas.microsoft.com/office/powerpoint/2010/main" xmlns:p15="http://schemas.microsoft.com/office/powerpoint/2012/main" matchingName="Vuota" type="blank">
+<p:sldLayout xmlns:a="http://schemas.openxmlformats.org/drawingml/2006/main" xmlns:r="http://schemas.openxmlformats.org/officeDocument/2006/relationships" xmlns:p="http://schemas.openxmlformats.org/presentationml/2006/main" matchingName="Vuota" type="blank">
   <p:cSld name="BLANK">
     <p:spTree>
       <p:nvGrpSpPr>
-        <p:cNvPr id="50" name="Shape 50"/>
+        <p:cNvPr id="1" name="Shape 50"/>
         <p:cNvGrpSpPr/>
         <p:nvPr/>
       </p:nvGrpSpPr>
@@ -7367,9 +7563,11 @@
       <p:sp>
         <p:nvSpPr>
           <p:cNvPr id="51" name="Google Shape;51;p12"/>
-          <p:cNvSpPr txBox="1"/>
+          <p:cNvSpPr txBox="1">
+            <a:spLocks noGrp="1"/>
+          </p:cNvSpPr>
           <p:nvPr>
-            <p:ph idx="10" type="dt"/>
+            <p:ph type="dt" idx="10"/>
           </p:nvPr>
         </p:nvSpPr>
         <p:spPr>
@@ -7386,7 +7584,7 @@
           </a:ln>
         </p:spPr>
         <p:txBody>
-          <a:bodyPr anchorCtr="0" anchor="ctr" bIns="45700" lIns="91425" spcFirstLastPara="1" rIns="91425" wrap="square" tIns="45700">
+          <a:bodyPr spcFirstLastPara="1" wrap="square" lIns="91425" tIns="45700" rIns="91425" bIns="45700" anchor="ctr" anchorCtr="0">
             <a:noAutofit/>
           </a:bodyPr>
           <a:lstStyle>
@@ -7490,15 +7688,19 @@
               <a:defRPr/>
             </a:lvl9pPr>
           </a:lstStyle>
-          <a:p/>
+          <a:p>
+            <a:endParaRPr/>
+          </a:p>
         </p:txBody>
       </p:sp>
       <p:sp>
         <p:nvSpPr>
           <p:cNvPr id="52" name="Google Shape;52;p12"/>
-          <p:cNvSpPr txBox="1"/>
+          <p:cNvSpPr txBox="1">
+            <a:spLocks noGrp="1"/>
+          </p:cNvSpPr>
           <p:nvPr>
-            <p:ph idx="11" type="ftr"/>
+            <p:ph type="ftr" idx="11"/>
           </p:nvPr>
         </p:nvSpPr>
         <p:spPr>
@@ -7515,7 +7717,7 @@
           </a:ln>
         </p:spPr>
         <p:txBody>
-          <a:bodyPr anchorCtr="0" anchor="ctr" bIns="45700" lIns="91425" spcFirstLastPara="1" rIns="91425" wrap="square" tIns="45700">
+          <a:bodyPr spcFirstLastPara="1" wrap="square" lIns="91425" tIns="45700" rIns="91425" bIns="45700" anchor="ctr" anchorCtr="0">
             <a:noAutofit/>
           </a:bodyPr>
           <a:lstStyle>
@@ -7619,15 +7821,19 @@
               <a:defRPr/>
             </a:lvl9pPr>
           </a:lstStyle>
-          <a:p/>
+          <a:p>
+            <a:endParaRPr/>
+          </a:p>
         </p:txBody>
       </p:sp>
       <p:sp>
         <p:nvSpPr>
           <p:cNvPr id="53" name="Google Shape;53;p12"/>
-          <p:cNvSpPr txBox="1"/>
+          <p:cNvSpPr txBox="1">
+            <a:spLocks noGrp="1"/>
+          </p:cNvSpPr>
           <p:nvPr>
-            <p:ph idx="12" type="sldNum"/>
+            <p:ph type="sldNum" idx="12"/>
           </p:nvPr>
         </p:nvSpPr>
         <p:spPr>
@@ -7644,67 +7850,67 @@
           </a:ln>
         </p:spPr>
         <p:txBody>
-          <a:bodyPr anchorCtr="0" anchor="ctr" bIns="45700" lIns="91425" spcFirstLastPara="1" rIns="91425" wrap="square" tIns="45700">
+          <a:bodyPr spcFirstLastPara="1" wrap="square" lIns="91425" tIns="45700" rIns="91425" bIns="45700" anchor="ctr" anchorCtr="0">
             <a:noAutofit/>
           </a:bodyPr>
           <a:lstStyle>
-            <a:lvl1pPr indent="0" lvl="0" marL="0" algn="r">
+            <a:lvl1pPr marL="0" lvl="0" indent="0" algn="r">
               <a:spcBef>
                 <a:spcPts val="0"/>
               </a:spcBef>
               <a:buNone/>
               <a:defRPr/>
             </a:lvl1pPr>
-            <a:lvl2pPr indent="0" lvl="1" marL="0" algn="r">
+            <a:lvl2pPr marL="0" lvl="1" indent="0" algn="r">
               <a:spcBef>
                 <a:spcPts val="0"/>
               </a:spcBef>
               <a:buNone/>
               <a:defRPr/>
             </a:lvl2pPr>
-            <a:lvl3pPr indent="0" lvl="2" marL="0" algn="r">
+            <a:lvl3pPr marL="0" lvl="2" indent="0" algn="r">
               <a:spcBef>
                 <a:spcPts val="0"/>
               </a:spcBef>
               <a:buNone/>
               <a:defRPr/>
             </a:lvl3pPr>
-            <a:lvl4pPr indent="0" lvl="3" marL="0" algn="r">
+            <a:lvl4pPr marL="0" lvl="3" indent="0" algn="r">
               <a:spcBef>
                 <a:spcPts val="0"/>
               </a:spcBef>
               <a:buNone/>
               <a:defRPr/>
             </a:lvl4pPr>
-            <a:lvl5pPr indent="0" lvl="4" marL="0" algn="r">
+            <a:lvl5pPr marL="0" lvl="4" indent="0" algn="r">
               <a:spcBef>
                 <a:spcPts val="0"/>
               </a:spcBef>
               <a:buNone/>
               <a:defRPr/>
             </a:lvl5pPr>
-            <a:lvl6pPr indent="0" lvl="5" marL="0" algn="r">
+            <a:lvl6pPr marL="0" lvl="5" indent="0" algn="r">
               <a:spcBef>
                 <a:spcPts val="0"/>
               </a:spcBef>
               <a:buNone/>
               <a:defRPr/>
             </a:lvl6pPr>
-            <a:lvl7pPr indent="0" lvl="6" marL="0" algn="r">
+            <a:lvl7pPr marL="0" lvl="6" indent="0" algn="r">
               <a:spcBef>
                 <a:spcPts val="0"/>
               </a:spcBef>
               <a:buNone/>
               <a:defRPr/>
             </a:lvl7pPr>
-            <a:lvl8pPr indent="0" lvl="7" marL="0" algn="r">
+            <a:lvl8pPr marL="0" lvl="7" indent="0" algn="r">
               <a:spcBef>
                 <a:spcPts val="0"/>
               </a:spcBef>
               <a:buNone/>
               <a:defRPr/>
             </a:lvl8pPr>
-            <a:lvl9pPr indent="0" lvl="8" marL="0" algn="r">
+            <a:lvl9pPr marL="0" lvl="8" indent="0" algn="r">
               <a:spcBef>
                 <a:spcPts val="0"/>
               </a:spcBef>
@@ -7713,7 +7919,7 @@
             </a:lvl9pPr>
           </a:lstStyle>
           <a:p>
-            <a:pPr indent="0" lvl="0" marL="0" rtl="0" algn="r">
+            <a:pPr marL="0" lvl="0" indent="0" algn="r" rtl="0">
               <a:spcBef>
                 <a:spcPts val="0"/>
               </a:spcBef>
@@ -7724,7 +7930,7 @@
             </a:pPr>
             <a:fld id="{00000000-1234-1234-1234-123412341234}" type="slidenum">
               <a:rPr lang="it-IT"/>
-              <a:t>‹#›</a:t>
+              <a:t>‹N›</a:t>
             </a:fld>
             <a:endParaRPr/>
           </a:p>
@@ -7739,11 +7945,11 @@
 </file>
 
 <file path=ppt/slideLayouts/slideLayout8.xml><?xml version="1.0" encoding="utf-8"?>
-<p:sldLayout xmlns:a="http://schemas.openxmlformats.org/drawingml/2006/main" xmlns:r="http://schemas.openxmlformats.org/officeDocument/2006/relationships" xmlns:mc="http://schemas.openxmlformats.org/markup-compatibility/2006" xmlns:mv="urn:schemas-microsoft-com:mac:vml" xmlns:p="http://schemas.openxmlformats.org/presentationml/2006/main" xmlns:c="http://schemas.openxmlformats.org/drawingml/2006/chart" xmlns:dgm="http://schemas.openxmlformats.org/drawingml/2006/diagram" xmlns:o="urn:schemas-microsoft-com:office:office" xmlns:v="urn:schemas-microsoft-com:vml" xmlns:pvml="urn:schemas-microsoft-com:office:powerpoint" xmlns:com="http://schemas.openxmlformats.org/drawingml/2006/compatibility" xmlns:p14="http://schemas.microsoft.com/office/powerpoint/2010/main" xmlns:p15="http://schemas.microsoft.com/office/powerpoint/2012/main" matchingName="Contenuto con didascalia" type="objTx">
+<p:sldLayout xmlns:a="http://schemas.openxmlformats.org/drawingml/2006/main" xmlns:r="http://schemas.openxmlformats.org/officeDocument/2006/relationships" xmlns:p="http://schemas.openxmlformats.org/presentationml/2006/main" matchingName="Contenuto con didascalia" type="objTx">
   <p:cSld name="OBJECT_WITH_CAPTION_TEXT">
     <p:spTree>
       <p:nvGrpSpPr>
-        <p:cNvPr id="54" name="Shape 54"/>
+        <p:cNvPr id="1" name="Shape 54"/>
         <p:cNvGrpSpPr/>
         <p:nvPr/>
       </p:nvGrpSpPr>
@@ -7758,7 +7964,9 @@
       <p:sp>
         <p:nvSpPr>
           <p:cNvPr id="55" name="Google Shape;55;p13"/>
-          <p:cNvSpPr txBox="1"/>
+          <p:cNvSpPr txBox="1">
+            <a:spLocks noGrp="1"/>
+          </p:cNvSpPr>
           <p:nvPr>
             <p:ph type="title"/>
           </p:nvPr>
@@ -7777,7 +7985,7 @@
           </a:ln>
         </p:spPr>
         <p:txBody>
-          <a:bodyPr anchorCtr="0" anchor="b" bIns="45700" lIns="91425" spcFirstLastPara="1" rIns="91425" wrap="square" tIns="45700">
+          <a:bodyPr spcFirstLastPara="1" wrap="square" lIns="91425" tIns="45700" rIns="91425" bIns="45700" anchor="b" anchorCtr="0">
             <a:normAutofit/>
           </a:bodyPr>
           <a:lstStyle>
@@ -7888,15 +8096,19 @@
               <a:defRPr/>
             </a:lvl9pPr>
           </a:lstStyle>
-          <a:p/>
+          <a:p>
+            <a:endParaRPr/>
+          </a:p>
         </p:txBody>
       </p:sp>
       <p:sp>
         <p:nvSpPr>
           <p:cNvPr id="56" name="Google Shape;56;p13"/>
-          <p:cNvSpPr txBox="1"/>
+          <p:cNvSpPr txBox="1">
+            <a:spLocks noGrp="1"/>
+          </p:cNvSpPr>
           <p:nvPr>
-            <p:ph idx="1" type="body"/>
+            <p:ph type="body" idx="1"/>
           </p:nvPr>
         </p:nvSpPr>
         <p:spPr>
@@ -7913,11 +8125,11 @@
           </a:ln>
         </p:spPr>
         <p:txBody>
-          <a:bodyPr anchorCtr="0" anchor="t" bIns="45700" lIns="91425" spcFirstLastPara="1" rIns="91425" wrap="square" tIns="45700">
+          <a:bodyPr spcFirstLastPara="1" wrap="square" lIns="91425" tIns="45700" rIns="91425" bIns="45700" anchor="t" anchorCtr="0">
             <a:normAutofit/>
           </a:bodyPr>
           <a:lstStyle>
-            <a:lvl1pPr indent="-431800" lvl="0" marL="457200" algn="l">
+            <a:lvl1pPr marL="457200" lvl="0" indent="-431800" algn="l">
               <a:lnSpc>
                 <a:spcPct val="90000"/>
               </a:lnSpc>
@@ -7934,7 +8146,7 @@
               <a:buChar char="•"/>
               <a:defRPr sz="3200"/>
             </a:lvl1pPr>
-            <a:lvl2pPr indent="-406400" lvl="1" marL="914400" algn="l">
+            <a:lvl2pPr marL="914400" lvl="1" indent="-406400" algn="l">
               <a:lnSpc>
                 <a:spcPct val="90000"/>
               </a:lnSpc>
@@ -7951,7 +8163,7 @@
               <a:buChar char="•"/>
               <a:defRPr sz="2800"/>
             </a:lvl2pPr>
-            <a:lvl3pPr indent="-381000" lvl="2" marL="1371600" algn="l">
+            <a:lvl3pPr marL="1371600" lvl="2" indent="-381000" algn="l">
               <a:lnSpc>
                 <a:spcPct val="90000"/>
               </a:lnSpc>
@@ -7968,7 +8180,7 @@
               <a:buChar char="•"/>
               <a:defRPr sz="2400"/>
             </a:lvl3pPr>
-            <a:lvl4pPr indent="-355600" lvl="3" marL="1828800" algn="l">
+            <a:lvl4pPr marL="1828800" lvl="3" indent="-355600" algn="l">
               <a:lnSpc>
                 <a:spcPct val="90000"/>
               </a:lnSpc>
@@ -7985,7 +8197,7 @@
               <a:buChar char="•"/>
               <a:defRPr sz="2000"/>
             </a:lvl4pPr>
-            <a:lvl5pPr indent="-355600" lvl="4" marL="2286000" algn="l">
+            <a:lvl5pPr marL="2286000" lvl="4" indent="-355600" algn="l">
               <a:lnSpc>
                 <a:spcPct val="90000"/>
               </a:lnSpc>
@@ -8002,7 +8214,7 @@
               <a:buChar char="•"/>
               <a:defRPr sz="2000"/>
             </a:lvl5pPr>
-            <a:lvl6pPr indent="-355600" lvl="5" marL="2743200" algn="l">
+            <a:lvl6pPr marL="2743200" lvl="5" indent="-355600" algn="l">
               <a:lnSpc>
                 <a:spcPct val="90000"/>
               </a:lnSpc>
@@ -8019,7 +8231,7 @@
               <a:buChar char="•"/>
               <a:defRPr sz="2000"/>
             </a:lvl6pPr>
-            <a:lvl7pPr indent="-355600" lvl="6" marL="3200400" algn="l">
+            <a:lvl7pPr marL="3200400" lvl="6" indent="-355600" algn="l">
               <a:lnSpc>
                 <a:spcPct val="90000"/>
               </a:lnSpc>
@@ -8036,7 +8248,7 @@
               <a:buChar char="•"/>
               <a:defRPr sz="2000"/>
             </a:lvl7pPr>
-            <a:lvl8pPr indent="-355600" lvl="7" marL="3657600" algn="l">
+            <a:lvl8pPr marL="3657600" lvl="7" indent="-355600" algn="l">
               <a:lnSpc>
                 <a:spcPct val="90000"/>
               </a:lnSpc>
@@ -8053,7 +8265,7 @@
               <a:buChar char="•"/>
               <a:defRPr sz="2000"/>
             </a:lvl8pPr>
-            <a:lvl9pPr indent="-355600" lvl="8" marL="4114800" algn="l">
+            <a:lvl9pPr marL="4114800" lvl="8" indent="-355600" algn="l">
               <a:lnSpc>
                 <a:spcPct val="90000"/>
               </a:lnSpc>
@@ -8071,15 +8283,19 @@
               <a:defRPr sz="2000"/>
             </a:lvl9pPr>
           </a:lstStyle>
-          <a:p/>
+          <a:p>
+            <a:endParaRPr/>
+          </a:p>
         </p:txBody>
       </p:sp>
       <p:sp>
         <p:nvSpPr>
           <p:cNvPr id="57" name="Google Shape;57;p13"/>
-          <p:cNvSpPr txBox="1"/>
+          <p:cNvSpPr txBox="1">
+            <a:spLocks noGrp="1"/>
+          </p:cNvSpPr>
           <p:nvPr>
-            <p:ph idx="2" type="body"/>
+            <p:ph type="body" idx="2"/>
           </p:nvPr>
         </p:nvSpPr>
         <p:spPr>
@@ -8096,11 +8312,11 @@
           </a:ln>
         </p:spPr>
         <p:txBody>
-          <a:bodyPr anchorCtr="0" anchor="t" bIns="45700" lIns="91425" spcFirstLastPara="1" rIns="91425" wrap="square" tIns="45700">
+          <a:bodyPr spcFirstLastPara="1" wrap="square" lIns="91425" tIns="45700" rIns="91425" bIns="45700" anchor="t" anchorCtr="0">
             <a:normAutofit/>
           </a:bodyPr>
           <a:lstStyle>
-            <a:lvl1pPr indent="-228600" lvl="0" marL="457200" algn="l">
+            <a:lvl1pPr marL="457200" lvl="0" indent="-228600" algn="l">
               <a:lnSpc>
                 <a:spcPct val="90000"/>
               </a:lnSpc>
@@ -8117,7 +8333,7 @@
               <a:buNone/>
               <a:defRPr sz="1600"/>
             </a:lvl1pPr>
-            <a:lvl2pPr indent="-228600" lvl="1" marL="914400" algn="l">
+            <a:lvl2pPr marL="914400" lvl="1" indent="-228600" algn="l">
               <a:lnSpc>
                 <a:spcPct val="90000"/>
               </a:lnSpc>
@@ -8134,7 +8350,7 @@
               <a:buNone/>
               <a:defRPr sz="1400"/>
             </a:lvl2pPr>
-            <a:lvl3pPr indent="-228600" lvl="2" marL="1371600" algn="l">
+            <a:lvl3pPr marL="1371600" lvl="2" indent="-228600" algn="l">
               <a:lnSpc>
                 <a:spcPct val="90000"/>
               </a:lnSpc>
@@ -8151,7 +8367,7 @@
               <a:buNone/>
               <a:defRPr sz="1200"/>
             </a:lvl3pPr>
-            <a:lvl4pPr indent="-228600" lvl="3" marL="1828800" algn="l">
+            <a:lvl4pPr marL="1828800" lvl="3" indent="-228600" algn="l">
               <a:lnSpc>
                 <a:spcPct val="90000"/>
               </a:lnSpc>
@@ -8168,7 +8384,7 @@
               <a:buNone/>
               <a:defRPr sz="1000"/>
             </a:lvl4pPr>
-            <a:lvl5pPr indent="-228600" lvl="4" marL="2286000" algn="l">
+            <a:lvl5pPr marL="2286000" lvl="4" indent="-228600" algn="l">
               <a:lnSpc>
                 <a:spcPct val="90000"/>
               </a:lnSpc>
@@ -8185,7 +8401,7 @@
               <a:buNone/>
               <a:defRPr sz="1000"/>
             </a:lvl5pPr>
-            <a:lvl6pPr indent="-228600" lvl="5" marL="2743200" algn="l">
+            <a:lvl6pPr marL="2743200" lvl="5" indent="-228600" algn="l">
               <a:lnSpc>
                 <a:spcPct val="90000"/>
               </a:lnSpc>
@@ -8202,7 +8418,7 @@
               <a:buNone/>
               <a:defRPr sz="1000"/>
             </a:lvl6pPr>
-            <a:lvl7pPr indent="-228600" lvl="6" marL="3200400" algn="l">
+            <a:lvl7pPr marL="3200400" lvl="6" indent="-228600" algn="l">
               <a:lnSpc>
                 <a:spcPct val="90000"/>
               </a:lnSpc>
@@ -8219,7 +8435,7 @@
               <a:buNone/>
               <a:defRPr sz="1000"/>
             </a:lvl7pPr>
-            <a:lvl8pPr indent="-228600" lvl="7" marL="3657600" algn="l">
+            <a:lvl8pPr marL="3657600" lvl="7" indent="-228600" algn="l">
               <a:lnSpc>
                 <a:spcPct val="90000"/>
               </a:lnSpc>
@@ -8236,7 +8452,7 @@
               <a:buNone/>
               <a:defRPr sz="1000"/>
             </a:lvl8pPr>
-            <a:lvl9pPr indent="-228600" lvl="8" marL="4114800" algn="l">
+            <a:lvl9pPr marL="4114800" lvl="8" indent="-228600" algn="l">
               <a:lnSpc>
                 <a:spcPct val="90000"/>
               </a:lnSpc>
@@ -8254,15 +8470,19 @@
               <a:defRPr sz="1000"/>
             </a:lvl9pPr>
           </a:lstStyle>
-          <a:p/>
+          <a:p>
+            <a:endParaRPr/>
+          </a:p>
         </p:txBody>
       </p:sp>
       <p:sp>
         <p:nvSpPr>
           <p:cNvPr id="58" name="Google Shape;58;p13"/>
-          <p:cNvSpPr txBox="1"/>
+          <p:cNvSpPr txBox="1">
+            <a:spLocks noGrp="1"/>
+          </p:cNvSpPr>
           <p:nvPr>
-            <p:ph idx="10" type="dt"/>
+            <p:ph type="dt" idx="10"/>
           </p:nvPr>
         </p:nvSpPr>
         <p:spPr>
@@ -8279,7 +8499,7 @@
           </a:ln>
         </p:spPr>
         <p:txBody>
-          <a:bodyPr anchorCtr="0" anchor="ctr" bIns="45700" lIns="91425" spcFirstLastPara="1" rIns="91425" wrap="square" tIns="45700">
+          <a:bodyPr spcFirstLastPara="1" wrap="square" lIns="91425" tIns="45700" rIns="91425" bIns="45700" anchor="ctr" anchorCtr="0">
             <a:noAutofit/>
           </a:bodyPr>
           <a:lstStyle>
@@ -8383,15 +8603,19 @@
               <a:defRPr/>
             </a:lvl9pPr>
           </a:lstStyle>
-          <a:p/>
+          <a:p>
+            <a:endParaRPr/>
+          </a:p>
         </p:txBody>
       </p:sp>
       <p:sp>
         <p:nvSpPr>
           <p:cNvPr id="59" name="Google Shape;59;p13"/>
-          <p:cNvSpPr txBox="1"/>
+          <p:cNvSpPr txBox="1">
+            <a:spLocks noGrp="1"/>
+          </p:cNvSpPr>
           <p:nvPr>
-            <p:ph idx="11" type="ftr"/>
+            <p:ph type="ftr" idx="11"/>
           </p:nvPr>
         </p:nvSpPr>
         <p:spPr>
@@ -8408,7 +8632,7 @@
           </a:ln>
         </p:spPr>
         <p:txBody>
-          <a:bodyPr anchorCtr="0" anchor="ctr" bIns="45700" lIns="91425" spcFirstLastPara="1" rIns="91425" wrap="square" tIns="45700">
+          <a:bodyPr spcFirstLastPara="1" wrap="square" lIns="91425" tIns="45700" rIns="91425" bIns="45700" anchor="ctr" anchorCtr="0">
             <a:noAutofit/>
           </a:bodyPr>
           <a:lstStyle>
@@ -8512,15 +8736,19 @@
               <a:defRPr/>
             </a:lvl9pPr>
           </a:lstStyle>
-          <a:p/>
+          <a:p>
+            <a:endParaRPr/>
+          </a:p>
         </p:txBody>
       </p:sp>
       <p:sp>
         <p:nvSpPr>
           <p:cNvPr id="60" name="Google Shape;60;p13"/>
-          <p:cNvSpPr txBox="1"/>
+          <p:cNvSpPr txBox="1">
+            <a:spLocks noGrp="1"/>
+          </p:cNvSpPr>
           <p:nvPr>
-            <p:ph idx="12" type="sldNum"/>
+            <p:ph type="sldNum" idx="12"/>
           </p:nvPr>
         </p:nvSpPr>
         <p:spPr>
@@ -8537,67 +8765,67 @@
           </a:ln>
         </p:spPr>
         <p:txBody>
-          <a:bodyPr anchorCtr="0" anchor="ctr" bIns="45700" lIns="91425" spcFirstLastPara="1" rIns="91425" wrap="square" tIns="45700">
+          <a:bodyPr spcFirstLastPara="1" wrap="square" lIns="91425" tIns="45700" rIns="91425" bIns="45700" anchor="ctr" anchorCtr="0">
             <a:noAutofit/>
           </a:bodyPr>
           <a:lstStyle>
-            <a:lvl1pPr indent="0" lvl="0" marL="0" algn="r">
+            <a:lvl1pPr marL="0" lvl="0" indent="0" algn="r">
               <a:spcBef>
                 <a:spcPts val="0"/>
               </a:spcBef>
               <a:buNone/>
               <a:defRPr/>
             </a:lvl1pPr>
-            <a:lvl2pPr indent="0" lvl="1" marL="0" algn="r">
+            <a:lvl2pPr marL="0" lvl="1" indent="0" algn="r">
               <a:spcBef>
                 <a:spcPts val="0"/>
               </a:spcBef>
               <a:buNone/>
               <a:defRPr/>
             </a:lvl2pPr>
-            <a:lvl3pPr indent="0" lvl="2" marL="0" algn="r">
+            <a:lvl3pPr marL="0" lvl="2" indent="0" algn="r">
               <a:spcBef>
                 <a:spcPts val="0"/>
               </a:spcBef>
               <a:buNone/>
               <a:defRPr/>
             </a:lvl3pPr>
-            <a:lvl4pPr indent="0" lvl="3" marL="0" algn="r">
+            <a:lvl4pPr marL="0" lvl="3" indent="0" algn="r">
               <a:spcBef>
                 <a:spcPts val="0"/>
               </a:spcBef>
               <a:buNone/>
               <a:defRPr/>
             </a:lvl4pPr>
-            <a:lvl5pPr indent="0" lvl="4" marL="0" algn="r">
+            <a:lvl5pPr marL="0" lvl="4" indent="0" algn="r">
               <a:spcBef>
                 <a:spcPts val="0"/>
               </a:spcBef>
               <a:buNone/>
               <a:defRPr/>
             </a:lvl5pPr>
-            <a:lvl6pPr indent="0" lvl="5" marL="0" algn="r">
+            <a:lvl6pPr marL="0" lvl="5" indent="0" algn="r">
               <a:spcBef>
                 <a:spcPts val="0"/>
               </a:spcBef>
               <a:buNone/>
               <a:defRPr/>
             </a:lvl6pPr>
-            <a:lvl7pPr indent="0" lvl="6" marL="0" algn="r">
+            <a:lvl7pPr marL="0" lvl="6" indent="0" algn="r">
               <a:spcBef>
                 <a:spcPts val="0"/>
               </a:spcBef>
               <a:buNone/>
               <a:defRPr/>
             </a:lvl7pPr>
-            <a:lvl8pPr indent="0" lvl="7" marL="0" algn="r">
+            <a:lvl8pPr marL="0" lvl="7" indent="0" algn="r">
               <a:spcBef>
                 <a:spcPts val="0"/>
               </a:spcBef>
               <a:buNone/>
               <a:defRPr/>
             </a:lvl8pPr>
-            <a:lvl9pPr indent="0" lvl="8" marL="0" algn="r">
+            <a:lvl9pPr marL="0" lvl="8" indent="0" algn="r">
               <a:spcBef>
                 <a:spcPts val="0"/>
               </a:spcBef>
@@ -8606,7 +8834,7 @@
             </a:lvl9pPr>
           </a:lstStyle>
           <a:p>
-            <a:pPr indent="0" lvl="0" marL="0" rtl="0" algn="r">
+            <a:pPr marL="0" lvl="0" indent="0" algn="r" rtl="0">
               <a:spcBef>
                 <a:spcPts val="0"/>
               </a:spcBef>
@@ -8617,7 +8845,7 @@
             </a:pPr>
             <a:fld id="{00000000-1234-1234-1234-123412341234}" type="slidenum">
               <a:rPr lang="it-IT"/>
-              <a:t>‹#›</a:t>
+              <a:t>‹N›</a:t>
             </a:fld>
             <a:endParaRPr/>
           </a:p>
@@ -8632,11 +8860,11 @@
 </file>
 
 <file path=ppt/slideLayouts/slideLayout9.xml><?xml version="1.0" encoding="utf-8"?>
-<p:sldLayout xmlns:a="http://schemas.openxmlformats.org/drawingml/2006/main" xmlns:r="http://schemas.openxmlformats.org/officeDocument/2006/relationships" xmlns:mc="http://schemas.openxmlformats.org/markup-compatibility/2006" xmlns:mv="urn:schemas-microsoft-com:mac:vml" xmlns:p="http://schemas.openxmlformats.org/presentationml/2006/main" xmlns:c="http://schemas.openxmlformats.org/drawingml/2006/chart" xmlns:dgm="http://schemas.openxmlformats.org/drawingml/2006/diagram" xmlns:o="urn:schemas-microsoft-com:office:office" xmlns:v="urn:schemas-microsoft-com:vml" xmlns:pvml="urn:schemas-microsoft-com:office:powerpoint" xmlns:com="http://schemas.openxmlformats.org/drawingml/2006/compatibility" xmlns:p14="http://schemas.microsoft.com/office/powerpoint/2010/main" xmlns:p15="http://schemas.microsoft.com/office/powerpoint/2012/main" matchingName="Immagine con didascalia" type="picTx">
+<p:sldLayout xmlns:a="http://schemas.openxmlformats.org/drawingml/2006/main" xmlns:r="http://schemas.openxmlformats.org/officeDocument/2006/relationships" xmlns:p="http://schemas.openxmlformats.org/presentationml/2006/main" matchingName="Immagine con didascalia" type="picTx">
   <p:cSld name="PICTURE_WITH_CAPTION_TEXT">
     <p:spTree>
       <p:nvGrpSpPr>
-        <p:cNvPr id="61" name="Shape 61"/>
+        <p:cNvPr id="1" name="Shape 61"/>
         <p:cNvGrpSpPr/>
         <p:nvPr/>
       </p:nvGrpSpPr>
@@ -8651,7 +8879,9 @@
       <p:sp>
         <p:nvSpPr>
           <p:cNvPr id="62" name="Google Shape;62;p14"/>
-          <p:cNvSpPr txBox="1"/>
+          <p:cNvSpPr txBox="1">
+            <a:spLocks noGrp="1"/>
+          </p:cNvSpPr>
           <p:nvPr>
             <p:ph type="title"/>
           </p:nvPr>
@@ -8670,7 +8900,7 @@
           </a:ln>
         </p:spPr>
         <p:txBody>
-          <a:bodyPr anchorCtr="0" anchor="b" bIns="45700" lIns="91425" spcFirstLastPara="1" rIns="91425" wrap="square" tIns="45700">
+          <a:bodyPr spcFirstLastPara="1" wrap="square" lIns="91425" tIns="45700" rIns="91425" bIns="45700" anchor="b" anchorCtr="0">
             <a:normAutofit/>
           </a:bodyPr>
           <a:lstStyle>
@@ -8781,15 +9011,19 @@
               <a:defRPr/>
             </a:lvl9pPr>
           </a:lstStyle>
-          <a:p/>
+          <a:p>
+            <a:endParaRPr/>
+          </a:p>
         </p:txBody>
       </p:sp>
       <p:sp>
         <p:nvSpPr>
           <p:cNvPr id="63" name="Google Shape;63;p14"/>
-          <p:cNvSpPr/>
+          <p:cNvSpPr>
+            <a:spLocks noGrp="1"/>
+          </p:cNvSpPr>
           <p:nvPr>
-            <p:ph idx="2" type="pic"/>
+            <p:ph type="pic" idx="2"/>
           </p:nvPr>
         </p:nvSpPr>
         <p:spPr>
@@ -8806,11 +9040,11 @@
           </a:ln>
         </p:spPr>
         <p:txBody>
-          <a:bodyPr anchorCtr="0" anchor="t" bIns="45700" lIns="91425" spcFirstLastPara="1" rIns="91425" wrap="square" tIns="45700">
+          <a:bodyPr spcFirstLastPara="1" wrap="square" lIns="91425" tIns="45700" rIns="91425" bIns="45700" anchor="t" anchorCtr="0">
             <a:normAutofit/>
           </a:bodyPr>
           <a:lstStyle>
-            <a:lvl1pPr lvl="0" marR="0" rtl="0" algn="l">
+            <a:lvl1pPr marR="0" lvl="0" algn="l" rtl="0">
               <a:lnSpc>
                 <a:spcPct val="90000"/>
               </a:lnSpc>
@@ -8826,7 +9060,7 @@
               <a:buSzPts val="3200"/>
               <a:buFont typeface="Arial"/>
               <a:buNone/>
-              <a:defRPr b="0" i="0" sz="3200" u="none" cap="none" strike="noStrike">
+              <a:defRPr sz="3200" b="0" i="0" u="none" strike="noStrike" cap="none">
                 <a:solidFill>
                   <a:schemeClr val="dk1"/>
                 </a:solidFill>
@@ -8836,7 +9070,7 @@
                 <a:sym typeface="Calibri"/>
               </a:defRPr>
             </a:lvl1pPr>
-            <a:lvl2pPr lvl="1" marR="0" rtl="0" algn="l">
+            <a:lvl2pPr marR="0" lvl="1" algn="l" rtl="0">
               <a:lnSpc>
                 <a:spcPct val="90000"/>
               </a:lnSpc>
@@ -8852,7 +9086,7 @@
               <a:buSzPts val="2800"/>
               <a:buFont typeface="Arial"/>
               <a:buNone/>
-              <a:defRPr b="0" i="0" sz="2800" u="none" cap="none" strike="noStrike">
+              <a:defRPr sz="2800" b="0" i="0" u="none" strike="noStrike" cap="none">
                 <a:solidFill>
                   <a:schemeClr val="dk1"/>
                 </a:solidFill>
@@ -8862,7 +9096,7 @@
                 <a:sym typeface="Calibri"/>
               </a:defRPr>
             </a:lvl2pPr>
-            <a:lvl3pPr lvl="2" marR="0" rtl="0" algn="l">
+            <a:lvl3pPr marR="0" lvl="2" algn="l" rtl="0">
               <a:lnSpc>
                 <a:spcPct val="90000"/>
               </a:lnSpc>
@@ -8878,7 +9112,7 @@
               <a:buSzPts val="2400"/>
               <a:buFont typeface="Arial"/>
               <a:buNone/>
-              <a:defRPr b="0" i="0" sz="2400" u="none" cap="none" strike="noStrike">
+              <a:defRPr sz="2400" b="0" i="0" u="none" strike="noStrike" cap="none">
                 <a:solidFill>
                   <a:schemeClr val="dk1"/>
                 </a:solidFill>
@@ -8888,7 +9122,7 @@
                 <a:sym typeface="Calibri"/>
               </a:defRPr>
             </a:lvl3pPr>
-            <a:lvl4pPr lvl="3" marR="0" rtl="0" algn="l">
+            <a:lvl4pPr marR="0" lvl="3" algn="l" rtl="0">
               <a:lnSpc>
                 <a:spcPct val="90000"/>
               </a:lnSpc>
@@ -8904,7 +9138,7 @@
               <a:buSzPts val="2000"/>
               <a:buFont typeface="Arial"/>
               <a:buNone/>
-              <a:defRPr b="0" i="0" sz="2000" u="none" cap="none" strike="noStrike">
+              <a:defRPr sz="2000" b="0" i="0" u="none" strike="noStrike" cap="none">
                 <a:solidFill>
                   <a:schemeClr val="dk1"/>
                 </a:solidFill>
@@ -8914,7 +9148,7 @@
                 <a:sym typeface="Calibri"/>
               </a:defRPr>
             </a:lvl4pPr>
-            <a:lvl5pPr lvl="4" marR="0" rtl="0" algn="l">
+            <a:lvl5pPr marR="0" lvl="4" algn="l" rtl="0">
               <a:lnSpc>
                 <a:spcPct val="90000"/>
               </a:lnSpc>
@@ -8930,7 +9164,7 @@
               <a:buSzPts val="2000"/>
               <a:buFont typeface="Arial"/>
               <a:buNone/>
-              <a:defRPr b="0" i="0" sz="2000" u="none" cap="none" strike="noStrike">
+              <a:defRPr sz="2000" b="0" i="0" u="none" strike="noStrike" cap="none">
                 <a:solidFill>
                   <a:schemeClr val="dk1"/>
                 </a:solidFill>
@@ -8940,7 +9174,7 @@
                 <a:sym typeface="Calibri"/>
               </a:defRPr>
             </a:lvl5pPr>
-            <a:lvl6pPr lvl="5" marR="0" rtl="0" algn="l">
+            <a:lvl6pPr marR="0" lvl="5" algn="l" rtl="0">
               <a:lnSpc>
                 <a:spcPct val="90000"/>
               </a:lnSpc>
@@ -8956,7 +9190,7 @@
               <a:buSzPts val="2000"/>
               <a:buFont typeface="Arial"/>
               <a:buNone/>
-              <a:defRPr b="0" i="0" sz="2000" u="none" cap="none" strike="noStrike">
+              <a:defRPr sz="2000" b="0" i="0" u="none" strike="noStrike" cap="none">
                 <a:solidFill>
                   <a:schemeClr val="dk1"/>
                 </a:solidFill>
@@ -8966,7 +9200,7 @@
                 <a:sym typeface="Calibri"/>
               </a:defRPr>
             </a:lvl6pPr>
-            <a:lvl7pPr lvl="6" marR="0" rtl="0" algn="l">
+            <a:lvl7pPr marR="0" lvl="6" algn="l" rtl="0">
               <a:lnSpc>
                 <a:spcPct val="90000"/>
               </a:lnSpc>
@@ -8982,7 +9216,7 @@
               <a:buSzPts val="2000"/>
               <a:buFont typeface="Arial"/>
               <a:buNone/>
-              <a:defRPr b="0" i="0" sz="2000" u="none" cap="none" strike="noStrike">
+              <a:defRPr sz="2000" b="0" i="0" u="none" strike="noStrike" cap="none">
                 <a:solidFill>
                   <a:schemeClr val="dk1"/>
                 </a:solidFill>
@@ -8992,7 +9226,7 @@
                 <a:sym typeface="Calibri"/>
               </a:defRPr>
             </a:lvl7pPr>
-            <a:lvl8pPr lvl="7" marR="0" rtl="0" algn="l">
+            <a:lvl8pPr marR="0" lvl="7" algn="l" rtl="0">
               <a:lnSpc>
                 <a:spcPct val="90000"/>
               </a:lnSpc>
@@ -9008,7 +9242,7 @@
               <a:buSzPts val="2000"/>
               <a:buFont typeface="Arial"/>
               <a:buNone/>
-              <a:defRPr b="0" i="0" sz="2000" u="none" cap="none" strike="noStrike">
+              <a:defRPr sz="2000" b="0" i="0" u="none" strike="noStrike" cap="none">
                 <a:solidFill>
                   <a:schemeClr val="dk1"/>
                 </a:solidFill>
@@ -9018,7 +9252,7 @@
                 <a:sym typeface="Calibri"/>
               </a:defRPr>
             </a:lvl8pPr>
-            <a:lvl9pPr lvl="8" marR="0" rtl="0" algn="l">
+            <a:lvl9pPr marR="0" lvl="8" algn="l" rtl="0">
               <a:lnSpc>
                 <a:spcPct val="90000"/>
               </a:lnSpc>
@@ -9034,7 +9268,7 @@
               <a:buSzPts val="2000"/>
               <a:buFont typeface="Arial"/>
               <a:buNone/>
-              <a:defRPr b="0" i="0" sz="2000" u="none" cap="none" strike="noStrike">
+              <a:defRPr sz="2000" b="0" i="0" u="none" strike="noStrike" cap="none">
                 <a:solidFill>
                   <a:schemeClr val="dk1"/>
                 </a:solidFill>
@@ -9045,15 +9279,19 @@
               </a:defRPr>
             </a:lvl9pPr>
           </a:lstStyle>
-          <a:p/>
+          <a:p>
+            <a:endParaRPr/>
+          </a:p>
         </p:txBody>
       </p:sp>
       <p:sp>
         <p:nvSpPr>
           <p:cNvPr id="64" name="Google Shape;64;p14"/>
-          <p:cNvSpPr txBox="1"/>
+          <p:cNvSpPr txBox="1">
+            <a:spLocks noGrp="1"/>
+          </p:cNvSpPr>
           <p:nvPr>
-            <p:ph idx="1" type="body"/>
+            <p:ph type="body" idx="1"/>
           </p:nvPr>
         </p:nvSpPr>
         <p:spPr>
@@ -9070,11 +9308,11 @@
           </a:ln>
         </p:spPr>
         <p:txBody>
-          <a:bodyPr anchorCtr="0" anchor="t" bIns="45700" lIns="91425" spcFirstLastPara="1" rIns="91425" wrap="square" tIns="45700">
+          <a:bodyPr spcFirstLastPara="1" wrap="square" lIns="91425" tIns="45700" rIns="91425" bIns="45700" anchor="t" anchorCtr="0">
             <a:normAutofit/>
           </a:bodyPr>
           <a:lstStyle>
-            <a:lvl1pPr indent="-228600" lvl="0" marL="457200" algn="l">
+            <a:lvl1pPr marL="457200" lvl="0" indent="-228600" algn="l">
               <a:lnSpc>
                 <a:spcPct val="90000"/>
               </a:lnSpc>
@@ -9091,7 +9329,7 @@
               <a:buNone/>
               <a:defRPr sz="1600"/>
             </a:lvl1pPr>
-            <a:lvl2pPr indent="-228600" lvl="1" marL="914400" algn="l">
+            <a:lvl2pPr marL="914400" lvl="1" indent="-228600" algn="l">
               <a:lnSpc>
                 <a:spcPct val="90000"/>
               </a:lnSpc>
@@ -9108,7 +9346,7 @@
               <a:buNone/>
               <a:defRPr sz="1400"/>
             </a:lvl2pPr>
-            <a:lvl3pPr indent="-228600" lvl="2" marL="1371600" algn="l">
+            <a:lvl3pPr marL="1371600" lvl="2" indent="-228600" algn="l">
               <a:lnSpc>
                 <a:spcPct val="90000"/>
               </a:lnSpc>
@@ -9125,7 +9363,7 @@
               <a:buNone/>
               <a:defRPr sz="1200"/>
             </a:lvl3pPr>
-            <a:lvl4pPr indent="-228600" lvl="3" marL="1828800" algn="l">
+            <a:lvl4pPr marL="1828800" lvl="3" indent="-228600" algn="l">
               <a:lnSpc>
                 <a:spcPct val="90000"/>
               </a:lnSpc>
@@ -9142,7 +9380,7 @@
               <a:buNone/>
               <a:defRPr sz="1000"/>
             </a:lvl4pPr>
-            <a:lvl5pPr indent="-228600" lvl="4" marL="2286000" algn="l">
+            <a:lvl5pPr marL="2286000" lvl="4" indent="-228600" algn="l">
               <a:lnSpc>
                 <a:spcPct val="90000"/>
               </a:lnSpc>
@@ -9159,7 +9397,7 @@
               <a:buNone/>
               <a:defRPr sz="1000"/>
             </a:lvl5pPr>
-            <a:lvl6pPr indent="-228600" lvl="5" marL="2743200" algn="l">
+            <a:lvl6pPr marL="2743200" lvl="5" indent="-228600" algn="l">
               <a:lnSpc>
                 <a:spcPct val="90000"/>
               </a:lnSpc>
@@ -9176,7 +9414,7 @@
               <a:buNone/>
               <a:defRPr sz="1000"/>
             </a:lvl6pPr>
-            <a:lvl7pPr indent="-228600" lvl="6" marL="3200400" algn="l">
+            <a:lvl7pPr marL="3200400" lvl="6" indent="-228600" algn="l">
               <a:lnSpc>
                 <a:spcPct val="90000"/>
               </a:lnSpc>
@@ -9193,7 +9431,7 @@
               <a:buNone/>
               <a:defRPr sz="1000"/>
             </a:lvl7pPr>
-            <a:lvl8pPr indent="-228600" lvl="7" marL="3657600" algn="l">
+            <a:lvl8pPr marL="3657600" lvl="7" indent="-228600" algn="l">
               <a:lnSpc>
                 <a:spcPct val="90000"/>
               </a:lnSpc>
@@ -9210,7 +9448,7 @@
               <a:buNone/>
               <a:defRPr sz="1000"/>
             </a:lvl8pPr>
-            <a:lvl9pPr indent="-228600" lvl="8" marL="4114800" algn="l">
+            <a:lvl9pPr marL="4114800" lvl="8" indent="-228600" algn="l">
               <a:lnSpc>
                 <a:spcPct val="90000"/>
               </a:lnSpc>
@@ -9228,15 +9466,19 @@
               <a:defRPr sz="1000"/>
             </a:lvl9pPr>
           </a:lstStyle>
-          <a:p/>
+          <a:p>
+            <a:endParaRPr/>
+          </a:p>
         </p:txBody>
       </p:sp>
       <p:sp>
         <p:nvSpPr>
           <p:cNvPr id="65" name="Google Shape;65;p14"/>
-          <p:cNvSpPr txBox="1"/>
+          <p:cNvSpPr txBox="1">
+            <a:spLocks noGrp="1"/>
+          </p:cNvSpPr>
           <p:nvPr>
-            <p:ph idx="10" type="dt"/>
+            <p:ph type="dt" idx="10"/>
           </p:nvPr>
         </p:nvSpPr>
         <p:spPr>
@@ -9253,7 +9495,7 @@
           </a:ln>
         </p:spPr>
         <p:txBody>
-          <a:bodyPr anchorCtr="0" anchor="ctr" bIns="45700" lIns="91425" spcFirstLastPara="1" rIns="91425" wrap="square" tIns="45700">
+          <a:bodyPr spcFirstLastPara="1" wrap="square" lIns="91425" tIns="45700" rIns="91425" bIns="45700" anchor="ctr" anchorCtr="0">
             <a:noAutofit/>
           </a:bodyPr>
           <a:lstStyle>
@@ -9357,15 +9599,19 @@
               <a:defRPr/>
             </a:lvl9pPr>
           </a:lstStyle>
-          <a:p/>
+          <a:p>
+            <a:endParaRPr/>
+          </a:p>
         </p:txBody>
       </p:sp>
       <p:sp>
         <p:nvSpPr>
           <p:cNvPr id="66" name="Google Shape;66;p14"/>
-          <p:cNvSpPr txBox="1"/>
+          <p:cNvSpPr txBox="1">
+            <a:spLocks noGrp="1"/>
+          </p:cNvSpPr>
           <p:nvPr>
-            <p:ph idx="11" type="ftr"/>
+            <p:ph type="ftr" idx="11"/>
           </p:nvPr>
         </p:nvSpPr>
         <p:spPr>
@@ -9382,7 +9628,7 @@
           </a:ln>
         </p:spPr>
         <p:txBody>
-          <a:bodyPr anchorCtr="0" anchor="ctr" bIns="45700" lIns="91425" spcFirstLastPara="1" rIns="91425" wrap="square" tIns="45700">
+          <a:bodyPr spcFirstLastPara="1" wrap="square" lIns="91425" tIns="45700" rIns="91425" bIns="45700" anchor="ctr" anchorCtr="0">
             <a:noAutofit/>
           </a:bodyPr>
           <a:lstStyle>
@@ -9486,15 +9732,19 @@
               <a:defRPr/>
             </a:lvl9pPr>
           </a:lstStyle>
-          <a:p/>
+          <a:p>
+            <a:endParaRPr/>
+          </a:p>
         </p:txBody>
       </p:sp>
       <p:sp>
         <p:nvSpPr>
           <p:cNvPr id="67" name="Google Shape;67;p14"/>
-          <p:cNvSpPr txBox="1"/>
+          <p:cNvSpPr txBox="1">
+            <a:spLocks noGrp="1"/>
+          </p:cNvSpPr>
           <p:nvPr>
-            <p:ph idx="12" type="sldNum"/>
+            <p:ph type="sldNum" idx="12"/>
           </p:nvPr>
         </p:nvSpPr>
         <p:spPr>
@@ -9511,67 +9761,67 @@
           </a:ln>
         </p:spPr>
         <p:txBody>
-          <a:bodyPr anchorCtr="0" anchor="ctr" bIns="45700" lIns="91425" spcFirstLastPara="1" rIns="91425" wrap="square" tIns="45700">
+          <a:bodyPr spcFirstLastPara="1" wrap="square" lIns="91425" tIns="45700" rIns="91425" bIns="45700" anchor="ctr" anchorCtr="0">
             <a:noAutofit/>
           </a:bodyPr>
           <a:lstStyle>
-            <a:lvl1pPr indent="0" lvl="0" marL="0" algn="r">
+            <a:lvl1pPr marL="0" lvl="0" indent="0" algn="r">
               <a:spcBef>
                 <a:spcPts val="0"/>
               </a:spcBef>
               <a:buNone/>
               <a:defRPr/>
             </a:lvl1pPr>
-            <a:lvl2pPr indent="0" lvl="1" marL="0" algn="r">
+            <a:lvl2pPr marL="0" lvl="1" indent="0" algn="r">
               <a:spcBef>
                 <a:spcPts val="0"/>
               </a:spcBef>
               <a:buNone/>
               <a:defRPr/>
             </a:lvl2pPr>
-            <a:lvl3pPr indent="0" lvl="2" marL="0" algn="r">
+            <a:lvl3pPr marL="0" lvl="2" indent="0" algn="r">
               <a:spcBef>
                 <a:spcPts val="0"/>
               </a:spcBef>
               <a:buNone/>
               <a:defRPr/>
             </a:lvl3pPr>
-            <a:lvl4pPr indent="0" lvl="3" marL="0" algn="r">
+            <a:lvl4pPr marL="0" lvl="3" indent="0" algn="r">
               <a:spcBef>
                 <a:spcPts val="0"/>
               </a:spcBef>
               <a:buNone/>
               <a:defRPr/>
             </a:lvl4pPr>
-            <a:lvl5pPr indent="0" lvl="4" marL="0" algn="r">
+            <a:lvl5pPr marL="0" lvl="4" indent="0" algn="r">
               <a:spcBef>
                 <a:spcPts val="0"/>
               </a:spcBef>
               <a:buNone/>
               <a:defRPr/>
             </a:lvl5pPr>
-            <a:lvl6pPr indent="0" lvl="5" marL="0" algn="r">
+            <a:lvl6pPr marL="0" lvl="5" indent="0" algn="r">
               <a:spcBef>
                 <a:spcPts val="0"/>
               </a:spcBef>
               <a:buNone/>
               <a:defRPr/>
             </a:lvl6pPr>
-            <a:lvl7pPr indent="0" lvl="6" marL="0" algn="r">
+            <a:lvl7pPr marL="0" lvl="6" indent="0" algn="r">
               <a:spcBef>
                 <a:spcPts val="0"/>
               </a:spcBef>
               <a:buNone/>
               <a:defRPr/>
             </a:lvl7pPr>
-            <a:lvl8pPr indent="0" lvl="7" marL="0" algn="r">
+            <a:lvl8pPr marL="0" lvl="7" indent="0" algn="r">
               <a:spcBef>
                 <a:spcPts val="0"/>
               </a:spcBef>
               <a:buNone/>
               <a:defRPr/>
             </a:lvl8pPr>
-            <a:lvl9pPr indent="0" lvl="8" marL="0" algn="r">
+            <a:lvl9pPr marL="0" lvl="8" indent="0" algn="r">
               <a:spcBef>
                 <a:spcPts val="0"/>
               </a:spcBef>
@@ -9580,7 +9830,7 @@
             </a:lvl9pPr>
           </a:lstStyle>
           <a:p>
-            <a:pPr indent="0" lvl="0" marL="0" rtl="0" algn="r">
+            <a:pPr marL="0" lvl="0" indent="0" algn="r" rtl="0">
               <a:spcBef>
                 <a:spcPts val="0"/>
               </a:spcBef>
@@ -9591,7 +9841,7 @@
             </a:pPr>
             <a:fld id="{00000000-1234-1234-1234-123412341234}" type="slidenum">
               <a:rPr lang="it-IT"/>
-              <a:t>‹#›</a:t>
+              <a:t>‹N›</a:t>
             </a:fld>
             <a:endParaRPr/>
           </a:p>
@@ -9606,18 +9856,19 @@
 </file>
 
 <file path=ppt/slideMasters/slideMaster1.xml><?xml version="1.0" encoding="utf-8"?>
-<p:sldMaster xmlns:a="http://schemas.openxmlformats.org/drawingml/2006/main" xmlns:r="http://schemas.openxmlformats.org/officeDocument/2006/relationships" xmlns:mc="http://schemas.openxmlformats.org/markup-compatibility/2006" xmlns:mv="urn:schemas-microsoft-com:mac:vml" xmlns:p="http://schemas.openxmlformats.org/presentationml/2006/main" xmlns:c="http://schemas.openxmlformats.org/drawingml/2006/chart" xmlns:dgm="http://schemas.openxmlformats.org/drawingml/2006/diagram" xmlns:o="urn:schemas-microsoft-com:office:office" xmlns:v="urn:schemas-microsoft-com:vml" xmlns:pvml="urn:schemas-microsoft-com:office:powerpoint" xmlns:com="http://schemas.openxmlformats.org/drawingml/2006/compatibility" xmlns:p14="http://schemas.microsoft.com/office/powerpoint/2010/main" xmlns:p15="http://schemas.microsoft.com/office/powerpoint/2012/main">
+<p:sldMaster xmlns:a="http://schemas.openxmlformats.org/drawingml/2006/main" xmlns:r="http://schemas.openxmlformats.org/officeDocument/2006/relationships" xmlns:p="http://schemas.openxmlformats.org/presentationml/2006/main">
   <p:cSld>
     <p:bg>
       <p:bgPr>
         <a:solidFill>
           <a:schemeClr val="lt1"/>
         </a:solidFill>
+        <a:effectLst/>
       </p:bgPr>
     </p:bg>
     <p:spTree>
       <p:nvGrpSpPr>
-        <p:cNvPr id="5" name="Shape 5"/>
+        <p:cNvPr id="1" name="Shape 5"/>
         <p:cNvGrpSpPr/>
         <p:nvPr/>
       </p:nvGrpSpPr>
@@ -9632,7 +9883,9 @@
       <p:sp>
         <p:nvSpPr>
           <p:cNvPr id="6" name="Google Shape;6;p5"/>
-          <p:cNvSpPr txBox="1"/>
+          <p:cNvSpPr txBox="1">
+            <a:spLocks noGrp="1"/>
+          </p:cNvSpPr>
           <p:nvPr>
             <p:ph type="title"/>
           </p:nvPr>
@@ -9651,11 +9904,11 @@
           </a:ln>
         </p:spPr>
         <p:txBody>
-          <a:bodyPr anchorCtr="0" anchor="ctr" bIns="45700" lIns="91425" spcFirstLastPara="1" rIns="91425" wrap="square" tIns="45700">
+          <a:bodyPr spcFirstLastPara="1" wrap="square" lIns="91425" tIns="45700" rIns="91425" bIns="45700" anchor="ctr" anchorCtr="0">
             <a:normAutofit/>
           </a:bodyPr>
           <a:lstStyle>
-            <a:lvl1pPr lvl="0" marR="0" rtl="0" algn="l">
+            <a:lvl1pPr marR="0" lvl="0" algn="l" rtl="0">
               <a:lnSpc>
                 <a:spcPct val="90000"/>
               </a:lnSpc>
@@ -9671,7 +9924,7 @@
               <a:buSzPts val="4400"/>
               <a:buFont typeface="Calibri"/>
               <a:buNone/>
-              <a:defRPr b="0" i="0" sz="4400" u="none" cap="none" strike="noStrike">
+              <a:defRPr sz="4400" b="0" i="0" u="none" strike="noStrike" cap="none">
                 <a:solidFill>
                   <a:schemeClr val="dk1"/>
                 </a:solidFill>
@@ -9770,15 +10023,19 @@
               <a:defRPr sz="1800"/>
             </a:lvl9pPr>
           </a:lstStyle>
-          <a:p/>
+          <a:p>
+            <a:endParaRPr/>
+          </a:p>
         </p:txBody>
       </p:sp>
       <p:sp>
         <p:nvSpPr>
           <p:cNvPr id="7" name="Google Shape;7;p5"/>
-          <p:cNvSpPr txBox="1"/>
+          <p:cNvSpPr txBox="1">
+            <a:spLocks noGrp="1"/>
+          </p:cNvSpPr>
           <p:nvPr>
-            <p:ph idx="1" type="body"/>
+            <p:ph type="body" idx="1"/>
           </p:nvPr>
         </p:nvSpPr>
         <p:spPr>
@@ -9795,11 +10052,11 @@
           </a:ln>
         </p:spPr>
         <p:txBody>
-          <a:bodyPr anchorCtr="0" anchor="t" bIns="45700" lIns="91425" spcFirstLastPara="1" rIns="91425" wrap="square" tIns="45700">
+          <a:bodyPr spcFirstLastPara="1" wrap="square" lIns="91425" tIns="45700" rIns="91425" bIns="45700" anchor="t" anchorCtr="0">
             <a:normAutofit/>
           </a:bodyPr>
           <a:lstStyle>
-            <a:lvl1pPr indent="-406400" lvl="0" marL="457200" marR="0" rtl="0" algn="l">
+            <a:lvl1pPr marL="457200" marR="0" lvl="0" indent="-406400" algn="l" rtl="0">
               <a:lnSpc>
                 <a:spcPct val="90000"/>
               </a:lnSpc>
@@ -9815,7 +10072,7 @@
               <a:buSzPts val="2800"/>
               <a:buFont typeface="Arial"/>
               <a:buChar char="•"/>
-              <a:defRPr b="0" i="0" sz="2800" u="none" cap="none" strike="noStrike">
+              <a:defRPr sz="2800" b="0" i="0" u="none" strike="noStrike" cap="none">
                 <a:solidFill>
                   <a:schemeClr val="dk1"/>
                 </a:solidFill>
@@ -9825,7 +10082,7 @@
                 <a:sym typeface="Calibri"/>
               </a:defRPr>
             </a:lvl1pPr>
-            <a:lvl2pPr indent="-381000" lvl="1" marL="914400" marR="0" rtl="0" algn="l">
+            <a:lvl2pPr marL="914400" marR="0" lvl="1" indent="-381000" algn="l" rtl="0">
               <a:lnSpc>
                 <a:spcPct val="90000"/>
               </a:lnSpc>
@@ -9841,7 +10098,7 @@
               <a:buSzPts val="2400"/>
               <a:buFont typeface="Arial"/>
               <a:buChar char="•"/>
-              <a:defRPr b="0" i="0" sz="2400" u="none" cap="none" strike="noStrike">
+              <a:defRPr sz="2400" b="0" i="0" u="none" strike="noStrike" cap="none">
                 <a:solidFill>
                   <a:schemeClr val="dk1"/>
                 </a:solidFill>
@@ -9851,7 +10108,7 @@
                 <a:sym typeface="Calibri"/>
               </a:defRPr>
             </a:lvl2pPr>
-            <a:lvl3pPr indent="-355600" lvl="2" marL="1371600" marR="0" rtl="0" algn="l">
+            <a:lvl3pPr marL="1371600" marR="0" lvl="2" indent="-355600" algn="l" rtl="0">
               <a:lnSpc>
                 <a:spcPct val="90000"/>
               </a:lnSpc>
@@ -9867,7 +10124,7 @@
               <a:buSzPts val="2000"/>
               <a:buFont typeface="Arial"/>
               <a:buChar char="•"/>
-              <a:defRPr b="0" i="0" sz="2000" u="none" cap="none" strike="noStrike">
+              <a:defRPr sz="2000" b="0" i="0" u="none" strike="noStrike" cap="none">
                 <a:solidFill>
                   <a:schemeClr val="dk1"/>
                 </a:solidFill>
@@ -9877,7 +10134,7 @@
                 <a:sym typeface="Calibri"/>
               </a:defRPr>
             </a:lvl3pPr>
-            <a:lvl4pPr indent="-342900" lvl="3" marL="1828800" marR="0" rtl="0" algn="l">
+            <a:lvl4pPr marL="1828800" marR="0" lvl="3" indent="-342900" algn="l" rtl="0">
               <a:lnSpc>
                 <a:spcPct val="90000"/>
               </a:lnSpc>
@@ -9893,7 +10150,7 @@
               <a:buSzPts val="1800"/>
               <a:buFont typeface="Arial"/>
               <a:buChar char="•"/>
-              <a:defRPr b="0" i="0" sz="1800" u="none" cap="none" strike="noStrike">
+              <a:defRPr sz="1800" b="0" i="0" u="none" strike="noStrike" cap="none">
                 <a:solidFill>
                   <a:schemeClr val="dk1"/>
                 </a:solidFill>
@@ -9903,7 +10160,7 @@
                 <a:sym typeface="Calibri"/>
               </a:defRPr>
             </a:lvl4pPr>
-            <a:lvl5pPr indent="-342900" lvl="4" marL="2286000" marR="0" rtl="0" algn="l">
+            <a:lvl5pPr marL="2286000" marR="0" lvl="4" indent="-342900" algn="l" rtl="0">
               <a:lnSpc>
                 <a:spcPct val="90000"/>
               </a:lnSpc>
@@ -9919,7 +10176,7 @@
               <a:buSzPts val="1800"/>
               <a:buFont typeface="Arial"/>
               <a:buChar char="•"/>
-              <a:defRPr b="0" i="0" sz="1800" u="none" cap="none" strike="noStrike">
+              <a:defRPr sz="1800" b="0" i="0" u="none" strike="noStrike" cap="none">
                 <a:solidFill>
                   <a:schemeClr val="dk1"/>
                 </a:solidFill>
@@ -9929,7 +10186,7 @@
                 <a:sym typeface="Calibri"/>
               </a:defRPr>
             </a:lvl5pPr>
-            <a:lvl6pPr indent="-342900" lvl="5" marL="2743200" marR="0" rtl="0" algn="l">
+            <a:lvl6pPr marL="2743200" marR="0" lvl="5" indent="-342900" algn="l" rtl="0">
               <a:lnSpc>
                 <a:spcPct val="90000"/>
               </a:lnSpc>
@@ -9945,7 +10202,7 @@
               <a:buSzPts val="1800"/>
               <a:buFont typeface="Arial"/>
               <a:buChar char="•"/>
-              <a:defRPr b="0" i="0" sz="1800" u="none" cap="none" strike="noStrike">
+              <a:defRPr sz="1800" b="0" i="0" u="none" strike="noStrike" cap="none">
                 <a:solidFill>
                   <a:schemeClr val="dk1"/>
                 </a:solidFill>
@@ -9955,7 +10212,7 @@
                 <a:sym typeface="Calibri"/>
               </a:defRPr>
             </a:lvl6pPr>
-            <a:lvl7pPr indent="-342900" lvl="6" marL="3200400" marR="0" rtl="0" algn="l">
+            <a:lvl7pPr marL="3200400" marR="0" lvl="6" indent="-342900" algn="l" rtl="0">
               <a:lnSpc>
                 <a:spcPct val="90000"/>
               </a:lnSpc>
@@ -9971,7 +10228,7 @@
               <a:buSzPts val="1800"/>
               <a:buFont typeface="Arial"/>
               <a:buChar char="•"/>
-              <a:defRPr b="0" i="0" sz="1800" u="none" cap="none" strike="noStrike">
+              <a:defRPr sz="1800" b="0" i="0" u="none" strike="noStrike" cap="none">
                 <a:solidFill>
                   <a:schemeClr val="dk1"/>
                 </a:solidFill>
@@ -9981,7 +10238,7 @@
                 <a:sym typeface="Calibri"/>
               </a:defRPr>
             </a:lvl7pPr>
-            <a:lvl8pPr indent="-342900" lvl="7" marL="3657600" marR="0" rtl="0" algn="l">
+            <a:lvl8pPr marL="3657600" marR="0" lvl="7" indent="-342900" algn="l" rtl="0">
               <a:lnSpc>
                 <a:spcPct val="90000"/>
               </a:lnSpc>
@@ -9997,7 +10254,7 @@
               <a:buSzPts val="1800"/>
               <a:buFont typeface="Arial"/>
               <a:buChar char="•"/>
-              <a:defRPr b="0" i="0" sz="1800" u="none" cap="none" strike="noStrike">
+              <a:defRPr sz="1800" b="0" i="0" u="none" strike="noStrike" cap="none">
                 <a:solidFill>
                   <a:schemeClr val="dk1"/>
                 </a:solidFill>
@@ -10007,7 +10264,7 @@
                 <a:sym typeface="Calibri"/>
               </a:defRPr>
             </a:lvl8pPr>
-            <a:lvl9pPr indent="-342900" lvl="8" marL="4114800" marR="0" rtl="0" algn="l">
+            <a:lvl9pPr marL="4114800" marR="0" lvl="8" indent="-342900" algn="l" rtl="0">
               <a:lnSpc>
                 <a:spcPct val="90000"/>
               </a:lnSpc>
@@ -10023,7 +10280,7 @@
               <a:buSzPts val="1800"/>
               <a:buFont typeface="Arial"/>
               <a:buChar char="•"/>
-              <a:defRPr b="0" i="0" sz="1800" u="none" cap="none" strike="noStrike">
+              <a:defRPr sz="1800" b="0" i="0" u="none" strike="noStrike" cap="none">
                 <a:solidFill>
                   <a:schemeClr val="dk1"/>
                 </a:solidFill>
@@ -10034,15 +10291,19 @@
               </a:defRPr>
             </a:lvl9pPr>
           </a:lstStyle>
-          <a:p/>
+          <a:p>
+            <a:endParaRPr/>
+          </a:p>
         </p:txBody>
       </p:sp>
       <p:sp>
         <p:nvSpPr>
           <p:cNvPr id="8" name="Google Shape;8;p5"/>
-          <p:cNvSpPr txBox="1"/>
+          <p:cNvSpPr txBox="1">
+            <a:spLocks noGrp="1"/>
+          </p:cNvSpPr>
           <p:nvPr>
-            <p:ph idx="10" type="dt"/>
+            <p:ph type="dt" idx="10"/>
           </p:nvPr>
         </p:nvSpPr>
         <p:spPr>
@@ -10059,20 +10320,20 @@
           </a:ln>
         </p:spPr>
         <p:txBody>
-          <a:bodyPr anchorCtr="0" anchor="ctr" bIns="45700" lIns="91425" spcFirstLastPara="1" rIns="91425" wrap="square" tIns="45700">
+          <a:bodyPr spcFirstLastPara="1" wrap="square" lIns="91425" tIns="45700" rIns="91425" bIns="45700" anchor="ctr" anchorCtr="0">
             <a:noAutofit/>
           </a:bodyPr>
           <a:lstStyle>
-            <a:lvl1pPr lvl="0" marR="0" rtl="0" algn="l">
-              <a:spcBef>
-                <a:spcPts val="0"/>
-              </a:spcBef>
-              <a:spcAft>
-                <a:spcPts val="0"/>
-              </a:spcAft>
-              <a:buSzPts val="1400"/>
-              <a:buNone/>
-              <a:defRPr b="0" i="0" sz="1200" u="none" cap="none" strike="noStrike">
+            <a:lvl1pPr marR="0" lvl="0" algn="l" rtl="0">
+              <a:spcBef>
+                <a:spcPts val="0"/>
+              </a:spcBef>
+              <a:spcAft>
+                <a:spcPts val="0"/>
+              </a:spcAft>
+              <a:buSzPts val="1400"/>
+              <a:buNone/>
+              <a:defRPr sz="1200" b="0" i="0" u="none" strike="noStrike" cap="none">
                 <a:solidFill>
                   <a:srgbClr val="888888"/>
                 </a:solidFill>
@@ -10082,16 +10343,16 @@
                 <a:sym typeface="Calibri"/>
               </a:defRPr>
             </a:lvl1pPr>
-            <a:lvl2pPr lvl="1" marR="0" rtl="0" algn="l">
-              <a:spcBef>
-                <a:spcPts val="0"/>
-              </a:spcBef>
-              <a:spcAft>
-                <a:spcPts val="0"/>
-              </a:spcAft>
-              <a:buSzPts val="1400"/>
-              <a:buNone/>
-              <a:defRPr b="0" i="0" sz="1800" u="none" cap="none" strike="noStrike">
+            <a:lvl2pPr marR="0" lvl="1" algn="l" rtl="0">
+              <a:spcBef>
+                <a:spcPts val="0"/>
+              </a:spcBef>
+              <a:spcAft>
+                <a:spcPts val="0"/>
+              </a:spcAft>
+              <a:buSzPts val="1400"/>
+              <a:buNone/>
+              <a:defRPr sz="1800" b="0" i="0" u="none" strike="noStrike" cap="none">
                 <a:solidFill>
                   <a:schemeClr val="dk1"/>
                 </a:solidFill>
@@ -10101,16 +10362,16 @@
                 <a:sym typeface="Calibri"/>
               </a:defRPr>
             </a:lvl2pPr>
-            <a:lvl3pPr lvl="2" marR="0" rtl="0" algn="l">
-              <a:spcBef>
-                <a:spcPts val="0"/>
-              </a:spcBef>
-              <a:spcAft>
-                <a:spcPts val="0"/>
-              </a:spcAft>
-              <a:buSzPts val="1400"/>
-              <a:buNone/>
-              <a:defRPr b="0" i="0" sz="1800" u="none" cap="none" strike="noStrike">
+            <a:lvl3pPr marR="0" lvl="2" algn="l" rtl="0">
+              <a:spcBef>
+                <a:spcPts val="0"/>
+              </a:spcBef>
+              <a:spcAft>
+                <a:spcPts val="0"/>
+              </a:spcAft>
+              <a:buSzPts val="1400"/>
+              <a:buNone/>
+              <a:defRPr sz="1800" b="0" i="0" u="none" strike="noStrike" cap="none">
                 <a:solidFill>
                   <a:schemeClr val="dk1"/>
                 </a:solidFill>
@@ -10120,16 +10381,16 @@
                 <a:sym typeface="Calibri"/>
               </a:defRPr>
             </a:lvl3pPr>
-            <a:lvl4pPr lvl="3" marR="0" rtl="0" algn="l">
-              <a:spcBef>
-                <a:spcPts val="0"/>
-              </a:spcBef>
-              <a:spcAft>
-                <a:spcPts val="0"/>
-              </a:spcAft>
-              <a:buSzPts val="1400"/>
-              <a:buNone/>
-              <a:defRPr b="0" i="0" sz="1800" u="none" cap="none" strike="noStrike">
+            <a:lvl4pPr marR="0" lvl="3" algn="l" rtl="0">
+              <a:spcBef>
+                <a:spcPts val="0"/>
+              </a:spcBef>
+              <a:spcAft>
+                <a:spcPts val="0"/>
+              </a:spcAft>
+              <a:buSzPts val="1400"/>
+              <a:buNone/>
+              <a:defRPr sz="1800" b="0" i="0" u="none" strike="noStrike" cap="none">
                 <a:solidFill>
                   <a:schemeClr val="dk1"/>
                 </a:solidFill>
@@ -10139,16 +10400,16 @@
                 <a:sym typeface="Calibri"/>
               </a:defRPr>
             </a:lvl4pPr>
-            <a:lvl5pPr lvl="4" marR="0" rtl="0" algn="l">
-              <a:spcBef>
-                <a:spcPts val="0"/>
-              </a:spcBef>
-              <a:spcAft>
-                <a:spcPts val="0"/>
-              </a:spcAft>
-              <a:buSzPts val="1400"/>
-              <a:buNone/>
-              <a:defRPr b="0" i="0" sz="1800" u="none" cap="none" strike="noStrike">
+            <a:lvl5pPr marR="0" lvl="4" algn="l" rtl="0">
+              <a:spcBef>
+                <a:spcPts val="0"/>
+              </a:spcBef>
+              <a:spcAft>
+                <a:spcPts val="0"/>
+              </a:spcAft>
+              <a:buSzPts val="1400"/>
+              <a:buNone/>
+              <a:defRPr sz="1800" b="0" i="0" u="none" strike="noStrike" cap="none">
                 <a:solidFill>
                   <a:schemeClr val="dk1"/>
                 </a:solidFill>
@@ -10158,16 +10419,16 @@
                 <a:sym typeface="Calibri"/>
               </a:defRPr>
             </a:lvl5pPr>
-            <a:lvl6pPr lvl="5" marR="0" rtl="0" algn="l">
-              <a:spcBef>
-                <a:spcPts val="0"/>
-              </a:spcBef>
-              <a:spcAft>
-                <a:spcPts val="0"/>
-              </a:spcAft>
-              <a:buSzPts val="1400"/>
-              <a:buNone/>
-              <a:defRPr b="0" i="0" sz="1800" u="none" cap="none" strike="noStrike">
+            <a:lvl6pPr marR="0" lvl="5" algn="l" rtl="0">
+              <a:spcBef>
+                <a:spcPts val="0"/>
+              </a:spcBef>
+              <a:spcAft>
+                <a:spcPts val="0"/>
+              </a:spcAft>
+              <a:buSzPts val="1400"/>
+              <a:buNone/>
+              <a:defRPr sz="1800" b="0" i="0" u="none" strike="noStrike" cap="none">
                 <a:solidFill>
                   <a:schemeClr val="dk1"/>
                 </a:solidFill>
@@ -10177,16 +10438,16 @@
                 <a:sym typeface="Calibri"/>
               </a:defRPr>
             </a:lvl6pPr>
-            <a:lvl7pPr lvl="6" marR="0" rtl="0" algn="l">
-              <a:spcBef>
-                <a:spcPts val="0"/>
-              </a:spcBef>
-              <a:spcAft>
-                <a:spcPts val="0"/>
-              </a:spcAft>
-              <a:buSzPts val="1400"/>
-              <a:buNone/>
-              <a:defRPr b="0" i="0" sz="1800" u="none" cap="none" strike="noStrike">
+            <a:lvl7pPr marR="0" lvl="6" algn="l" rtl="0">
+              <a:spcBef>
+                <a:spcPts val="0"/>
+              </a:spcBef>
+              <a:spcAft>
+                <a:spcPts val="0"/>
+              </a:spcAft>
+              <a:buSzPts val="1400"/>
+              <a:buNone/>
+              <a:defRPr sz="1800" b="0" i="0" u="none" strike="noStrike" cap="none">
                 <a:solidFill>
                   <a:schemeClr val="dk1"/>
                 </a:solidFill>
@@ -10196,16 +10457,16 @@
                 <a:sym typeface="Calibri"/>
               </a:defRPr>
             </a:lvl7pPr>
-            <a:lvl8pPr lvl="7" marR="0" rtl="0" algn="l">
-              <a:spcBef>
-                <a:spcPts val="0"/>
-              </a:spcBef>
-              <a:spcAft>
-                <a:spcPts val="0"/>
-              </a:spcAft>
-              <a:buSzPts val="1400"/>
-              <a:buNone/>
-              <a:defRPr b="0" i="0" sz="1800" u="none" cap="none" strike="noStrike">
+            <a:lvl8pPr marR="0" lvl="7" algn="l" rtl="0">
+              <a:spcBef>
+                <a:spcPts val="0"/>
+              </a:spcBef>
+              <a:spcAft>
+                <a:spcPts val="0"/>
+              </a:spcAft>
+              <a:buSzPts val="1400"/>
+              <a:buNone/>
+              <a:defRPr sz="1800" b="0" i="0" u="none" strike="noStrike" cap="none">
                 <a:solidFill>
                   <a:schemeClr val="dk1"/>
                 </a:solidFill>
@@ -10215,16 +10476,16 @@
                 <a:sym typeface="Calibri"/>
               </a:defRPr>
             </a:lvl8pPr>
-            <a:lvl9pPr lvl="8" marR="0" rtl="0" algn="l">
-              <a:spcBef>
-                <a:spcPts val="0"/>
-              </a:spcBef>
-              <a:spcAft>
-                <a:spcPts val="0"/>
-              </a:spcAft>
-              <a:buSzPts val="1400"/>
-              <a:buNone/>
-              <a:defRPr b="0" i="0" sz="1800" u="none" cap="none" strike="noStrike">
+            <a:lvl9pPr marR="0" lvl="8" algn="l" rtl="0">
+              <a:spcBef>
+                <a:spcPts val="0"/>
+              </a:spcBef>
+              <a:spcAft>
+                <a:spcPts val="0"/>
+              </a:spcAft>
+              <a:buSzPts val="1400"/>
+              <a:buNone/>
+              <a:defRPr sz="1800" b="0" i="0" u="none" strike="noStrike" cap="none">
                 <a:solidFill>
                   <a:schemeClr val="dk1"/>
                 </a:solidFill>
@@ -10235,15 +10496,19 @@
               </a:defRPr>
             </a:lvl9pPr>
           </a:lstStyle>
-          <a:p/>
+          <a:p>
+            <a:endParaRPr/>
+          </a:p>
         </p:txBody>
       </p:sp>
       <p:sp>
         <p:nvSpPr>
           <p:cNvPr id="9" name="Google Shape;9;p5"/>
-          <p:cNvSpPr txBox="1"/>
+          <p:cNvSpPr txBox="1">
+            <a:spLocks noGrp="1"/>
+          </p:cNvSpPr>
           <p:nvPr>
-            <p:ph idx="11" type="ftr"/>
+            <p:ph type="ftr" idx="11"/>
           </p:nvPr>
         </p:nvSpPr>
         <p:spPr>
@@ -10260,20 +10525,20 @@
           </a:ln>
         </p:spPr>
         <p:txBody>
-          <a:bodyPr anchorCtr="0" anchor="ctr" bIns="45700" lIns="91425" spcFirstLastPara="1" rIns="91425" wrap="square" tIns="45700">
+          <a:bodyPr spcFirstLastPara="1" wrap="square" lIns="91425" tIns="45700" rIns="91425" bIns="45700" anchor="ctr" anchorCtr="0">
             <a:noAutofit/>
           </a:bodyPr>
           <a:lstStyle>
-            <a:lvl1pPr lvl="0" marR="0" rtl="0" algn="ctr">
-              <a:spcBef>
-                <a:spcPts val="0"/>
-              </a:spcBef>
-              <a:spcAft>
-                <a:spcPts val="0"/>
-              </a:spcAft>
-              <a:buSzPts val="1400"/>
-              <a:buNone/>
-              <a:defRPr b="0" i="0" sz="1200" u="none" cap="none" strike="noStrike">
+            <a:lvl1pPr marR="0" lvl="0" algn="ctr" rtl="0">
+              <a:spcBef>
+                <a:spcPts val="0"/>
+              </a:spcBef>
+              <a:spcAft>
+                <a:spcPts val="0"/>
+              </a:spcAft>
+              <a:buSzPts val="1400"/>
+              <a:buNone/>
+              <a:defRPr sz="1200" b="0" i="0" u="none" strike="noStrike" cap="none">
                 <a:solidFill>
                   <a:srgbClr val="888888"/>
                 </a:solidFill>
@@ -10283,16 +10548,16 @@
                 <a:sym typeface="Calibri"/>
               </a:defRPr>
             </a:lvl1pPr>
-            <a:lvl2pPr lvl="1" marR="0" rtl="0" algn="l">
-              <a:spcBef>
-                <a:spcPts val="0"/>
-              </a:spcBef>
-              <a:spcAft>
-                <a:spcPts val="0"/>
-              </a:spcAft>
-              <a:buSzPts val="1400"/>
-              <a:buNone/>
-              <a:defRPr b="0" i="0" sz="1800" u="none" cap="none" strike="noStrike">
+            <a:lvl2pPr marR="0" lvl="1" algn="l" rtl="0">
+              <a:spcBef>
+                <a:spcPts val="0"/>
+              </a:spcBef>
+              <a:spcAft>
+                <a:spcPts val="0"/>
+              </a:spcAft>
+              <a:buSzPts val="1400"/>
+              <a:buNone/>
+              <a:defRPr sz="1800" b="0" i="0" u="none" strike="noStrike" cap="none">
                 <a:solidFill>
                   <a:schemeClr val="dk1"/>
                 </a:solidFill>
@@ -10302,16 +10567,16 @@
                 <a:sym typeface="Calibri"/>
               </a:defRPr>
             </a:lvl2pPr>
-            <a:lvl3pPr lvl="2" marR="0" rtl="0" algn="l">
-              <a:spcBef>
-                <a:spcPts val="0"/>
-              </a:spcBef>
-              <a:spcAft>
-                <a:spcPts val="0"/>
-              </a:spcAft>
-              <a:buSzPts val="1400"/>
-              <a:buNone/>
-              <a:defRPr b="0" i="0" sz="1800" u="none" cap="none" strike="noStrike">
+            <a:lvl3pPr marR="0" lvl="2" algn="l" rtl="0">
+              <a:spcBef>
+                <a:spcPts val="0"/>
+              </a:spcBef>
+              <a:spcAft>
+                <a:spcPts val="0"/>
+              </a:spcAft>
+              <a:buSzPts val="1400"/>
+              <a:buNone/>
+              <a:defRPr sz="1800" b="0" i="0" u="none" strike="noStrike" cap="none">
                 <a:solidFill>
                   <a:schemeClr val="dk1"/>
                 </a:solidFill>
@@ -10321,16 +10586,16 @@
                 <a:sym typeface="Calibri"/>
               </a:defRPr>
             </a:lvl3pPr>
-            <a:lvl4pPr lvl="3" marR="0" rtl="0" algn="l">
-              <a:spcBef>
-                <a:spcPts val="0"/>
-              </a:spcBef>
-              <a:spcAft>
-                <a:spcPts val="0"/>
-              </a:spcAft>
-              <a:buSzPts val="1400"/>
-              <a:buNone/>
-              <a:defRPr b="0" i="0" sz="1800" u="none" cap="none" strike="noStrike">
+            <a:lvl4pPr marR="0" lvl="3" algn="l" rtl="0">
+              <a:spcBef>
+                <a:spcPts val="0"/>
+              </a:spcBef>
+              <a:spcAft>
+                <a:spcPts val="0"/>
+              </a:spcAft>
+              <a:buSzPts val="1400"/>
+              <a:buNone/>
+              <a:defRPr sz="1800" b="0" i="0" u="none" strike="noStrike" cap="none">
                 <a:solidFill>
                   <a:schemeClr val="dk1"/>
                 </a:solidFill>
@@ -10340,16 +10605,16 @@
                 <a:sym typeface="Calibri"/>
               </a:defRPr>
             </a:lvl4pPr>
-            <a:lvl5pPr lvl="4" marR="0" rtl="0" algn="l">
-              <a:spcBef>
-                <a:spcPts val="0"/>
-              </a:spcBef>
-              <a:spcAft>
-                <a:spcPts val="0"/>
-              </a:spcAft>
-              <a:buSzPts val="1400"/>
-              <a:buNone/>
-              <a:defRPr b="0" i="0" sz="1800" u="none" cap="none" strike="noStrike">
+            <a:lvl5pPr marR="0" lvl="4" algn="l" rtl="0">
+              <a:spcBef>
+                <a:spcPts val="0"/>
+              </a:spcBef>
+              <a:spcAft>
+                <a:spcPts val="0"/>
+              </a:spcAft>
+              <a:buSzPts val="1400"/>
+              <a:buNone/>
+              <a:defRPr sz="1800" b="0" i="0" u="none" strike="noStrike" cap="none">
                 <a:solidFill>
                   <a:schemeClr val="dk1"/>
                 </a:solidFill>
@@ -10359,16 +10624,16 @@
                 <a:sym typeface="Calibri"/>
               </a:defRPr>
             </a:lvl5pPr>
-            <a:lvl6pPr lvl="5" marR="0" rtl="0" algn="l">
-              <a:spcBef>
-                <a:spcPts val="0"/>
-              </a:spcBef>
-              <a:spcAft>
-                <a:spcPts val="0"/>
-              </a:spcAft>
-              <a:buSzPts val="1400"/>
-              <a:buNone/>
-              <a:defRPr b="0" i="0" sz="1800" u="none" cap="none" strike="noStrike">
+            <a:lvl6pPr marR="0" lvl="5" algn="l" rtl="0">
+              <a:spcBef>
+                <a:spcPts val="0"/>
+              </a:spcBef>
+              <a:spcAft>
+                <a:spcPts val="0"/>
+              </a:spcAft>
+              <a:buSzPts val="1400"/>
+              <a:buNone/>
+              <a:defRPr sz="1800" b="0" i="0" u="none" strike="noStrike" cap="none">
                 <a:solidFill>
                   <a:schemeClr val="dk1"/>
                 </a:solidFill>
@@ -10378,16 +10643,16 @@
                 <a:sym typeface="Calibri"/>
               </a:defRPr>
             </a:lvl6pPr>
-            <a:lvl7pPr lvl="6" marR="0" rtl="0" algn="l">
-              <a:spcBef>
-                <a:spcPts val="0"/>
-              </a:spcBef>
-              <a:spcAft>
-                <a:spcPts val="0"/>
-              </a:spcAft>
-              <a:buSzPts val="1400"/>
-              <a:buNone/>
-              <a:defRPr b="0" i="0" sz="1800" u="none" cap="none" strike="noStrike">
+            <a:lvl7pPr marR="0" lvl="6" algn="l" rtl="0">
+              <a:spcBef>
+                <a:spcPts val="0"/>
+              </a:spcBef>
+              <a:spcAft>
+                <a:spcPts val="0"/>
+              </a:spcAft>
+              <a:buSzPts val="1400"/>
+              <a:buNone/>
+              <a:defRPr sz="1800" b="0" i="0" u="none" strike="noStrike" cap="none">
                 <a:solidFill>
                   <a:schemeClr val="dk1"/>
                 </a:solidFill>
@@ -10397,16 +10662,16 @@
                 <a:sym typeface="Calibri"/>
               </a:defRPr>
             </a:lvl7pPr>
-            <a:lvl8pPr lvl="7" marR="0" rtl="0" algn="l">
-              <a:spcBef>
-                <a:spcPts val="0"/>
-              </a:spcBef>
-              <a:spcAft>
-                <a:spcPts val="0"/>
-              </a:spcAft>
-              <a:buSzPts val="1400"/>
-              <a:buNone/>
-              <a:defRPr b="0" i="0" sz="1800" u="none" cap="none" strike="noStrike">
+            <a:lvl8pPr marR="0" lvl="7" algn="l" rtl="0">
+              <a:spcBef>
+                <a:spcPts val="0"/>
+              </a:spcBef>
+              <a:spcAft>
+                <a:spcPts val="0"/>
+              </a:spcAft>
+              <a:buSzPts val="1400"/>
+              <a:buNone/>
+              <a:defRPr sz="1800" b="0" i="0" u="none" strike="noStrike" cap="none">
                 <a:solidFill>
                   <a:schemeClr val="dk1"/>
                 </a:solidFill>
@@ -10416,16 +10681,16 @@
                 <a:sym typeface="Calibri"/>
               </a:defRPr>
             </a:lvl8pPr>
-            <a:lvl9pPr lvl="8" marR="0" rtl="0" algn="l">
-              <a:spcBef>
-                <a:spcPts val="0"/>
-              </a:spcBef>
-              <a:spcAft>
-                <a:spcPts val="0"/>
-              </a:spcAft>
-              <a:buSzPts val="1400"/>
-              <a:buNone/>
-              <a:defRPr b="0" i="0" sz="1800" u="none" cap="none" strike="noStrike">
+            <a:lvl9pPr marR="0" lvl="8" algn="l" rtl="0">
+              <a:spcBef>
+                <a:spcPts val="0"/>
+              </a:spcBef>
+              <a:spcAft>
+                <a:spcPts val="0"/>
+              </a:spcAft>
+              <a:buSzPts val="1400"/>
+              <a:buNone/>
+              <a:defRPr sz="1800" b="0" i="0" u="none" strike="noStrike" cap="none">
                 <a:solidFill>
                   <a:schemeClr val="dk1"/>
                 </a:solidFill>
@@ -10436,15 +10701,19 @@
               </a:defRPr>
             </a:lvl9pPr>
           </a:lstStyle>
-          <a:p/>
+          <a:p>
+            <a:endParaRPr/>
+          </a:p>
         </p:txBody>
       </p:sp>
       <p:sp>
         <p:nvSpPr>
           <p:cNvPr id="10" name="Google Shape;10;p5"/>
-          <p:cNvSpPr txBox="1"/>
+          <p:cNvSpPr txBox="1">
+            <a:spLocks noGrp="1"/>
+          </p:cNvSpPr>
           <p:nvPr>
-            <p:ph idx="12" type="sldNum"/>
+            <p:ph type="sldNum" idx="12"/>
           </p:nvPr>
         </p:nvSpPr>
         <p:spPr>
@@ -10461,16 +10730,16 @@
           </a:ln>
         </p:spPr>
         <p:txBody>
-          <a:bodyPr anchorCtr="0" anchor="ctr" bIns="45700" lIns="91425" spcFirstLastPara="1" rIns="91425" wrap="square" tIns="45700">
+          <a:bodyPr spcFirstLastPara="1" wrap="square" lIns="91425" tIns="45700" rIns="91425" bIns="45700" anchor="ctr" anchorCtr="0">
             <a:noAutofit/>
           </a:bodyPr>
           <a:lstStyle>
-            <a:lvl1pPr indent="0" lvl="0" marL="0" marR="0" rtl="0" algn="r">
-              <a:spcBef>
-                <a:spcPts val="0"/>
-              </a:spcBef>
-              <a:buNone/>
-              <a:defRPr b="0" i="0" sz="1200" u="none" cap="none" strike="noStrike">
+            <a:lvl1pPr marL="0" marR="0" lvl="0" indent="0" algn="r" rtl="0">
+              <a:spcBef>
+                <a:spcPts val="0"/>
+              </a:spcBef>
+              <a:buNone/>
+              <a:defRPr sz="1200" b="0" i="0" u="none" strike="noStrike" cap="none">
                 <a:solidFill>
                   <a:srgbClr val="888888"/>
                 </a:solidFill>
@@ -10480,12 +10749,12 @@
                 <a:sym typeface="Calibri"/>
               </a:defRPr>
             </a:lvl1pPr>
-            <a:lvl2pPr indent="0" lvl="1" marL="0" marR="0" rtl="0" algn="r">
-              <a:spcBef>
-                <a:spcPts val="0"/>
-              </a:spcBef>
-              <a:buNone/>
-              <a:defRPr b="0" i="0" sz="1200" u="none" cap="none" strike="noStrike">
+            <a:lvl2pPr marL="0" marR="0" lvl="1" indent="0" algn="r" rtl="0">
+              <a:spcBef>
+                <a:spcPts val="0"/>
+              </a:spcBef>
+              <a:buNone/>
+              <a:defRPr sz="1200" b="0" i="0" u="none" strike="noStrike" cap="none">
                 <a:solidFill>
                   <a:srgbClr val="888888"/>
                 </a:solidFill>
@@ -10495,12 +10764,12 @@
                 <a:sym typeface="Calibri"/>
               </a:defRPr>
             </a:lvl2pPr>
-            <a:lvl3pPr indent="0" lvl="2" marL="0" marR="0" rtl="0" algn="r">
-              <a:spcBef>
-                <a:spcPts val="0"/>
-              </a:spcBef>
-              <a:buNone/>
-              <a:defRPr b="0" i="0" sz="1200" u="none" cap="none" strike="noStrike">
+            <a:lvl3pPr marL="0" marR="0" lvl="2" indent="0" algn="r" rtl="0">
+              <a:spcBef>
+                <a:spcPts val="0"/>
+              </a:spcBef>
+              <a:buNone/>
+              <a:defRPr sz="1200" b="0" i="0" u="none" strike="noStrike" cap="none">
                 <a:solidFill>
                   <a:srgbClr val="888888"/>
                 </a:solidFill>
@@ -10510,12 +10779,12 @@
                 <a:sym typeface="Calibri"/>
               </a:defRPr>
             </a:lvl3pPr>
-            <a:lvl4pPr indent="0" lvl="3" marL="0" marR="0" rtl="0" algn="r">
-              <a:spcBef>
-                <a:spcPts val="0"/>
-              </a:spcBef>
-              <a:buNone/>
-              <a:defRPr b="0" i="0" sz="1200" u="none" cap="none" strike="noStrike">
+            <a:lvl4pPr marL="0" marR="0" lvl="3" indent="0" algn="r" rtl="0">
+              <a:spcBef>
+                <a:spcPts val="0"/>
+              </a:spcBef>
+              <a:buNone/>
+              <a:defRPr sz="1200" b="0" i="0" u="none" strike="noStrike" cap="none">
                 <a:solidFill>
                   <a:srgbClr val="888888"/>
                 </a:solidFill>
@@ -10525,12 +10794,12 @@
                 <a:sym typeface="Calibri"/>
               </a:defRPr>
             </a:lvl4pPr>
-            <a:lvl5pPr indent="0" lvl="4" marL="0" marR="0" rtl="0" algn="r">
-              <a:spcBef>
-                <a:spcPts val="0"/>
-              </a:spcBef>
-              <a:buNone/>
-              <a:defRPr b="0" i="0" sz="1200" u="none" cap="none" strike="noStrike">
+            <a:lvl5pPr marL="0" marR="0" lvl="4" indent="0" algn="r" rtl="0">
+              <a:spcBef>
+                <a:spcPts val="0"/>
+              </a:spcBef>
+              <a:buNone/>
+              <a:defRPr sz="1200" b="0" i="0" u="none" strike="noStrike" cap="none">
                 <a:solidFill>
                   <a:srgbClr val="888888"/>
                 </a:solidFill>
@@ -10540,12 +10809,12 @@
                 <a:sym typeface="Calibri"/>
               </a:defRPr>
             </a:lvl5pPr>
-            <a:lvl6pPr indent="0" lvl="5" marL="0" marR="0" rtl="0" algn="r">
-              <a:spcBef>
-                <a:spcPts val="0"/>
-              </a:spcBef>
-              <a:buNone/>
-              <a:defRPr b="0" i="0" sz="1200" u="none" cap="none" strike="noStrike">
+            <a:lvl6pPr marL="0" marR="0" lvl="5" indent="0" algn="r" rtl="0">
+              <a:spcBef>
+                <a:spcPts val="0"/>
+              </a:spcBef>
+              <a:buNone/>
+              <a:defRPr sz="1200" b="0" i="0" u="none" strike="noStrike" cap="none">
                 <a:solidFill>
                   <a:srgbClr val="888888"/>
                 </a:solidFill>
@@ -10555,12 +10824,12 @@
                 <a:sym typeface="Calibri"/>
               </a:defRPr>
             </a:lvl6pPr>
-            <a:lvl7pPr indent="0" lvl="6" marL="0" marR="0" rtl="0" algn="r">
-              <a:spcBef>
-                <a:spcPts val="0"/>
-              </a:spcBef>
-              <a:buNone/>
-              <a:defRPr b="0" i="0" sz="1200" u="none" cap="none" strike="noStrike">
+            <a:lvl7pPr marL="0" marR="0" lvl="6" indent="0" algn="r" rtl="0">
+              <a:spcBef>
+                <a:spcPts val="0"/>
+              </a:spcBef>
+              <a:buNone/>
+              <a:defRPr sz="1200" b="0" i="0" u="none" strike="noStrike" cap="none">
                 <a:solidFill>
                   <a:srgbClr val="888888"/>
                 </a:solidFill>
@@ -10570,12 +10839,12 @@
                 <a:sym typeface="Calibri"/>
               </a:defRPr>
             </a:lvl7pPr>
-            <a:lvl8pPr indent="0" lvl="7" marL="0" marR="0" rtl="0" algn="r">
-              <a:spcBef>
-                <a:spcPts val="0"/>
-              </a:spcBef>
-              <a:buNone/>
-              <a:defRPr b="0" i="0" sz="1200" u="none" cap="none" strike="noStrike">
+            <a:lvl8pPr marL="0" marR="0" lvl="7" indent="0" algn="r" rtl="0">
+              <a:spcBef>
+                <a:spcPts val="0"/>
+              </a:spcBef>
+              <a:buNone/>
+              <a:defRPr sz="1200" b="0" i="0" u="none" strike="noStrike" cap="none">
                 <a:solidFill>
                   <a:srgbClr val="888888"/>
                 </a:solidFill>
@@ -10585,12 +10854,12 @@
                 <a:sym typeface="Calibri"/>
               </a:defRPr>
             </a:lvl8pPr>
-            <a:lvl9pPr indent="0" lvl="8" marL="0" marR="0" rtl="0" algn="r">
-              <a:spcBef>
-                <a:spcPts val="0"/>
-              </a:spcBef>
-              <a:buNone/>
-              <a:defRPr b="0" i="0" sz="1200" u="none" cap="none" strike="noStrike">
+            <a:lvl9pPr marL="0" marR="0" lvl="8" indent="0" algn="r" rtl="0">
+              <a:spcBef>
+                <a:spcPts val="0"/>
+              </a:spcBef>
+              <a:buNone/>
+              <a:defRPr sz="1200" b="0" i="0" u="none" strike="noStrike" cap="none">
                 <a:solidFill>
                   <a:srgbClr val="888888"/>
                 </a:solidFill>
@@ -10602,7 +10871,7 @@
             </a:lvl9pPr>
           </a:lstStyle>
           <a:p>
-            <a:pPr indent="0" lvl="0" marL="0" rtl="0" algn="r">
+            <a:pPr marL="0" lvl="0" indent="0" algn="r" rtl="0">
               <a:spcBef>
                 <a:spcPts val="0"/>
               </a:spcBef>
@@ -10613,7 +10882,7 @@
             </a:pPr>
             <a:fld id="{00000000-1234-1234-1234-123412341234}" type="slidenum">
               <a:rPr lang="it-IT"/>
-              <a:t>‹#›</a:t>
+              <a:t>‹N›</a:t>
             </a:fld>
             <a:endParaRPr/>
           </a:p>
@@ -10621,7 +10890,7 @@
       </p:sp>
     </p:spTree>
   </p:cSld>
-  <p:clrMap accent1="accent1" accent2="accent2" accent3="accent3" accent4="accent4" accent5="accent5" accent6="accent6" bg1="lt1" bg2="dk2" tx1="dk1" tx2="lt2" folHlink="folHlink" hlink="hlink"/>
+  <p:clrMap bg1="lt1" tx1="dk1" bg2="dk2" tx2="lt2" accent1="accent1" accent2="accent2" accent3="accent3" accent4="accent4" accent5="accent5" accent6="accent6" hlink="hlink" folHlink="folHlink"/>
   <p:sldLayoutIdLst>
     <p:sldLayoutId id="2147483649" r:id="rId1"/>
     <p:sldLayoutId id="2147483650" r:id="rId2"/>
@@ -10635,10 +10904,10 @@
     <p:sldLayoutId id="2147483658" r:id="rId10"/>
     <p:sldLayoutId id="2147483659" r:id="rId11"/>
   </p:sldLayoutIdLst>
-  <p:hf dt="0" ftr="0" hdr="0" sldNum="0"/>
+  <p:hf sldNum="0" hdr="0" ftr="0" dt="0"/>
   <p:txStyles>
     <p:titleStyle>
-      <a:defPPr lvl="0" marR="0" rtl="0" algn="l">
+      <a:defPPr marR="0" lvl="0" algn="l" rtl="0">
         <a:lnSpc>
           <a:spcPct val="100000"/>
         </a:lnSpc>
@@ -10649,7 +10918,7 @@
           <a:spcPts val="0"/>
         </a:spcAft>
       </a:defPPr>
-      <a:lvl1pPr lvl="0" marR="0" rtl="0" algn="l">
+      <a:lvl1pPr marR="0" lvl="0" algn="l" rtl="0">
         <a:lnSpc>
           <a:spcPct val="100000"/>
         </a:lnSpc>
@@ -10663,7 +10932,7 @@
           <a:srgbClr val="000000"/>
         </a:buClr>
         <a:buFont typeface="Arial"/>
-        <a:defRPr b="0" i="0" sz="1400" u="none" cap="none" strike="noStrike">
+        <a:defRPr sz="1400" b="0" i="0" u="none" strike="noStrike" cap="none">
           <a:solidFill>
             <a:srgbClr val="000000"/>
           </a:solidFill>
@@ -10673,7 +10942,7 @@
           <a:sym typeface="Arial"/>
         </a:defRPr>
       </a:lvl1pPr>
-      <a:lvl2pPr lvl="1" marR="0" rtl="0" algn="l">
+      <a:lvl2pPr marR="0" lvl="1" algn="l" rtl="0">
         <a:lnSpc>
           <a:spcPct val="100000"/>
         </a:lnSpc>
@@ -10687,7 +10956,7 @@
           <a:srgbClr val="000000"/>
         </a:buClr>
         <a:buFont typeface="Arial"/>
-        <a:defRPr b="0" i="0" sz="1400" u="none" cap="none" strike="noStrike">
+        <a:defRPr sz="1400" b="0" i="0" u="none" strike="noStrike" cap="none">
           <a:solidFill>
             <a:srgbClr val="000000"/>
           </a:solidFill>
@@ -10697,7 +10966,7 @@
           <a:sym typeface="Arial"/>
         </a:defRPr>
       </a:lvl2pPr>
-      <a:lvl3pPr lvl="2" marR="0" rtl="0" algn="l">
+      <a:lvl3pPr marR="0" lvl="2" algn="l" rtl="0">
         <a:lnSpc>
           <a:spcPct val="100000"/>
         </a:lnSpc>
@@ -10711,7 +10980,7 @@
           <a:srgbClr val="000000"/>
         </a:buClr>
         <a:buFont typeface="Arial"/>
-        <a:defRPr b="0" i="0" sz="1400" u="none" cap="none" strike="noStrike">
+        <a:defRPr sz="1400" b="0" i="0" u="none" strike="noStrike" cap="none">
           <a:solidFill>
             <a:srgbClr val="000000"/>
           </a:solidFill>
@@ -10721,7 +10990,7 @@
           <a:sym typeface="Arial"/>
         </a:defRPr>
       </a:lvl3pPr>
-      <a:lvl4pPr lvl="3" marR="0" rtl="0" algn="l">
+      <a:lvl4pPr marR="0" lvl="3" algn="l" rtl="0">
         <a:lnSpc>
           <a:spcPct val="100000"/>
         </a:lnSpc>
@@ -10735,7 +11004,7 @@
           <a:srgbClr val="000000"/>
         </a:buClr>
         <a:buFont typeface="Arial"/>
-        <a:defRPr b="0" i="0" sz="1400" u="none" cap="none" strike="noStrike">
+        <a:defRPr sz="1400" b="0" i="0" u="none" strike="noStrike" cap="none">
           <a:solidFill>
             <a:srgbClr val="000000"/>
           </a:solidFill>
@@ -10745,7 +11014,7 @@
           <a:sym typeface="Arial"/>
         </a:defRPr>
       </a:lvl4pPr>
-      <a:lvl5pPr lvl="4" marR="0" rtl="0" algn="l">
+      <a:lvl5pPr marR="0" lvl="4" algn="l" rtl="0">
         <a:lnSpc>
           <a:spcPct val="100000"/>
         </a:lnSpc>
@@ -10759,7 +11028,7 @@
           <a:srgbClr val="000000"/>
         </a:buClr>
         <a:buFont typeface="Arial"/>
-        <a:defRPr b="0" i="0" sz="1400" u="none" cap="none" strike="noStrike">
+        <a:defRPr sz="1400" b="0" i="0" u="none" strike="noStrike" cap="none">
           <a:solidFill>
             <a:srgbClr val="000000"/>
           </a:solidFill>
@@ -10769,7 +11038,7 @@
           <a:sym typeface="Arial"/>
         </a:defRPr>
       </a:lvl5pPr>
-      <a:lvl6pPr lvl="5" marR="0" rtl="0" algn="l">
+      <a:lvl6pPr marR="0" lvl="5" algn="l" rtl="0">
         <a:lnSpc>
           <a:spcPct val="100000"/>
         </a:lnSpc>
@@ -10783,7 +11052,7 @@
           <a:srgbClr val="000000"/>
         </a:buClr>
         <a:buFont typeface="Arial"/>
-        <a:defRPr b="0" i="0" sz="1400" u="none" cap="none" strike="noStrike">
+        <a:defRPr sz="1400" b="0" i="0" u="none" strike="noStrike" cap="none">
           <a:solidFill>
             <a:srgbClr val="000000"/>
           </a:solidFill>
@@ -10793,7 +11062,7 @@
           <a:sym typeface="Arial"/>
         </a:defRPr>
       </a:lvl6pPr>
-      <a:lvl7pPr lvl="6" marR="0" rtl="0" algn="l">
+      <a:lvl7pPr marR="0" lvl="6" algn="l" rtl="0">
         <a:lnSpc>
           <a:spcPct val="100000"/>
         </a:lnSpc>
@@ -10807,7 +11076,7 @@
           <a:srgbClr val="000000"/>
         </a:buClr>
         <a:buFont typeface="Arial"/>
-        <a:defRPr b="0" i="0" sz="1400" u="none" cap="none" strike="noStrike">
+        <a:defRPr sz="1400" b="0" i="0" u="none" strike="noStrike" cap="none">
           <a:solidFill>
             <a:srgbClr val="000000"/>
           </a:solidFill>
@@ -10817,7 +11086,7 @@
           <a:sym typeface="Arial"/>
         </a:defRPr>
       </a:lvl7pPr>
-      <a:lvl8pPr lvl="7" marR="0" rtl="0" algn="l">
+      <a:lvl8pPr marR="0" lvl="7" algn="l" rtl="0">
         <a:lnSpc>
           <a:spcPct val="100000"/>
         </a:lnSpc>
@@ -10831,7 +11100,7 @@
           <a:srgbClr val="000000"/>
         </a:buClr>
         <a:buFont typeface="Arial"/>
-        <a:defRPr b="0" i="0" sz="1400" u="none" cap="none" strike="noStrike">
+        <a:defRPr sz="1400" b="0" i="0" u="none" strike="noStrike" cap="none">
           <a:solidFill>
             <a:srgbClr val="000000"/>
           </a:solidFill>
@@ -10841,7 +11110,7 @@
           <a:sym typeface="Arial"/>
         </a:defRPr>
       </a:lvl8pPr>
-      <a:lvl9pPr lvl="8" marR="0" rtl="0" algn="l">
+      <a:lvl9pPr marR="0" lvl="8" algn="l" rtl="0">
         <a:lnSpc>
           <a:spcPct val="100000"/>
         </a:lnSpc>
@@ -10855,7 +11124,7 @@
           <a:srgbClr val="000000"/>
         </a:buClr>
         <a:buFont typeface="Arial"/>
-        <a:defRPr b="0" i="0" sz="1400" u="none" cap="none" strike="noStrike">
+        <a:defRPr sz="1400" b="0" i="0" u="none" strike="noStrike" cap="none">
           <a:solidFill>
             <a:srgbClr val="000000"/>
           </a:solidFill>
@@ -10867,7 +11136,7 @@
       </a:lvl9pPr>
     </p:titleStyle>
     <p:bodyStyle>
-      <a:defPPr lvl="0" marR="0" rtl="0" algn="l">
+      <a:defPPr marR="0" lvl="0" algn="l" rtl="0">
         <a:lnSpc>
           <a:spcPct val="100000"/>
         </a:lnSpc>
@@ -10878,7 +11147,7 @@
           <a:spcPts val="0"/>
         </a:spcAft>
       </a:defPPr>
-      <a:lvl1pPr lvl="0" marR="0" rtl="0" algn="l">
+      <a:lvl1pPr marR="0" lvl="0" algn="l" rtl="0">
         <a:lnSpc>
           <a:spcPct val="100000"/>
         </a:lnSpc>
@@ -10892,7 +11161,7 @@
           <a:srgbClr val="000000"/>
         </a:buClr>
         <a:buFont typeface="Arial"/>
-        <a:defRPr b="0" i="0" sz="1400" u="none" cap="none" strike="noStrike">
+        <a:defRPr sz="1400" b="0" i="0" u="none" strike="noStrike" cap="none">
           <a:solidFill>
             <a:srgbClr val="000000"/>
           </a:solidFill>
@@ -10902,7 +11171,7 @@
           <a:sym typeface="Arial"/>
         </a:defRPr>
       </a:lvl1pPr>
-      <a:lvl2pPr lvl="1" marR="0" rtl="0" algn="l">
+      <a:lvl2pPr marR="0" lvl="1" algn="l" rtl="0">
         <a:lnSpc>
           <a:spcPct val="100000"/>
         </a:lnSpc>
@@ -10916,7 +11185,7 @@
           <a:srgbClr val="000000"/>
         </a:buClr>
         <a:buFont typeface="Arial"/>
-        <a:defRPr b="0" i="0" sz="1400" u="none" cap="none" strike="noStrike">
+        <a:defRPr sz="1400" b="0" i="0" u="none" strike="noStrike" cap="none">
           <a:solidFill>
             <a:srgbClr val="000000"/>
           </a:solidFill>
@@ -10926,7 +11195,7 @@
           <a:sym typeface="Arial"/>
         </a:defRPr>
       </a:lvl2pPr>
-      <a:lvl3pPr lvl="2" marR="0" rtl="0" algn="l">
+      <a:lvl3pPr marR="0" lvl="2" algn="l" rtl="0">
         <a:lnSpc>
           <a:spcPct val="100000"/>
         </a:lnSpc>
@@ -10940,7 +11209,7 @@
           <a:srgbClr val="000000"/>
         </a:buClr>
         <a:buFont typeface="Arial"/>
-        <a:defRPr b="0" i="0" sz="1400" u="none" cap="none" strike="noStrike">
+        <a:defRPr sz="1400" b="0" i="0" u="none" strike="noStrike" cap="none">
           <a:solidFill>
             <a:srgbClr val="000000"/>
           </a:solidFill>
@@ -10950,7 +11219,7 @@
           <a:sym typeface="Arial"/>
         </a:defRPr>
       </a:lvl3pPr>
-      <a:lvl4pPr lvl="3" marR="0" rtl="0" algn="l">
+      <a:lvl4pPr marR="0" lvl="3" algn="l" rtl="0">
         <a:lnSpc>
           <a:spcPct val="100000"/>
         </a:lnSpc>
@@ -10964,7 +11233,7 @@
           <a:srgbClr val="000000"/>
         </a:buClr>
         <a:buFont typeface="Arial"/>
-        <a:defRPr b="0" i="0" sz="1400" u="none" cap="none" strike="noStrike">
+        <a:defRPr sz="1400" b="0" i="0" u="none" strike="noStrike" cap="none">
           <a:solidFill>
             <a:srgbClr val="000000"/>
           </a:solidFill>
@@ -10974,7 +11243,7 @@
           <a:sym typeface="Arial"/>
         </a:defRPr>
       </a:lvl4pPr>
-      <a:lvl5pPr lvl="4" marR="0" rtl="0" algn="l">
+      <a:lvl5pPr marR="0" lvl="4" algn="l" rtl="0">
         <a:lnSpc>
           <a:spcPct val="100000"/>
         </a:lnSpc>
@@ -10988,7 +11257,7 @@
           <a:srgbClr val="000000"/>
         </a:buClr>
         <a:buFont typeface="Arial"/>
-        <a:defRPr b="0" i="0" sz="1400" u="none" cap="none" strike="noStrike">
+        <a:defRPr sz="1400" b="0" i="0" u="none" strike="noStrike" cap="none">
           <a:solidFill>
             <a:srgbClr val="000000"/>
           </a:solidFill>
@@ -10998,7 +11267,7 @@
           <a:sym typeface="Arial"/>
         </a:defRPr>
       </a:lvl5pPr>
-      <a:lvl6pPr lvl="5" marR="0" rtl="0" algn="l">
+      <a:lvl6pPr marR="0" lvl="5" algn="l" rtl="0">
         <a:lnSpc>
           <a:spcPct val="100000"/>
         </a:lnSpc>
@@ -11012,7 +11281,7 @@
           <a:srgbClr val="000000"/>
         </a:buClr>
         <a:buFont typeface="Arial"/>
-        <a:defRPr b="0" i="0" sz="1400" u="none" cap="none" strike="noStrike">
+        <a:defRPr sz="1400" b="0" i="0" u="none" strike="noStrike" cap="none">
           <a:solidFill>
             <a:srgbClr val="000000"/>
           </a:solidFill>
@@ -11022,7 +11291,7 @@
           <a:sym typeface="Arial"/>
         </a:defRPr>
       </a:lvl6pPr>
-      <a:lvl7pPr lvl="6" marR="0" rtl="0" algn="l">
+      <a:lvl7pPr marR="0" lvl="6" algn="l" rtl="0">
         <a:lnSpc>
           <a:spcPct val="100000"/>
         </a:lnSpc>
@@ -11036,7 +11305,7 @@
           <a:srgbClr val="000000"/>
         </a:buClr>
         <a:buFont typeface="Arial"/>
-        <a:defRPr b="0" i="0" sz="1400" u="none" cap="none" strike="noStrike">
+        <a:defRPr sz="1400" b="0" i="0" u="none" strike="noStrike" cap="none">
           <a:solidFill>
             <a:srgbClr val="000000"/>
           </a:solidFill>
@@ -11046,7 +11315,7 @@
           <a:sym typeface="Arial"/>
         </a:defRPr>
       </a:lvl7pPr>
-      <a:lvl8pPr lvl="7" marR="0" rtl="0" algn="l">
+      <a:lvl8pPr marR="0" lvl="7" algn="l" rtl="0">
         <a:lnSpc>
           <a:spcPct val="100000"/>
         </a:lnSpc>
@@ -11060,7 +11329,7 @@
           <a:srgbClr val="000000"/>
         </a:buClr>
         <a:buFont typeface="Arial"/>
-        <a:defRPr b="0" i="0" sz="1400" u="none" cap="none" strike="noStrike">
+        <a:defRPr sz="1400" b="0" i="0" u="none" strike="noStrike" cap="none">
           <a:solidFill>
             <a:srgbClr val="000000"/>
           </a:solidFill>
@@ -11070,7 +11339,7 @@
           <a:sym typeface="Arial"/>
         </a:defRPr>
       </a:lvl8pPr>
-      <a:lvl9pPr lvl="8" marR="0" rtl="0" algn="l">
+      <a:lvl9pPr marR="0" lvl="8" algn="l" rtl="0">
         <a:lnSpc>
           <a:spcPct val="100000"/>
         </a:lnSpc>
@@ -11084,7 +11353,7 @@
           <a:srgbClr val="000000"/>
         </a:buClr>
         <a:buFont typeface="Arial"/>
-        <a:defRPr b="0" i="0" sz="1400" u="none" cap="none" strike="noStrike">
+        <a:defRPr sz="1400" b="0" i="0" u="none" strike="noStrike" cap="none">
           <a:solidFill>
             <a:srgbClr val="000000"/>
           </a:solidFill>
@@ -11096,7 +11365,7 @@
       </a:lvl9pPr>
     </p:bodyStyle>
     <p:otherStyle>
-      <a:defPPr lvl="0" marR="0" rtl="0" algn="l">
+      <a:defPPr marR="0" lvl="0" algn="l" rtl="0">
         <a:lnSpc>
           <a:spcPct val="100000"/>
         </a:lnSpc>
@@ -11107,7 +11376,7 @@
           <a:spcPts val="0"/>
         </a:spcAft>
       </a:defPPr>
-      <a:lvl1pPr lvl="0" marR="0" rtl="0" algn="l">
+      <a:lvl1pPr marR="0" lvl="0" algn="l" rtl="0">
         <a:lnSpc>
           <a:spcPct val="100000"/>
         </a:lnSpc>
@@ -11121,7 +11390,7 @@
           <a:srgbClr val="000000"/>
         </a:buClr>
         <a:buFont typeface="Arial"/>
-        <a:defRPr b="0" i="0" sz="1400" u="none" cap="none" strike="noStrike">
+        <a:defRPr sz="1400" b="0" i="0" u="none" strike="noStrike" cap="none">
           <a:solidFill>
             <a:srgbClr val="000000"/>
           </a:solidFill>
@@ -11131,7 +11400,7 @@
           <a:sym typeface="Arial"/>
         </a:defRPr>
       </a:lvl1pPr>
-      <a:lvl2pPr lvl="1" marR="0" rtl="0" algn="l">
+      <a:lvl2pPr marR="0" lvl="1" algn="l" rtl="0">
         <a:lnSpc>
           <a:spcPct val="100000"/>
         </a:lnSpc>
@@ -11145,7 +11414,7 @@
           <a:srgbClr val="000000"/>
         </a:buClr>
         <a:buFont typeface="Arial"/>
-        <a:defRPr b="0" i="0" sz="1400" u="none" cap="none" strike="noStrike">
+        <a:defRPr sz="1400" b="0" i="0" u="none" strike="noStrike" cap="none">
           <a:solidFill>
             <a:srgbClr val="000000"/>
           </a:solidFill>
@@ -11155,7 +11424,7 @@
           <a:sym typeface="Arial"/>
         </a:defRPr>
       </a:lvl2pPr>
-      <a:lvl3pPr lvl="2" marR="0" rtl="0" algn="l">
+      <a:lvl3pPr marR="0" lvl="2" algn="l" rtl="0">
         <a:lnSpc>
           <a:spcPct val="100000"/>
         </a:lnSpc>
@@ -11169,7 +11438,7 @@
           <a:srgbClr val="000000"/>
         </a:buClr>
         <a:buFont typeface="Arial"/>
-        <a:defRPr b="0" i="0" sz="1400" u="none" cap="none" strike="noStrike">
+        <a:defRPr sz="1400" b="0" i="0" u="none" strike="noStrike" cap="none">
           <a:solidFill>
             <a:srgbClr val="000000"/>
           </a:solidFill>
@@ -11179,7 +11448,7 @@
           <a:sym typeface="Arial"/>
         </a:defRPr>
       </a:lvl3pPr>
-      <a:lvl4pPr lvl="3" marR="0" rtl="0" algn="l">
+      <a:lvl4pPr marR="0" lvl="3" algn="l" rtl="0">
         <a:lnSpc>
           <a:spcPct val="100000"/>
         </a:lnSpc>
@@ -11193,7 +11462,7 @@
           <a:srgbClr val="000000"/>
         </a:buClr>
         <a:buFont typeface="Arial"/>
-        <a:defRPr b="0" i="0" sz="1400" u="none" cap="none" strike="noStrike">
+        <a:defRPr sz="1400" b="0" i="0" u="none" strike="noStrike" cap="none">
           <a:solidFill>
             <a:srgbClr val="000000"/>
           </a:solidFill>
@@ -11203,7 +11472,7 @@
           <a:sym typeface="Arial"/>
         </a:defRPr>
       </a:lvl4pPr>
-      <a:lvl5pPr lvl="4" marR="0" rtl="0" algn="l">
+      <a:lvl5pPr marR="0" lvl="4" algn="l" rtl="0">
         <a:lnSpc>
           <a:spcPct val="100000"/>
         </a:lnSpc>
@@ -11217,7 +11486,7 @@
           <a:srgbClr val="000000"/>
         </a:buClr>
         <a:buFont typeface="Arial"/>
-        <a:defRPr b="0" i="0" sz="1400" u="none" cap="none" strike="noStrike">
+        <a:defRPr sz="1400" b="0" i="0" u="none" strike="noStrike" cap="none">
           <a:solidFill>
             <a:srgbClr val="000000"/>
           </a:solidFill>
@@ -11227,7 +11496,7 @@
           <a:sym typeface="Arial"/>
         </a:defRPr>
       </a:lvl5pPr>
-      <a:lvl6pPr lvl="5" marR="0" rtl="0" algn="l">
+      <a:lvl6pPr marR="0" lvl="5" algn="l" rtl="0">
         <a:lnSpc>
           <a:spcPct val="100000"/>
         </a:lnSpc>
@@ -11241,7 +11510,7 @@
           <a:srgbClr val="000000"/>
         </a:buClr>
         <a:buFont typeface="Arial"/>
-        <a:defRPr b="0" i="0" sz="1400" u="none" cap="none" strike="noStrike">
+        <a:defRPr sz="1400" b="0" i="0" u="none" strike="noStrike" cap="none">
           <a:solidFill>
             <a:srgbClr val="000000"/>
           </a:solidFill>
@@ -11251,7 +11520,7 @@
           <a:sym typeface="Arial"/>
         </a:defRPr>
       </a:lvl6pPr>
-      <a:lvl7pPr lvl="6" marR="0" rtl="0" algn="l">
+      <a:lvl7pPr marR="0" lvl="6" algn="l" rtl="0">
         <a:lnSpc>
           <a:spcPct val="100000"/>
         </a:lnSpc>
@@ -11265,7 +11534,7 @@
           <a:srgbClr val="000000"/>
         </a:buClr>
         <a:buFont typeface="Arial"/>
-        <a:defRPr b="0" i="0" sz="1400" u="none" cap="none" strike="noStrike">
+        <a:defRPr sz="1400" b="0" i="0" u="none" strike="noStrike" cap="none">
           <a:solidFill>
             <a:srgbClr val="000000"/>
           </a:solidFill>
@@ -11275,7 +11544,7 @@
           <a:sym typeface="Arial"/>
         </a:defRPr>
       </a:lvl7pPr>
-      <a:lvl8pPr lvl="7" marR="0" rtl="0" algn="l">
+      <a:lvl8pPr marR="0" lvl="7" algn="l" rtl="0">
         <a:lnSpc>
           <a:spcPct val="100000"/>
         </a:lnSpc>
@@ -11289,7 +11558,7 @@
           <a:srgbClr val="000000"/>
         </a:buClr>
         <a:buFont typeface="Arial"/>
-        <a:defRPr b="0" i="0" sz="1400" u="none" cap="none" strike="noStrike">
+        <a:defRPr sz="1400" b="0" i="0" u="none" strike="noStrike" cap="none">
           <a:solidFill>
             <a:srgbClr val="000000"/>
           </a:solidFill>
@@ -11299,7 +11568,7 @@
           <a:sym typeface="Arial"/>
         </a:defRPr>
       </a:lvl8pPr>
-      <a:lvl9pPr lvl="8" marR="0" rtl="0" algn="l">
+      <a:lvl9pPr marR="0" lvl="8" algn="l" rtl="0">
         <a:lnSpc>
           <a:spcPct val="100000"/>
         </a:lnSpc>
@@ -11313,7 +11582,7 @@
           <a:srgbClr val="000000"/>
         </a:buClr>
         <a:buFont typeface="Arial"/>
-        <a:defRPr b="0" i="0" sz="1400" u="none" cap="none" strike="noStrike">
+        <a:defRPr sz="1400" b="0" i="0" u="none" strike="noStrike" cap="none">
           <a:solidFill>
             <a:srgbClr val="000000"/>
           </a:solidFill>
@@ -11329,18 +11598,19 @@
 </file>
 
 <file path=ppt/slides/slide1.xml><?xml version="1.0" encoding="utf-8"?>
-<p:sld xmlns:a="http://schemas.openxmlformats.org/drawingml/2006/main" xmlns:r="http://schemas.openxmlformats.org/officeDocument/2006/relationships" xmlns:mc="http://schemas.openxmlformats.org/markup-compatibility/2006" xmlns:mv="urn:schemas-microsoft-com:mac:vml" xmlns:p="http://schemas.openxmlformats.org/presentationml/2006/main" xmlns:c="http://schemas.openxmlformats.org/drawingml/2006/chart" xmlns:dgm="http://schemas.openxmlformats.org/drawingml/2006/diagram" xmlns:o="urn:schemas-microsoft-com:office:office" xmlns:v="urn:schemas-microsoft-com:vml" xmlns:pvml="urn:schemas-microsoft-com:office:powerpoint" xmlns:com="http://schemas.openxmlformats.org/drawingml/2006/compatibility" xmlns:p14="http://schemas.microsoft.com/office/powerpoint/2010/main" xmlns:p15="http://schemas.microsoft.com/office/powerpoint/2012/main">
+<p:sld xmlns:a="http://schemas.openxmlformats.org/drawingml/2006/main" xmlns:r="http://schemas.openxmlformats.org/officeDocument/2006/relationships" xmlns:p="http://schemas.openxmlformats.org/presentationml/2006/main">
   <p:cSld>
     <p:bg>
       <p:bgPr>
         <a:solidFill>
           <a:schemeClr val="lt1"/>
         </a:solidFill>
+        <a:effectLst/>
       </p:bgPr>
     </p:bg>
     <p:spTree>
       <p:nvGrpSpPr>
-        <p:cNvPr id="83" name="Shape 83"/>
+        <p:cNvPr id="1" name="Shape 83"/>
         <p:cNvGrpSpPr/>
         <p:nvPr/>
       </p:nvGrpSpPr>
@@ -11388,12 +11658,12 @@
           </a:ln>
         </p:spPr>
         <p:txBody>
-          <a:bodyPr anchorCtr="0" anchor="ctr" bIns="45700" lIns="91425" spcFirstLastPara="1" rIns="91425" wrap="square" tIns="45700">
+          <a:bodyPr spcFirstLastPara="1" wrap="square" lIns="91425" tIns="45700" rIns="91425" bIns="45700" anchor="ctr" anchorCtr="0">
             <a:noAutofit/>
           </a:bodyPr>
           <a:lstStyle/>
           <a:p>
-            <a:pPr indent="0" lvl="0" marL="0" marR="0" rtl="0" algn="ctr">
+            <a:pPr marL="0" marR="0" lvl="0" indent="0" algn="ctr" rtl="0">
               <a:spcBef>
                 <a:spcPts val="0"/>
               </a:spcBef>
@@ -11402,10 +11672,7 @@
               </a:spcAft>
               <a:buNone/>
             </a:pPr>
-            <a:r>
-              <a:t/>
-            </a:r>
-            <a:endParaRPr b="0" i="0" sz="1800" u="none" cap="none" strike="noStrike">
+            <a:endParaRPr sz="1800" b="0" i="0" u="none" strike="noStrike" cap="none">
               <a:solidFill>
                 <a:schemeClr val="lt1"/>
               </a:solidFill>
@@ -11427,7 +11694,7 @@
           <a:blip r:embed="rId3">
             <a:alphaModFix/>
           </a:blip>
-          <a:srcRect b="0" l="0" r="0" t="0"/>
+          <a:srcRect/>
           <a:stretch/>
         </p:blipFill>
         <p:spPr>
@@ -11447,7 +11714,9 @@
       <p:sp>
         <p:nvSpPr>
           <p:cNvPr id="86" name="Google Shape;86;p1"/>
-          <p:cNvSpPr txBox="1"/>
+          <p:cNvSpPr txBox="1">
+            <a:spLocks noGrp="1"/>
+          </p:cNvSpPr>
           <p:nvPr>
             <p:ph type="ctrTitle"/>
           </p:nvPr>
@@ -11466,12 +11735,12 @@
           </a:ln>
         </p:spPr>
         <p:txBody>
-          <a:bodyPr anchorCtr="0" anchor="b" bIns="45700" lIns="91425" spcFirstLastPara="1" rIns="91425" wrap="square" tIns="45700">
+          <a:bodyPr spcFirstLastPara="1" wrap="square" lIns="91425" tIns="45700" rIns="91425" bIns="45700" anchor="b" anchorCtr="0">
             <a:normAutofit/>
           </a:bodyPr>
           <a:lstStyle/>
           <a:p>
-            <a:pPr indent="0" lvl="0" marL="0" rtl="0" algn="ctr">
+            <a:pPr marL="0" lvl="0" indent="0" algn="ctr" rtl="0">
               <a:lnSpc>
                 <a:spcPct val="90000"/>
               </a:lnSpc>
@@ -11488,6 +11757,14 @@
               <a:buFont typeface="Calibri"/>
               <a:buNone/>
             </a:pPr>
+            <a:r>
+              <a:rPr lang="it-IT">
+                <a:solidFill>
+                  <a:srgbClr val="FFFFFF"/>
+                </a:solidFill>
+              </a:rPr>
+              <a:t/>
+            </a:r>
             <a:br>
               <a:rPr lang="it-IT">
                 <a:solidFill>
@@ -11514,9 +11791,11 @@
       <p:sp>
         <p:nvSpPr>
           <p:cNvPr id="87" name="Google Shape;87;p1"/>
-          <p:cNvSpPr txBox="1"/>
+          <p:cNvSpPr txBox="1">
+            <a:spLocks noGrp="1"/>
+          </p:cNvSpPr>
           <p:nvPr>
-            <p:ph idx="1" type="subTitle"/>
+            <p:ph type="subTitle" idx="1"/>
           </p:nvPr>
         </p:nvSpPr>
         <p:spPr>
@@ -11533,12 +11812,12 @@
           </a:ln>
         </p:spPr>
         <p:txBody>
-          <a:bodyPr anchorCtr="0" anchor="t" bIns="45700" lIns="91425" spcFirstLastPara="1" rIns="91425" wrap="square" tIns="45700">
+          <a:bodyPr spcFirstLastPara="1" wrap="square" lIns="91425" tIns="45700" rIns="91425" bIns="45700" anchor="t" anchorCtr="0">
             <a:normAutofit/>
           </a:bodyPr>
           <a:lstStyle/>
           <a:p>
-            <a:pPr indent="0" lvl="0" marL="0" rtl="0" algn="ctr">
+            <a:pPr marL="0" lvl="0" indent="0" algn="ctr" rtl="0">
               <a:lnSpc>
                 <a:spcPct val="90000"/>
               </a:lnSpc>
@@ -11575,11 +11854,11 @@
 </file>
 
 <file path=ppt/slides/slide2.xml><?xml version="1.0" encoding="utf-8"?>
-<p:sld xmlns:a="http://schemas.openxmlformats.org/drawingml/2006/main" xmlns:r="http://schemas.openxmlformats.org/officeDocument/2006/relationships" xmlns:mc="http://schemas.openxmlformats.org/markup-compatibility/2006" xmlns:mv="urn:schemas-microsoft-com:mac:vml" xmlns:p="http://schemas.openxmlformats.org/presentationml/2006/main" xmlns:c="http://schemas.openxmlformats.org/drawingml/2006/chart" xmlns:dgm="http://schemas.openxmlformats.org/drawingml/2006/diagram" xmlns:o="urn:schemas-microsoft-com:office:office" xmlns:v="urn:schemas-microsoft-com:vml" xmlns:pvml="urn:schemas-microsoft-com:office:powerpoint" xmlns:com="http://schemas.openxmlformats.org/drawingml/2006/compatibility" xmlns:p14="http://schemas.microsoft.com/office/powerpoint/2010/main" xmlns:p15="http://schemas.microsoft.com/office/powerpoint/2012/main">
+<p:sld xmlns:a="http://schemas.openxmlformats.org/drawingml/2006/main" xmlns:r="http://schemas.openxmlformats.org/officeDocument/2006/relationships" xmlns:p="http://schemas.openxmlformats.org/presentationml/2006/main">
   <p:cSld>
     <p:spTree>
       <p:nvGrpSpPr>
-        <p:cNvPr id="91" name="Shape 91"/>
+        <p:cNvPr id="1" name="Shape 91"/>
         <p:cNvGrpSpPr/>
         <p:nvPr/>
       </p:nvGrpSpPr>
@@ -11594,7 +11873,9 @@
       <p:sp>
         <p:nvSpPr>
           <p:cNvPr id="92" name="Google Shape;92;p2"/>
-          <p:cNvSpPr txBox="1"/>
+          <p:cNvSpPr txBox="1">
+            <a:spLocks noGrp="1"/>
+          </p:cNvSpPr>
           <p:nvPr>
             <p:ph type="title"/>
           </p:nvPr>
@@ -11613,12 +11894,12 @@
           </a:ln>
         </p:spPr>
         <p:txBody>
-          <a:bodyPr anchorCtr="0" anchor="ctr" bIns="45700" lIns="91425" spcFirstLastPara="1" rIns="91425" wrap="square" tIns="45700">
+          <a:bodyPr spcFirstLastPara="1" wrap="square" lIns="91425" tIns="45700" rIns="91425" bIns="45700" anchor="ctr" anchorCtr="0">
             <a:normAutofit/>
           </a:bodyPr>
           <a:lstStyle/>
           <a:p>
-            <a:pPr indent="0" lvl="0" marL="0" rtl="0" algn="l">
+            <a:pPr marL="0" lvl="0" indent="0" algn="l" rtl="0">
               <a:lnSpc>
                 <a:spcPct val="90000"/>
               </a:lnSpc>
@@ -11651,12 +11932,12 @@
         </p:nvGraphicFramePr>
         <p:xfrm>
           <a:off x="838200" y="1825625"/>
-          <a:ext cx="3000000" cy="3000000"/>
+          <a:ext cx="10515600" cy="3236040"/>
         </p:xfrm>
         <a:graphic>
           <a:graphicData uri="http://schemas.openxmlformats.org/drawingml/2006/table">
             <a:tbl>
-              <a:tblPr bandRow="1" firstCol="1">
+              <a:tblPr firstCol="1" bandRow="1">
                 <a:noFill/>
                 <a:tableStyleId>{A80E6858-17AD-4EB7-BFA8-E259357A9330}</a:tableStyleId>
               </a:tblPr>
@@ -11670,7 +11951,7 @@
                     <a:bodyPr/>
                     <a:lstStyle/>
                     <a:p>
-                      <a:pPr indent="0" lvl="0" marL="0" marR="0" rtl="0" algn="l">
+                      <a:pPr marL="0" marR="0" lvl="0" indent="0" algn="l" rtl="0">
                         <a:spcBef>
                           <a:spcPts val="0"/>
                         </a:spcBef>
@@ -11680,20 +11961,20 @@
                         <a:buNone/>
                       </a:pPr>
                       <a:r>
-                        <a:rPr lang="it-IT" sz="1800" u="none" cap="none" strike="noStrike"/>
+                        <a:rPr lang="it-IT" sz="1800" u="none" strike="noStrike" cap="none"/>
                         <a:t>ID</a:t>
                       </a:r>
                       <a:endParaRPr/>
                     </a:p>
                   </a:txBody>
-                  <a:tcPr marT="45725" marB="45725" marR="91450" marL="91450"/>
+                  <a:tcPr marL="91450" marR="91450" marT="45725" marB="45725"/>
                 </a:tc>
                 <a:tc>
                   <a:txBody>
                     <a:bodyPr/>
                     <a:lstStyle/>
                     <a:p>
-                      <a:pPr indent="0" lvl="0" marL="0" marR="0" rtl="0" algn="l">
+                      <a:pPr marL="0" marR="0" lvl="0" indent="0" algn="l" rtl="0">
                         <a:spcBef>
                           <a:spcPts val="0"/>
                         </a:spcBef>
@@ -11709,7 +11990,7 @@
                       <a:endParaRPr sz="1800"/>
                     </a:p>
                   </a:txBody>
-                  <a:tcPr marT="45725" marB="45725" marR="91450" marL="91450"/>
+                  <a:tcPr marL="91450" marR="91450" marT="45725" marB="45725"/>
                 </a:tc>
               </a:tr>
               <a:tr h="370850">
@@ -11718,7 +11999,7 @@
                     <a:bodyPr/>
                     <a:lstStyle/>
                     <a:p>
-                      <a:pPr indent="0" lvl="0" marL="0" marR="0" rtl="0" algn="l">
+                      <a:pPr marL="0" marR="0" lvl="0" indent="0" algn="l" rtl="0">
                         <a:spcBef>
                           <a:spcPts val="0"/>
                         </a:spcBef>
@@ -11734,14 +12015,14 @@
                       <a:endParaRPr/>
                     </a:p>
                   </a:txBody>
-                  <a:tcPr marT="45725" marB="45725" marR="91450" marL="91450"/>
+                  <a:tcPr marL="91450" marR="91450" marT="45725" marB="45725"/>
                 </a:tc>
                 <a:tc>
                   <a:txBody>
                     <a:bodyPr/>
                     <a:lstStyle/>
                     <a:p>
-                      <a:pPr indent="0" lvl="0" marL="0" marR="0" rtl="0" algn="l">
+                      <a:pPr marL="0" marR="0" lvl="0" indent="0" algn="l" rtl="0">
                         <a:spcBef>
                           <a:spcPts val="0"/>
                         </a:spcBef>
@@ -11757,7 +12038,7 @@
                       <a:endParaRPr sz="1800"/>
                     </a:p>
                   </a:txBody>
-                  <a:tcPr marT="45725" marB="45725" marR="91450" marL="91450"/>
+                  <a:tcPr marL="91450" marR="91450" marT="45725" marB="45725"/>
                 </a:tc>
               </a:tr>
               <a:tr h="370850">
@@ -11766,7 +12047,7 @@
                     <a:bodyPr/>
                     <a:lstStyle/>
                     <a:p>
-                      <a:pPr indent="0" lvl="0" marL="0" marR="0" rtl="0" algn="l">
+                      <a:pPr marL="0" marR="0" lvl="0" indent="0" algn="l" rtl="0">
                         <a:spcBef>
                           <a:spcPts val="0"/>
                         </a:spcBef>
@@ -11782,14 +12063,14 @@
                       <a:endParaRPr/>
                     </a:p>
                   </a:txBody>
-                  <a:tcPr marT="45725" marB="45725" marR="91450" marL="91450"/>
+                  <a:tcPr marL="91450" marR="91450" marT="45725" marB="45725"/>
                 </a:tc>
                 <a:tc>
                   <a:txBody>
                     <a:bodyPr/>
                     <a:lstStyle/>
                     <a:p>
-                      <a:pPr indent="0" lvl="0" marL="0" marR="0" rtl="0" algn="l">
+                      <a:pPr marL="0" marR="0" lvl="0" indent="0" algn="l" rtl="0">
                         <a:spcBef>
                           <a:spcPts val="0"/>
                         </a:spcBef>
@@ -11805,7 +12086,7 @@
                       <a:endParaRPr sz="1800"/>
                     </a:p>
                   </a:txBody>
-                  <a:tcPr marT="45725" marB="45725" marR="91450" marL="91450"/>
+                  <a:tcPr marL="91450" marR="91450" marT="45725" marB="45725"/>
                 </a:tc>
               </a:tr>
               <a:tr h="370850">
@@ -11814,7 +12095,7 @@
                     <a:bodyPr/>
                     <a:lstStyle/>
                     <a:p>
-                      <a:pPr indent="0" lvl="0" marL="0" marR="0" rtl="0" algn="l">
+                      <a:pPr marL="0" marR="0" lvl="0" indent="0" algn="l" rtl="0">
                         <a:spcBef>
                           <a:spcPts val="0"/>
                         </a:spcBef>
@@ -11830,14 +12111,14 @@
                       <a:endParaRPr/>
                     </a:p>
                   </a:txBody>
-                  <a:tcPr marT="45725" marB="45725" marR="91450" marL="91450"/>
+                  <a:tcPr marL="91450" marR="91450" marT="45725" marB="45725"/>
                 </a:tc>
                 <a:tc>
                   <a:txBody>
                     <a:bodyPr/>
                     <a:lstStyle/>
                     <a:p>
-                      <a:pPr indent="0" lvl="0" marL="0" marR="0" rtl="0" algn="l">
+                      <a:pPr marL="0" marR="0" lvl="0" indent="0" algn="l" rtl="0">
                         <a:spcBef>
                           <a:spcPts val="0"/>
                         </a:spcBef>
@@ -11846,13 +12127,10 @@
                         </a:spcAft>
                         <a:buNone/>
                       </a:pPr>
-                      <a:r>
-                        <a:t/>
-                      </a:r>
                       <a:endParaRPr sz="1800"/>
                     </a:p>
                   </a:txBody>
-                  <a:tcPr marT="45725" marB="45725" marR="91450" marL="91450"/>
+                  <a:tcPr marL="91450" marR="91450" marT="45725" marB="45725"/>
                 </a:tc>
               </a:tr>
               <a:tr h="370850">
@@ -11861,7 +12139,7 @@
                     <a:bodyPr/>
                     <a:lstStyle/>
                     <a:p>
-                      <a:pPr indent="0" lvl="0" marL="0" marR="0" rtl="0" algn="l">
+                      <a:pPr marL="0" marR="0" lvl="0" indent="0" algn="l" rtl="0">
                         <a:spcBef>
                           <a:spcPts val="0"/>
                         </a:spcBef>
@@ -11877,14 +12155,14 @@
                       <a:endParaRPr/>
                     </a:p>
                   </a:txBody>
-                  <a:tcPr marT="45725" marB="45725" marR="91450" marL="91450"/>
+                  <a:tcPr marL="91450" marR="91450" marT="45725" marB="45725"/>
                 </a:tc>
                 <a:tc>
                   <a:txBody>
                     <a:bodyPr/>
                     <a:lstStyle/>
                     <a:p>
-                      <a:pPr indent="0" lvl="0" marL="0" marR="0" rtl="0" algn="l">
+                      <a:pPr marL="0" marR="0" lvl="0" indent="0" algn="l" rtl="0">
                         <a:spcBef>
                           <a:spcPts val="0"/>
                         </a:spcBef>
@@ -11893,13 +12171,10 @@
                         </a:spcAft>
                         <a:buNone/>
                       </a:pPr>
-                      <a:r>
-                        <a:t/>
-                      </a:r>
                       <a:endParaRPr sz="1800"/>
                     </a:p>
                   </a:txBody>
-                  <a:tcPr marT="45725" marB="45725" marR="91450" marL="91450"/>
+                  <a:tcPr marL="91450" marR="91450" marT="45725" marB="45725"/>
                 </a:tc>
               </a:tr>
               <a:tr h="370850">
@@ -11908,7 +12183,7 @@
                     <a:bodyPr/>
                     <a:lstStyle/>
                     <a:p>
-                      <a:pPr indent="0" lvl="0" marL="0" marR="0" rtl="0" algn="l">
+                      <a:pPr marL="0" marR="0" lvl="0" indent="0" algn="l" rtl="0">
                         <a:spcBef>
                           <a:spcPts val="0"/>
                         </a:spcBef>
@@ -11924,14 +12199,14 @@
                       <a:endParaRPr/>
                     </a:p>
                   </a:txBody>
-                  <a:tcPr marT="45725" marB="45725" marR="91450" marL="91450"/>
+                  <a:tcPr marL="91450" marR="91450" marT="45725" marB="45725"/>
                 </a:tc>
                 <a:tc>
                   <a:txBody>
                     <a:bodyPr/>
                     <a:lstStyle/>
                     <a:p>
-                      <a:pPr indent="0" lvl="0" marL="0" marR="0" rtl="0" algn="l">
+                      <a:pPr marL="0" marR="0" lvl="0" indent="0" algn="l" rtl="0">
                         <a:spcBef>
                           <a:spcPts val="0"/>
                         </a:spcBef>
@@ -11940,13 +12215,10 @@
                         </a:spcAft>
                         <a:buNone/>
                       </a:pPr>
-                      <a:r>
-                        <a:t/>
-                      </a:r>
                       <a:endParaRPr sz="1800"/>
                     </a:p>
                   </a:txBody>
-                  <a:tcPr marT="45725" marB="45725" marR="91450" marL="91450"/>
+                  <a:tcPr marL="91450" marR="91450" marT="45725" marB="45725"/>
                 </a:tc>
               </a:tr>
               <a:tr h="370850">
@@ -11955,7 +12227,7 @@
                     <a:bodyPr/>
                     <a:lstStyle/>
                     <a:p>
-                      <a:pPr indent="0" lvl="0" marL="0" marR="0" rtl="0" algn="l">
+                      <a:pPr marL="0" marR="0" lvl="0" indent="0" algn="l" rtl="0">
                         <a:spcBef>
                           <a:spcPts val="0"/>
                         </a:spcBef>
@@ -11971,14 +12243,14 @@
                       <a:endParaRPr/>
                     </a:p>
                   </a:txBody>
-                  <a:tcPr marT="45725" marB="45725" marR="91450" marL="91450"/>
+                  <a:tcPr marL="91450" marR="91450" marT="45725" marB="45725"/>
                 </a:tc>
                 <a:tc>
                   <a:txBody>
                     <a:bodyPr/>
                     <a:lstStyle/>
                     <a:p>
-                      <a:pPr indent="0" lvl="0" marL="0" marR="0" rtl="0" algn="l">
+                      <a:pPr marL="0" marR="0" lvl="0" indent="0" algn="l" rtl="0">
                         <a:spcBef>
                           <a:spcPts val="0"/>
                         </a:spcBef>
@@ -11994,7 +12266,7 @@
                       <a:endParaRPr sz="1800"/>
                     </a:p>
                   </a:txBody>
-                  <a:tcPr marT="45725" marB="45725" marR="91450" marL="91450"/>
+                  <a:tcPr marL="91450" marR="91450" marT="45725" marB="45725"/>
                 </a:tc>
               </a:tr>
               <a:tr h="370850">
@@ -12003,7 +12275,7 @@
                     <a:bodyPr/>
                     <a:lstStyle/>
                     <a:p>
-                      <a:pPr indent="0" lvl="0" marL="0" marR="0" rtl="0" algn="l">
+                      <a:pPr marL="0" marR="0" lvl="0" indent="0" algn="l" rtl="0">
                         <a:spcBef>
                           <a:spcPts val="0"/>
                         </a:spcBef>
@@ -12019,14 +12291,14 @@
                       <a:endParaRPr/>
                     </a:p>
                   </a:txBody>
-                  <a:tcPr marT="45725" marB="45725" marR="91450" marL="91450"/>
+                  <a:tcPr marL="91450" marR="91450" marT="45725" marB="45725"/>
                 </a:tc>
                 <a:tc>
                   <a:txBody>
                     <a:bodyPr/>
                     <a:lstStyle/>
                     <a:p>
-                      <a:pPr indent="0" lvl="0" marL="0" marR="0" rtl="0" algn="l">
+                      <a:pPr marL="0" marR="0" lvl="0" indent="0" algn="l" rtl="0">
                         <a:spcBef>
                           <a:spcPts val="0"/>
                         </a:spcBef>
@@ -12035,13 +12307,10 @@
                         </a:spcAft>
                         <a:buNone/>
                       </a:pPr>
-                      <a:r>
-                        <a:t/>
-                      </a:r>
                       <a:endParaRPr sz="1800"/>
                     </a:p>
                   </a:txBody>
-                  <a:tcPr marT="45725" marB="45725" marR="91450" marL="91450"/>
+                  <a:tcPr marL="91450" marR="91450" marT="45725" marB="45725"/>
                 </a:tc>
               </a:tr>
             </a:tbl>
@@ -12050,7 +12319,7 @@
       </p:graphicFrame>
       <p:pic>
         <p:nvPicPr>
-          <p:cNvPr descr="Informazioni" id="94" name="Google Shape;94;p2"/>
+          <p:cNvPr id="94" name="Google Shape;94;p2" descr="Informazioni"/>
           <p:cNvPicPr preferRelativeResize="0"/>
           <p:nvPr/>
         </p:nvPicPr>
@@ -12058,7 +12327,7 @@
           <a:blip r:embed="rId3">
             <a:alphaModFix/>
           </a:blip>
-          <a:srcRect b="0" l="0" r="0" t="0"/>
+          <a:srcRect/>
           <a:stretch/>
         </p:blipFill>
         <p:spPr>
@@ -12084,11 +12353,11 @@
 </file>
 
 <file path=ppt/slides/slide3.xml><?xml version="1.0" encoding="utf-8"?>
-<p:sld xmlns:a="http://schemas.openxmlformats.org/drawingml/2006/main" xmlns:r="http://schemas.openxmlformats.org/officeDocument/2006/relationships" xmlns:mc="http://schemas.openxmlformats.org/markup-compatibility/2006" xmlns:mv="urn:schemas-microsoft-com:mac:vml" xmlns:p="http://schemas.openxmlformats.org/presentationml/2006/main" xmlns:c="http://schemas.openxmlformats.org/drawingml/2006/chart" xmlns:dgm="http://schemas.openxmlformats.org/drawingml/2006/diagram" xmlns:o="urn:schemas-microsoft-com:office:office" xmlns:v="urn:schemas-microsoft-com:vml" xmlns:pvml="urn:schemas-microsoft-com:office:powerpoint" xmlns:com="http://schemas.openxmlformats.org/drawingml/2006/compatibility" xmlns:p14="http://schemas.microsoft.com/office/powerpoint/2010/main" xmlns:p15="http://schemas.microsoft.com/office/powerpoint/2012/main">
+<p:sld xmlns:a="http://schemas.openxmlformats.org/drawingml/2006/main" xmlns:r="http://schemas.openxmlformats.org/officeDocument/2006/relationships" xmlns:p="http://schemas.openxmlformats.org/presentationml/2006/main">
   <p:cSld>
     <p:spTree>
       <p:nvGrpSpPr>
-        <p:cNvPr id="98" name="Shape 98"/>
+        <p:cNvPr id="1" name="Shape 98"/>
         <p:cNvGrpSpPr/>
         <p:nvPr/>
       </p:nvGrpSpPr>
@@ -12103,7 +12372,9 @@
       <p:sp>
         <p:nvSpPr>
           <p:cNvPr id="99" name="Google Shape;99;p3"/>
-          <p:cNvSpPr txBox="1"/>
+          <p:cNvSpPr txBox="1">
+            <a:spLocks noGrp="1"/>
+          </p:cNvSpPr>
           <p:nvPr>
             <p:ph type="title"/>
           </p:nvPr>
@@ -12122,12 +12393,12 @@
           </a:ln>
         </p:spPr>
         <p:txBody>
-          <a:bodyPr anchorCtr="0" anchor="ctr" bIns="45700" lIns="91425" spcFirstLastPara="1" rIns="91425" wrap="square" tIns="45700">
+          <a:bodyPr spcFirstLastPara="1" wrap="square" lIns="91425" tIns="45700" rIns="91425" bIns="45700" anchor="ctr" anchorCtr="0">
             <a:normAutofit/>
           </a:bodyPr>
           <a:lstStyle/>
           <a:p>
-            <a:pPr indent="0" lvl="0" marL="0" rtl="0" algn="l">
+            <a:pPr marL="0" lvl="0" indent="0" algn="l" rtl="0">
               <a:lnSpc>
                 <a:spcPct val="90000"/>
               </a:lnSpc>
@@ -12156,16 +12427,22 @@
         <p:nvGraphicFramePr>
           <p:cNvPr id="100" name="Google Shape;100;p3"/>
           <p:cNvGraphicFramePr/>
-          <p:nvPr/>
+          <p:nvPr>
+            <p:extLst>
+              <p:ext uri="{D42A27DB-BD31-4B8C-83A1-F6EECF244321}">
+                <p14:modId xmlns:p14="http://schemas.microsoft.com/office/powerpoint/2010/main" val="512392375"/>
+              </p:ext>
+            </p:extLst>
+          </p:nvPr>
         </p:nvGraphicFramePr>
         <p:xfrm>
           <a:off x="838200" y="1825625"/>
-          <a:ext cx="3000000" cy="3000000"/>
+          <a:ext cx="10515600" cy="2590870"/>
         </p:xfrm>
         <a:graphic>
           <a:graphicData uri="http://schemas.openxmlformats.org/drawingml/2006/table">
             <a:tbl>
-              <a:tblPr bandRow="1" firstCol="1">
+              <a:tblPr firstCol="1" bandRow="1">
                 <a:noFill/>
                 <a:tableStyleId>{A80E6858-17AD-4EB7-BFA8-E259357A9330}</a:tableStyleId>
               </a:tblPr>
@@ -12179,7 +12456,30 @@
                     <a:bodyPr/>
                     <a:lstStyle/>
                     <a:p>
-                      <a:pPr indent="0" lvl="0" marL="0" marR="0" rtl="0" algn="l">
+                      <a:pPr marL="0" marR="0" lvl="0" indent="0" algn="l" rtl="0">
+                        <a:spcBef>
+                          <a:spcPts val="0"/>
+                        </a:spcBef>
+                        <a:spcAft>
+                          <a:spcPts val="0"/>
+                        </a:spcAft>
+                        <a:buNone/>
+                      </a:pPr>
+                      <a:r>
+                        <a:rPr lang="it-IT" sz="1800" dirty="0"/>
+                        <a:t>Trigger</a:t>
+                      </a:r>
+                      <a:endParaRPr dirty="0"/>
+                    </a:p>
+                  </a:txBody>
+                  <a:tcPr marL="91450" marR="91450" marT="45725" marB="45725"/>
+                </a:tc>
+                <a:tc>
+                  <a:txBody>
+                    <a:bodyPr/>
+                    <a:lstStyle/>
+                    <a:p>
+                      <a:pPr marL="0" marR="0" lvl="0" indent="0" algn="l" rtl="0">
                         <a:spcBef>
                           <a:spcPts val="0"/>
                         </a:spcBef>
@@ -12190,43 +12490,12 @@
                       </a:pPr>
                       <a:r>
                         <a:rPr lang="it-IT" sz="1800"/>
-                        <a:t>Trigger</a:t>
-                      </a:r>
-                      <a:endParaRPr/>
-                    </a:p>
-                  </a:txBody>
-                  <a:tcPr marT="45725" marB="45725" marR="91450" marL="91450"/>
-                </a:tc>
-                <a:tc>
-                  <a:txBody>
-                    <a:bodyPr/>
-                    <a:lstStyle/>
-                    <a:p>
-                      <a:pPr indent="0" lvl="0" marL="0" marR="0" rtl="0" algn="l">
-                        <a:spcBef>
-                          <a:spcPts val="0"/>
-                        </a:spcBef>
-                        <a:spcAft>
-                          <a:spcPts val="0"/>
-                        </a:spcAft>
-                        <a:buNone/>
-                      </a:pPr>
-                      <a:r>
-                        <a:rPr lang="it-IT" sz="1800"/>
-                        <a:t>L’utente</a:t>
-                      </a:r>
-                      <a:r>
-                        <a:rPr lang="it-IT" sz="1800"/>
-                        <a:t> </a:t>
-                      </a:r>
-                      <a:r>
-                        <a:rPr lang="it-IT" sz="1800"/>
-                        <a:t>conferma il pagamento</a:t>
+                        <a:t>L’utente conferma il pagamento</a:t>
                       </a:r>
                       <a:endParaRPr sz="1800"/>
                     </a:p>
                   </a:txBody>
-                  <a:tcPr marT="45725" marB="45725" marR="91450" marL="91450"/>
+                  <a:tcPr marL="91450" marR="91450" marT="45725" marB="45725"/>
                 </a:tc>
               </a:tr>
               <a:tr h="370850">
@@ -12235,7 +12504,7 @@
                     <a:bodyPr/>
                     <a:lstStyle/>
                     <a:p>
-                      <a:pPr indent="0" lvl="0" marL="0" marR="0" rtl="0" algn="l">
+                      <a:pPr marL="0" marR="0" lvl="0" indent="0" algn="l" rtl="0">
                         <a:spcBef>
                           <a:spcPts val="0"/>
                         </a:spcBef>
@@ -12251,14 +12520,14 @@
                       <a:endParaRPr/>
                     </a:p>
                   </a:txBody>
-                  <a:tcPr marT="45725" marB="45725" marR="91450" marL="91450"/>
+                  <a:tcPr marL="91450" marR="91450" marT="45725" marB="45725"/>
                 </a:tc>
                 <a:tc>
                   <a:txBody>
                     <a:bodyPr/>
                     <a:lstStyle/>
                     <a:p>
-                      <a:pPr indent="0" lvl="0" marL="0" marR="0" rtl="0" algn="l">
+                      <a:pPr marL="0" marR="0" lvl="0" indent="0" algn="l" rtl="0">
                         <a:spcBef>
                           <a:spcPts val="0"/>
                         </a:spcBef>
@@ -12268,13 +12537,13 @@
                         <a:buNone/>
                       </a:pPr>
                       <a:r>
-                        <a:rPr lang="it-IT" sz="1800"/>
-                        <a:t>Bassa</a:t>
+                        <a:rPr lang="it-IT" sz="1800" dirty="0" smtClean="0"/>
+                        <a:t>Media</a:t>
                       </a:r>
-                      <a:endParaRPr sz="1800"/>
+                      <a:endParaRPr sz="1800" dirty="0"/>
                     </a:p>
                   </a:txBody>
-                  <a:tcPr marT="45725" marB="45725" marR="91450" marL="91450"/>
+                  <a:tcPr marL="91450" marR="91450" marT="45725" marB="45725"/>
                 </a:tc>
               </a:tr>
               <a:tr h="370850">
@@ -12283,7 +12552,7 @@
                     <a:bodyPr/>
                     <a:lstStyle/>
                     <a:p>
-                      <a:pPr indent="0" lvl="0" marL="0" marR="0" rtl="0" algn="l">
+                      <a:pPr marL="0" marR="0" lvl="0" indent="0" algn="l" rtl="0">
                         <a:spcBef>
                           <a:spcPts val="0"/>
                         </a:spcBef>
@@ -12299,14 +12568,14 @@
                       <a:endParaRPr/>
                     </a:p>
                   </a:txBody>
-                  <a:tcPr marT="45725" marB="45725" marR="91450" marL="91450"/>
+                  <a:tcPr marL="91450" marR="91450" marT="45725" marB="45725"/>
                 </a:tc>
                 <a:tc>
                   <a:txBody>
                     <a:bodyPr/>
                     <a:lstStyle/>
                     <a:p>
-                      <a:pPr indent="0" lvl="0" marL="0" marR="0" rtl="0" algn="l">
+                      <a:pPr marL="0" marR="0" lvl="0" indent="0" algn="l" rtl="0">
                         <a:spcBef>
                           <a:spcPts val="0"/>
                         </a:spcBef>
@@ -12322,7 +12591,7 @@
                       <a:endParaRPr sz="1800"/>
                     </a:p>
                   </a:txBody>
-                  <a:tcPr marT="45725" marB="45725" marR="91450" marL="91450"/>
+                  <a:tcPr marL="91450" marR="91450" marT="45725" marB="45725"/>
                 </a:tc>
               </a:tr>
               <a:tr h="354000">
@@ -12331,7 +12600,7 @@
                     <a:bodyPr/>
                     <a:lstStyle/>
                     <a:p>
-                      <a:pPr indent="0" lvl="0" marL="0" marR="0" rtl="0" algn="l">
+                      <a:pPr marL="0" marR="0" lvl="0" indent="0" algn="l" rtl="0">
                         <a:spcBef>
                           <a:spcPts val="0"/>
                         </a:spcBef>
@@ -12347,14 +12616,14 @@
                       <a:endParaRPr/>
                     </a:p>
                   </a:txBody>
-                  <a:tcPr marT="45725" marB="45725" marR="91450" marL="91450"/>
+                  <a:tcPr marL="91450" marR="91450" marT="45725" marB="45725"/>
                 </a:tc>
                 <a:tc>
                   <a:txBody>
                     <a:bodyPr/>
                     <a:lstStyle/>
                     <a:p>
-                      <a:pPr indent="0" lvl="0" marL="0" marR="0" rtl="0" algn="l">
+                      <a:pPr marL="0" marR="0" lvl="0" indent="0" algn="l" rtl="0">
                         <a:spcBef>
                           <a:spcPts val="0"/>
                         </a:spcBef>
@@ -12370,7 +12639,7 @@
                       <a:endParaRPr sz="1800"/>
                     </a:p>
                   </a:txBody>
-                  <a:tcPr marT="45725" marB="45725" marR="91450" marL="91450"/>
+                  <a:tcPr marL="91450" marR="91450" marT="45725" marB="45725"/>
                 </a:tc>
               </a:tr>
               <a:tr h="370850">
@@ -12379,7 +12648,7 @@
                     <a:bodyPr/>
                     <a:lstStyle/>
                     <a:p>
-                      <a:pPr indent="0" lvl="0" marL="0" marR="0" rtl="0" algn="l">
+                      <a:pPr marL="0" marR="0" lvl="0" indent="0" algn="l" rtl="0">
                         <a:spcBef>
                           <a:spcPts val="0"/>
                         </a:spcBef>
@@ -12395,14 +12664,14 @@
                       <a:endParaRPr/>
                     </a:p>
                   </a:txBody>
-                  <a:tcPr marT="45725" marB="45725" marR="91450" marL="91450"/>
+                  <a:tcPr marL="91450" marR="91450" marT="45725" marB="45725"/>
                 </a:tc>
                 <a:tc>
                   <a:txBody>
                     <a:bodyPr/>
                     <a:lstStyle/>
                     <a:p>
-                      <a:pPr indent="0" lvl="0" marL="0" marR="0" rtl="0" algn="l">
+                      <a:pPr marL="0" marR="0" lvl="0" indent="0" algn="l" rtl="0">
                         <a:spcBef>
                           <a:spcPts val="0"/>
                         </a:spcBef>
@@ -12411,13 +12680,10 @@
                         </a:spcAft>
                         <a:buNone/>
                       </a:pPr>
-                      <a:r>
-                        <a:t/>
-                      </a:r>
                       <a:endParaRPr sz="1800"/>
                     </a:p>
                   </a:txBody>
-                  <a:tcPr marT="45725" marB="45725" marR="91450" marL="91450"/>
+                  <a:tcPr marL="91450" marR="91450" marT="45725" marB="45725"/>
                 </a:tc>
               </a:tr>
               <a:tr h="370850">
@@ -12426,7 +12692,7 @@
                     <a:bodyPr/>
                     <a:lstStyle/>
                     <a:p>
-                      <a:pPr indent="0" lvl="0" marL="0" marR="0" rtl="0" algn="l">
+                      <a:pPr marL="0" marR="0" lvl="0" indent="0" algn="l" rtl="0">
                         <a:spcBef>
                           <a:spcPts val="0"/>
                         </a:spcBef>
@@ -12442,14 +12708,14 @@
                       <a:endParaRPr/>
                     </a:p>
                   </a:txBody>
-                  <a:tcPr marT="45725" marB="45725" marR="91450" marL="91450"/>
+                  <a:tcPr marL="91450" marR="91450" marT="45725" marB="45725"/>
                 </a:tc>
                 <a:tc>
                   <a:txBody>
                     <a:bodyPr/>
                     <a:lstStyle/>
                     <a:p>
-                      <a:pPr indent="0" lvl="0" marL="0" marR="0" rtl="0" algn="l">
+                      <a:pPr marL="0" marR="0" lvl="0" indent="0" algn="l" rtl="0">
                         <a:spcBef>
                           <a:spcPts val="0"/>
                         </a:spcBef>
@@ -12460,20 +12726,12 @@
                       </a:pPr>
                       <a:r>
                         <a:rPr lang="it-IT" sz="1800"/>
-                        <a:t>L’utente deve avere </a:t>
-                      </a:r>
-                      <a:r>
-                        <a:rPr lang="it-IT" sz="1800"/>
-                        <a:t>effettuato</a:t>
-                      </a:r>
-                      <a:r>
-                        <a:rPr lang="it-IT" sz="1800"/>
-                        <a:t> un pagamento</a:t>
+                        <a:t>L’utente deve avere effettuato un pagamento</a:t>
                       </a:r>
                       <a:endParaRPr sz="1800"/>
                     </a:p>
                   </a:txBody>
-                  <a:tcPr marT="45725" marB="45725" marR="91450" marL="91450"/>
+                  <a:tcPr marL="91450" marR="91450" marT="45725" marB="45725"/>
                 </a:tc>
               </a:tr>
               <a:tr h="370850">
@@ -12482,7 +12740,7 @@
                     <a:bodyPr/>
                     <a:lstStyle/>
                     <a:p>
-                      <a:pPr indent="0" lvl="0" marL="0" marR="0" rtl="0" algn="l">
+                      <a:pPr marL="0" marR="0" lvl="0" indent="0" algn="l" rtl="0">
                         <a:spcBef>
                           <a:spcPts val="0"/>
                         </a:spcBef>
@@ -12498,14 +12756,14 @@
                       <a:endParaRPr/>
                     </a:p>
                   </a:txBody>
-                  <a:tcPr marT="45725" marB="45725" marR="91450" marL="91450"/>
+                  <a:tcPr marL="91450" marR="91450" marT="45725" marB="45725"/>
                 </a:tc>
                 <a:tc>
                   <a:txBody>
                     <a:bodyPr/>
                     <a:lstStyle/>
                     <a:p>
-                      <a:pPr indent="0" lvl="0" marL="0" marR="0" rtl="0" algn="l">
+                      <a:pPr marL="0" marR="0" lvl="0" indent="0" algn="l" rtl="0">
                         <a:spcBef>
                           <a:spcPts val="0"/>
                         </a:spcBef>
@@ -12521,7 +12779,7 @@
                       <a:endParaRPr sz="1800"/>
                     </a:p>
                   </a:txBody>
-                  <a:tcPr marT="45725" marB="45725" marR="91450" marL="91450"/>
+                  <a:tcPr marL="91450" marR="91450" marT="45725" marB="45725"/>
                 </a:tc>
               </a:tr>
             </a:tbl>
@@ -12530,7 +12788,7 @@
       </p:graphicFrame>
       <p:pic>
         <p:nvPicPr>
-          <p:cNvPr descr="Alta tensione" id="101" name="Google Shape;101;p3"/>
+          <p:cNvPr id="101" name="Google Shape;101;p3" descr="Alta tensione"/>
           <p:cNvPicPr preferRelativeResize="0"/>
           <p:nvPr/>
         </p:nvPicPr>
@@ -12538,7 +12796,7 @@
           <a:blip r:embed="rId3">
             <a:alphaModFix/>
           </a:blip>
-          <a:srcRect b="0" l="0" r="0" t="0"/>
+          <a:srcRect/>
           <a:stretch/>
         </p:blipFill>
         <p:spPr>
@@ -12564,11 +12822,11 @@
 </file>
 
 <file path=ppt/slides/slide4.xml><?xml version="1.0" encoding="utf-8"?>
-<p:sld xmlns:a="http://schemas.openxmlformats.org/drawingml/2006/main" xmlns:r="http://schemas.openxmlformats.org/officeDocument/2006/relationships" xmlns:mc="http://schemas.openxmlformats.org/markup-compatibility/2006" xmlns:mv="urn:schemas-microsoft-com:mac:vml" xmlns:p="http://schemas.openxmlformats.org/presentationml/2006/main" xmlns:c="http://schemas.openxmlformats.org/drawingml/2006/chart" xmlns:dgm="http://schemas.openxmlformats.org/drawingml/2006/diagram" xmlns:o="urn:schemas-microsoft-com:office:office" xmlns:v="urn:schemas-microsoft-com:vml" xmlns:pvml="urn:schemas-microsoft-com:office:powerpoint" xmlns:com="http://schemas.openxmlformats.org/drawingml/2006/compatibility" xmlns:p14="http://schemas.microsoft.com/office/powerpoint/2010/main" xmlns:p15="http://schemas.microsoft.com/office/powerpoint/2012/main">
+<p:sld xmlns:a="http://schemas.openxmlformats.org/drawingml/2006/main" xmlns:r="http://schemas.openxmlformats.org/officeDocument/2006/relationships" xmlns:p="http://schemas.openxmlformats.org/presentationml/2006/main">
   <p:cSld>
     <p:spTree>
       <p:nvGrpSpPr>
-        <p:cNvPr id="105" name="Shape 105"/>
+        <p:cNvPr id="1" name="Shape 105"/>
         <p:cNvGrpSpPr/>
         <p:nvPr/>
       </p:nvGrpSpPr>
@@ -12583,7 +12841,9 @@
       <p:sp>
         <p:nvSpPr>
           <p:cNvPr id="106" name="Google Shape;106;p4"/>
-          <p:cNvSpPr txBox="1"/>
+          <p:cNvSpPr txBox="1">
+            <a:spLocks noGrp="1"/>
+          </p:cNvSpPr>
           <p:nvPr>
             <p:ph type="title"/>
           </p:nvPr>
@@ -12602,12 +12862,12 @@
           </a:ln>
         </p:spPr>
         <p:txBody>
-          <a:bodyPr anchorCtr="0" anchor="ctr" bIns="45700" lIns="91425" spcFirstLastPara="1" rIns="91425" wrap="square" tIns="45700">
+          <a:bodyPr spcFirstLastPara="1" wrap="square" lIns="91425" tIns="45700" rIns="91425" bIns="45700" anchor="ctr" anchorCtr="0">
             <a:normAutofit/>
           </a:bodyPr>
           <a:lstStyle/>
           <a:p>
-            <a:pPr indent="0" lvl="0" marL="0" rtl="0" algn="l">
+            <a:pPr marL="0" lvl="0" indent="0" algn="l" rtl="0">
               <a:lnSpc>
                 <a:spcPct val="90000"/>
               </a:lnSpc>
@@ -12636,16 +12896,22 @@
         <p:nvGraphicFramePr>
           <p:cNvPr id="107" name="Google Shape;107;p4"/>
           <p:cNvGraphicFramePr/>
-          <p:nvPr/>
+          <p:nvPr>
+            <p:extLst>
+              <p:ext uri="{D42A27DB-BD31-4B8C-83A1-F6EECF244321}">
+                <p14:modId xmlns:p14="http://schemas.microsoft.com/office/powerpoint/2010/main" val="139826487"/>
+              </p:ext>
+            </p:extLst>
+          </p:nvPr>
         </p:nvGraphicFramePr>
         <p:xfrm>
           <a:off x="838200" y="1825625"/>
-          <a:ext cx="3000000" cy="3000000"/>
+          <a:ext cx="10515600" cy="3566190"/>
         </p:xfrm>
         <a:graphic>
           <a:graphicData uri="http://schemas.openxmlformats.org/drawingml/2006/table">
             <a:tbl>
-              <a:tblPr bandRow="1" firstCol="1">
+              <a:tblPr firstCol="1" bandRow="1">
                 <a:noFill/>
                 <a:tableStyleId>{A80E6858-17AD-4EB7-BFA8-E259357A9330}</a:tableStyleId>
               </a:tblPr>
@@ -12659,7 +12925,7 @@
                     <a:bodyPr/>
                     <a:lstStyle/>
                     <a:p>
-                      <a:pPr indent="0" lvl="0" marL="0" marR="0" rtl="0" algn="l">
+                      <a:pPr marL="0" marR="0" lvl="0" indent="0" algn="l" rtl="0">
                         <a:spcBef>
                           <a:spcPts val="0"/>
                         </a:spcBef>
@@ -12669,20 +12935,20 @@
                         <a:buNone/>
                       </a:pPr>
                       <a:r>
-                        <a:rPr lang="it-IT" sz="1800"/>
+                        <a:rPr lang="it-IT" sz="1800" dirty="0"/>
                         <a:t>Flusso principale</a:t>
                       </a:r>
-                      <a:endParaRPr/>
+                      <a:endParaRPr dirty="0"/>
                     </a:p>
                   </a:txBody>
-                  <a:tcPr marT="45725" marB="45725" marR="91450" marL="91450"/>
+                  <a:tcPr marL="91450" marR="91450" marT="45725" marB="45725"/>
                 </a:tc>
                 <a:tc>
                   <a:txBody>
                     <a:bodyPr/>
                     <a:lstStyle/>
                     <a:p>
-                      <a:pPr indent="-342900" lvl="0" marL="457200" marR="0" rtl="0" algn="l">
+                      <a:pPr marL="457200" marR="0" lvl="0" indent="-342900" algn="l" rtl="0">
                         <a:spcBef>
                           <a:spcPts val="0"/>
                         </a:spcBef>
@@ -12699,7 +12965,7 @@
                       <a:endParaRPr sz="1800"/>
                     </a:p>
                     <a:p>
-                      <a:pPr indent="-342900" lvl="0" marL="457200" marR="0" rtl="0" algn="l">
+                      <a:pPr marL="457200" marR="0" lvl="0" indent="-342900" algn="l" rtl="0">
                         <a:spcBef>
                           <a:spcPts val="0"/>
                         </a:spcBef>
@@ -12716,7 +12982,7 @@
                       <a:endParaRPr sz="1800"/>
                     </a:p>
                     <a:p>
-                      <a:pPr indent="-342900" lvl="0" marL="457200" marR="0" rtl="0" algn="l">
+                      <a:pPr marL="457200" marR="0" lvl="0" indent="-342900" algn="l" rtl="0">
                         <a:spcBef>
                           <a:spcPts val="0"/>
                         </a:spcBef>
@@ -12733,7 +12999,7 @@
                       <a:endParaRPr sz="1800"/>
                     </a:p>
                     <a:p>
-                      <a:pPr indent="-342900" lvl="0" marL="457200" marR="0" rtl="0" algn="l">
+                      <a:pPr marL="457200" marR="0" lvl="0" indent="-342900" algn="l" rtl="0">
                         <a:spcBef>
                           <a:spcPts val="0"/>
                         </a:spcBef>
@@ -12750,7 +13016,7 @@
                       <a:endParaRPr sz="1800"/>
                     </a:p>
                     <a:p>
-                      <a:pPr indent="-342900" lvl="0" marL="457200" marR="0" rtl="0" algn="l">
+                      <a:pPr marL="457200" marR="0" lvl="0" indent="-342900" algn="l" rtl="0">
                         <a:spcBef>
                           <a:spcPts val="0"/>
                         </a:spcBef>
@@ -12767,7 +13033,7 @@
                       <a:endParaRPr sz="1800"/>
                     </a:p>
                     <a:p>
-                      <a:pPr indent="-342900" lvl="0" marL="457200" marR="0" rtl="0" algn="l">
+                      <a:pPr marL="457200" marR="0" lvl="0" indent="-342900" algn="l" rtl="0">
                         <a:spcBef>
                           <a:spcPts val="0"/>
                         </a:spcBef>
@@ -12784,7 +13050,7 @@
                       <a:endParaRPr sz="1800"/>
                     </a:p>
                   </a:txBody>
-                  <a:tcPr marT="45725" marB="45725" marR="91450" marL="91450"/>
+                  <a:tcPr marL="91450" marR="91450" marT="45725" marB="45725"/>
                 </a:tc>
               </a:tr>
               <a:tr h="370850">
@@ -12793,7 +13059,7 @@
                     <a:bodyPr/>
                     <a:lstStyle/>
                     <a:p>
-                      <a:pPr indent="0" lvl="0" marL="0" marR="0" rtl="0" algn="l">
+                      <a:pPr marL="0" marR="0" lvl="0" indent="0" algn="l" rtl="0">
                         <a:spcBef>
                           <a:spcPts val="0"/>
                         </a:spcBef>
@@ -12809,14 +13075,14 @@
                       <a:endParaRPr/>
                     </a:p>
                   </a:txBody>
-                  <a:tcPr marT="45725" marB="45725" marR="91450" marL="91450"/>
+                  <a:tcPr marL="91450" marR="91450" marT="45725" marB="45725"/>
                 </a:tc>
                 <a:tc>
                   <a:txBody>
                     <a:bodyPr/>
                     <a:lstStyle/>
                     <a:p>
-                      <a:pPr indent="0" lvl="0" marL="0" marR="0" rtl="0" algn="l">
+                      <a:pPr marL="0" marR="0" lvl="0" indent="0" algn="l" rtl="0">
                         <a:spcBef>
                           <a:spcPts val="0"/>
                         </a:spcBef>
@@ -12826,13 +13092,13 @@
                         <a:buNone/>
                       </a:pPr>
                       <a:r>
-                        <a:rPr lang="it-IT" sz="1800"/>
+                        <a:rPr lang="it-IT" sz="1800" dirty="0"/>
                         <a:t>Le credenziali non sono valide</a:t>
                       </a:r>
-                      <a:endParaRPr/>
+                      <a:endParaRPr dirty="0"/>
                     </a:p>
                     <a:p>
-                      <a:pPr indent="-342900" lvl="0" marL="457200" marR="0" rtl="0" algn="l">
+                      <a:pPr marL="457200" marR="0" lvl="0" indent="-342900" algn="l" rtl="0">
                         <a:spcBef>
                           <a:spcPts val="0"/>
                         </a:spcBef>
@@ -12843,13 +13109,13 @@
                         <a:buChar char="●"/>
                       </a:pPr>
                       <a:r>
-                        <a:rPr lang="it-IT" sz="1800"/>
+                        <a:rPr lang="it-IT" sz="1800" dirty="0"/>
                         <a:t>Mostra messaggio</a:t>
                       </a:r>
-                      <a:endParaRPr/>
+                      <a:endParaRPr dirty="0"/>
                     </a:p>
                     <a:p>
-                      <a:pPr indent="-342900" lvl="0" marL="457200" marR="0" rtl="0" algn="l">
+                      <a:pPr marL="457200" marR="0" lvl="0" indent="-342900" algn="l" rtl="0">
                         <a:spcBef>
                           <a:spcPts val="0"/>
                         </a:spcBef>
@@ -12860,13 +13126,13 @@
                         <a:buChar char="●"/>
                       </a:pPr>
                       <a:r>
-                        <a:rPr lang="it-IT" sz="1800"/>
+                        <a:rPr lang="it-IT" sz="1800" dirty="0"/>
                         <a:t>Ritorna al punto 1</a:t>
                       </a:r>
-                      <a:endParaRPr/>
+                      <a:endParaRPr dirty="0"/>
                     </a:p>
                   </a:txBody>
-                  <a:tcPr marT="45725" marB="45725" marR="91450" marL="91450"/>
+                  <a:tcPr marL="91450" marR="91450" marT="45725" marB="45725"/>
                 </a:tc>
               </a:tr>
               <a:tr h="370850">
@@ -12875,7 +13141,7 @@
                     <a:bodyPr/>
                     <a:lstStyle/>
                     <a:p>
-                      <a:pPr indent="0" lvl="0" marL="0" marR="0" rtl="0" algn="l">
+                      <a:pPr marL="0" marR="0" lvl="0" indent="0" algn="l" rtl="0">
                         <a:spcBef>
                           <a:spcPts val="0"/>
                         </a:spcBef>
@@ -12891,14 +13157,14 @@
                       <a:endParaRPr/>
                     </a:p>
                   </a:txBody>
-                  <a:tcPr marT="45725" marB="45725" marR="91450" marL="91450"/>
+                  <a:tcPr marL="91450" marR="91450" marT="45725" marB="45725"/>
                 </a:tc>
                 <a:tc>
                   <a:txBody>
                     <a:bodyPr/>
                     <a:lstStyle/>
                     <a:p>
-                      <a:pPr indent="0" lvl="0" marL="0" marR="0" rtl="0" algn="l">
+                      <a:pPr marL="0" marR="0" lvl="0" indent="0" algn="l" rtl="0">
                         <a:spcBef>
                           <a:spcPts val="0"/>
                         </a:spcBef>
@@ -12908,12 +13174,47 @@
                         <a:buNone/>
                       </a:pPr>
                       <a:r>
-                        <a:t/>
+                        <a:rPr lang="it-IT" sz="1800" dirty="0" smtClean="0"/>
+                        <a:t>Il pagamento</a:t>
                       </a:r>
-                      <a:endParaRPr/>
+                      <a:r>
+                        <a:rPr lang="it-IT" sz="1800" baseline="0" dirty="0" smtClean="0"/>
+                        <a:t> viene rifiutato</a:t>
+                      </a:r>
+                    </a:p>
+                    <a:p>
+                      <a:pPr marL="342900" marR="0" lvl="0" indent="-342900" algn="l" rtl="0">
+                        <a:spcBef>
+                          <a:spcPts val="0"/>
+                        </a:spcBef>
+                        <a:spcAft>
+                          <a:spcPts val="0"/>
+                        </a:spcAft>
+                        <a:buAutoNum type="arabicPeriod"/>
+                      </a:pPr>
+                      <a:r>
+                        <a:rPr lang="it-IT" sz="1800" baseline="0" dirty="0" smtClean="0"/>
+                        <a:t>Mostra messaggio</a:t>
+                      </a:r>
+                    </a:p>
+                    <a:p>
+                      <a:pPr marL="342900" marR="0" lvl="0" indent="-342900" algn="l" rtl="0">
+                        <a:spcBef>
+                          <a:spcPts val="0"/>
+                        </a:spcBef>
+                        <a:spcAft>
+                          <a:spcPts val="0"/>
+                        </a:spcAft>
+                        <a:buAutoNum type="arabicPeriod"/>
+                      </a:pPr>
+                      <a:r>
+                        <a:rPr lang="it-IT" sz="1800" baseline="0" dirty="0" smtClean="0"/>
+                        <a:t>Ritorna al punto 1</a:t>
+                      </a:r>
+                      <a:endParaRPr sz="1800" dirty="0"/>
                     </a:p>
                   </a:txBody>
-                  <a:tcPr marT="45725" marB="45725" marR="91450" marL="91450"/>
+                  <a:tcPr marL="91450" marR="91450" marT="45725" marB="45725"/>
                 </a:tc>
               </a:tr>
             </a:tbl>
@@ -12922,7 +13223,7 @@
       </p:graphicFrame>
       <p:pic>
         <p:nvPicPr>
-          <p:cNvPr descr="Flusso di lavoro" id="108" name="Google Shape;108;p4"/>
+          <p:cNvPr id="108" name="Google Shape;108;p4" descr="Flusso di lavoro"/>
           <p:cNvPicPr preferRelativeResize="0"/>
           <p:nvPr/>
         </p:nvPicPr>
@@ -12930,7 +13231,7 @@
           <a:blip r:embed="rId3">
             <a:alphaModFix/>
           </a:blip>
-          <a:srcRect b="0" l="0" r="0" t="0"/>
+          <a:srcRect/>
           <a:stretch/>
         </p:blipFill>
         <p:spPr>
@@ -12956,7 +13257,288 @@
 </file>
 
 <file path=ppt/theme/theme1.xml><?xml version="1.0" encoding="utf-8"?>
-<a:theme xmlns:a="http://schemas.openxmlformats.org/drawingml/2006/main" xmlns:r="http://schemas.openxmlformats.org/officeDocument/2006/relationships">
+<a:theme xmlns:a="http://schemas.openxmlformats.org/drawingml/2006/main" name="Tema di Office">
+  <a:themeElements>
+    <a:clrScheme name="Office">
+      <a:dk1>
+        <a:srgbClr val="000000"/>
+      </a:dk1>
+      <a:lt1>
+        <a:srgbClr val="FFFFFF"/>
+      </a:lt1>
+      <a:dk2>
+        <a:srgbClr val="44546A"/>
+      </a:dk2>
+      <a:lt2>
+        <a:srgbClr val="E7E6E6"/>
+      </a:lt2>
+      <a:accent1>
+        <a:srgbClr val="4472C4"/>
+      </a:accent1>
+      <a:accent2>
+        <a:srgbClr val="ED7D31"/>
+      </a:accent2>
+      <a:accent3>
+        <a:srgbClr val="A5A5A5"/>
+      </a:accent3>
+      <a:accent4>
+        <a:srgbClr val="FFC000"/>
+      </a:accent4>
+      <a:accent5>
+        <a:srgbClr val="5B9BD5"/>
+      </a:accent5>
+      <a:accent6>
+        <a:srgbClr val="70AD47"/>
+      </a:accent6>
+      <a:hlink>
+        <a:srgbClr val="0563C1"/>
+      </a:hlink>
+      <a:folHlink>
+        <a:srgbClr val="954F72"/>
+      </a:folHlink>
+    </a:clrScheme>
+    <a:fontScheme name="Office">
+      <a:majorFont>
+        <a:latin typeface="Arial"/>
+        <a:ea typeface=""/>
+        <a:cs typeface=""/>
+        <a:font script="Jpan" typeface="ＭＳ Ｐゴシック"/>
+        <a:font script="Hang" typeface="맑은 고딕"/>
+        <a:font script="Hans" typeface="宋体"/>
+        <a:font script="Hant" typeface="新細明體"/>
+        <a:font script="Arab" typeface="Times New Roman"/>
+        <a:font script="Hebr" typeface="Times New Roman"/>
+        <a:font script="Thai" typeface="Angsana New"/>
+        <a:font script="Ethi" typeface="Nyala"/>
+        <a:font script="Beng" typeface="Vrinda"/>
+        <a:font script="Gujr" typeface="Shruti"/>
+        <a:font script="Khmr" typeface="MoolBoran"/>
+        <a:font script="Knda" typeface="Tunga"/>
+        <a:font script="Guru" typeface="Raavi"/>
+        <a:font script="Cans" typeface="Euphemia"/>
+        <a:font script="Cher" typeface="Plantagenet Cherokee"/>
+        <a:font script="Yiii" typeface="Microsoft Yi Baiti"/>
+        <a:font script="Tibt" typeface="Microsoft Himalaya"/>
+        <a:font script="Thaa" typeface="MV Boli"/>
+        <a:font script="Deva" typeface="Mangal"/>
+        <a:font script="Telu" typeface="Gautami"/>
+        <a:font script="Taml" typeface="Latha"/>
+        <a:font script="Syrc" typeface="Estrangelo Edessa"/>
+        <a:font script="Orya" typeface="Kalinga"/>
+        <a:font script="Mlym" typeface="Kartika"/>
+        <a:font script="Laoo" typeface="DokChampa"/>
+        <a:font script="Sinh" typeface="Iskoola Pota"/>
+        <a:font script="Mong" typeface="Mongolian Baiti"/>
+        <a:font script="Viet" typeface="Times New Roman"/>
+        <a:font script="Uigh" typeface="Microsoft Uighur"/>
+        <a:font script="Geor" typeface="Sylfaen"/>
+      </a:majorFont>
+      <a:minorFont>
+        <a:latin typeface="Arial"/>
+        <a:ea typeface=""/>
+        <a:cs typeface=""/>
+        <a:font script="Jpan" typeface="ＭＳ Ｐゴシック"/>
+        <a:font script="Hang" typeface="맑은 고딕"/>
+        <a:font script="Hans" typeface="宋体"/>
+        <a:font script="Hant" typeface="新細明體"/>
+        <a:font script="Arab" typeface="Arial"/>
+        <a:font script="Hebr" typeface="Arial"/>
+        <a:font script="Thai" typeface="Cordia New"/>
+        <a:font script="Ethi" typeface="Nyala"/>
+        <a:font script="Beng" typeface="Vrinda"/>
+        <a:font script="Gujr" typeface="Shruti"/>
+        <a:font script="Khmr" typeface="DaunPenh"/>
+        <a:font script="Knda" typeface="Tunga"/>
+        <a:font script="Guru" typeface="Raavi"/>
+        <a:font script="Cans" typeface="Euphemia"/>
+        <a:font script="Cher" typeface="Plantagenet Cherokee"/>
+        <a:font script="Yiii" typeface="Microsoft Yi Baiti"/>
+        <a:font script="Tibt" typeface="Microsoft Himalaya"/>
+        <a:font script="Thaa" typeface="MV Boli"/>
+        <a:font script="Deva" typeface="Mangal"/>
+        <a:font script="Telu" typeface="Gautami"/>
+        <a:font script="Taml" typeface="Latha"/>
+        <a:font script="Syrc" typeface="Estrangelo Edessa"/>
+        <a:font script="Orya" typeface="Kalinga"/>
+        <a:font script="Mlym" typeface="Kartika"/>
+        <a:font script="Laoo" typeface="DokChampa"/>
+        <a:font script="Sinh" typeface="Iskoola Pota"/>
+        <a:font script="Mong" typeface="Mongolian Baiti"/>
+        <a:font script="Viet" typeface="Arial"/>
+        <a:font script="Uigh" typeface="Microsoft Uighur"/>
+        <a:font script="Geor" typeface="Sylfaen"/>
+      </a:minorFont>
+    </a:fontScheme>
+    <a:fmtScheme name="Office">
+      <a:fillStyleLst>
+        <a:solidFill>
+          <a:schemeClr val="phClr"/>
+        </a:solidFill>
+        <a:gradFill rotWithShape="1">
+          <a:gsLst>
+            <a:gs pos="0">
+              <a:schemeClr val="phClr">
+                <a:tint val="50000"/>
+                <a:satMod val="300000"/>
+              </a:schemeClr>
+            </a:gs>
+            <a:gs pos="35000">
+              <a:schemeClr val="phClr">
+                <a:tint val="37000"/>
+                <a:satMod val="300000"/>
+              </a:schemeClr>
+            </a:gs>
+            <a:gs pos="100000">
+              <a:schemeClr val="phClr">
+                <a:tint val="15000"/>
+                <a:satMod val="350000"/>
+              </a:schemeClr>
+            </a:gs>
+          </a:gsLst>
+          <a:lin ang="16200000" scaled="1"/>
+        </a:gradFill>
+        <a:gradFill rotWithShape="1">
+          <a:gsLst>
+            <a:gs pos="0">
+              <a:schemeClr val="phClr">
+                <a:tint val="100000"/>
+                <a:shade val="100000"/>
+                <a:satMod val="130000"/>
+              </a:schemeClr>
+            </a:gs>
+            <a:gs pos="100000">
+              <a:schemeClr val="phClr">
+                <a:tint val="50000"/>
+                <a:shade val="100000"/>
+                <a:satMod val="350000"/>
+              </a:schemeClr>
+            </a:gs>
+          </a:gsLst>
+          <a:lin ang="16200000" scaled="0"/>
+        </a:gradFill>
+      </a:fillStyleLst>
+      <a:lnStyleLst>
+        <a:ln w="9525" cap="flat" cmpd="sng" algn="ctr">
+          <a:solidFill>
+            <a:schemeClr val="phClr">
+              <a:shade val="95000"/>
+              <a:satMod val="105000"/>
+            </a:schemeClr>
+          </a:solidFill>
+          <a:prstDash val="solid"/>
+        </a:ln>
+        <a:ln w="25400" cap="flat" cmpd="sng" algn="ctr">
+          <a:solidFill>
+            <a:schemeClr val="phClr"/>
+          </a:solidFill>
+          <a:prstDash val="solid"/>
+        </a:ln>
+        <a:ln w="38100" cap="flat" cmpd="sng" algn="ctr">
+          <a:solidFill>
+            <a:schemeClr val="phClr"/>
+          </a:solidFill>
+          <a:prstDash val="solid"/>
+        </a:ln>
+      </a:lnStyleLst>
+      <a:effectStyleLst>
+        <a:effectStyle>
+          <a:effectLst>
+            <a:outerShdw blurRad="40000" dist="20000" dir="5400000" rotWithShape="0">
+              <a:srgbClr val="000000">
+                <a:alpha val="38000"/>
+              </a:srgbClr>
+            </a:outerShdw>
+          </a:effectLst>
+        </a:effectStyle>
+        <a:effectStyle>
+          <a:effectLst>
+            <a:outerShdw blurRad="40000" dist="23000" dir="5400000" rotWithShape="0">
+              <a:srgbClr val="000000">
+                <a:alpha val="35000"/>
+              </a:srgbClr>
+            </a:outerShdw>
+          </a:effectLst>
+        </a:effectStyle>
+        <a:effectStyle>
+          <a:effectLst>
+            <a:outerShdw blurRad="40000" dist="23000" dir="5400000" rotWithShape="0">
+              <a:srgbClr val="000000">
+                <a:alpha val="35000"/>
+              </a:srgbClr>
+            </a:outerShdw>
+          </a:effectLst>
+          <a:scene3d>
+            <a:camera prst="orthographicFront">
+              <a:rot lat="0" lon="0" rev="0"/>
+            </a:camera>
+            <a:lightRig rig="threePt" dir="t">
+              <a:rot lat="0" lon="0" rev="1200000"/>
+            </a:lightRig>
+          </a:scene3d>
+          <a:sp3d>
+            <a:bevelT w="63500" h="25400"/>
+          </a:sp3d>
+        </a:effectStyle>
+      </a:effectStyleLst>
+      <a:bgFillStyleLst>
+        <a:solidFill>
+          <a:schemeClr val="phClr"/>
+        </a:solidFill>
+        <a:gradFill rotWithShape="1">
+          <a:gsLst>
+            <a:gs pos="0">
+              <a:schemeClr val="phClr">
+                <a:tint val="40000"/>
+                <a:satMod val="350000"/>
+              </a:schemeClr>
+            </a:gs>
+            <a:gs pos="40000">
+              <a:schemeClr val="phClr">
+                <a:tint val="45000"/>
+                <a:shade val="99000"/>
+                <a:satMod val="350000"/>
+              </a:schemeClr>
+            </a:gs>
+            <a:gs pos="100000">
+              <a:schemeClr val="phClr">
+                <a:shade val="20000"/>
+                <a:satMod val="255000"/>
+              </a:schemeClr>
+            </a:gs>
+          </a:gsLst>
+          <a:path path="circle">
+            <a:fillToRect l="50000" t="-80000" r="50000" b="180000"/>
+          </a:path>
+        </a:gradFill>
+        <a:gradFill rotWithShape="1">
+          <a:gsLst>
+            <a:gs pos="0">
+              <a:schemeClr val="phClr">
+                <a:tint val="80000"/>
+                <a:satMod val="300000"/>
+              </a:schemeClr>
+            </a:gs>
+            <a:gs pos="100000">
+              <a:schemeClr val="phClr">
+                <a:shade val="30000"/>
+                <a:satMod val="200000"/>
+              </a:schemeClr>
+            </a:gs>
+          </a:gsLst>
+          <a:path path="circle">
+            <a:fillToRect l="50000" t="50000" r="50000" b="50000"/>
+          </a:path>
+        </a:gradFill>
+      </a:bgFillStyleLst>
+    </a:fmtScheme>
+  </a:themeElements>
+  <a:objectDefaults/>
+  <a:extraClrSchemeLst/>
+</a:theme>
+</file>
+
+<file path=ppt/theme/theme2.xml><?xml version="1.0" encoding="utf-8"?>
+<a:theme xmlns:a="http://schemas.openxmlformats.org/drawingml/2006/main">
   <a:themeElements>
     <a:clrScheme name="Default">
       <a:dk1>
@@ -13231,284 +13813,7 @@
       </a:bgFillStyleLst>
     </a:fmtScheme>
   </a:themeElements>
-</a:theme>
-</file>
-
-<file path=ppt/theme/theme2.xml><?xml version="1.0" encoding="utf-8"?>
-<a:theme xmlns:a="http://schemas.openxmlformats.org/drawingml/2006/main" xmlns:r="http://schemas.openxmlformats.org/officeDocument/2006/relationships" name="Tema di Office">
-  <a:themeElements>
-    <a:clrScheme name="Office">
-      <a:dk1>
-        <a:srgbClr val="000000"/>
-      </a:dk1>
-      <a:lt1>
-        <a:srgbClr val="FFFFFF"/>
-      </a:lt1>
-      <a:dk2>
-        <a:srgbClr val="44546A"/>
-      </a:dk2>
-      <a:lt2>
-        <a:srgbClr val="E7E6E6"/>
-      </a:lt2>
-      <a:accent1>
-        <a:srgbClr val="4472C4"/>
-      </a:accent1>
-      <a:accent2>
-        <a:srgbClr val="ED7D31"/>
-      </a:accent2>
-      <a:accent3>
-        <a:srgbClr val="A5A5A5"/>
-      </a:accent3>
-      <a:accent4>
-        <a:srgbClr val="FFC000"/>
-      </a:accent4>
-      <a:accent5>
-        <a:srgbClr val="5B9BD5"/>
-      </a:accent5>
-      <a:accent6>
-        <a:srgbClr val="70AD47"/>
-      </a:accent6>
-      <a:hlink>
-        <a:srgbClr val="0563C1"/>
-      </a:hlink>
-      <a:folHlink>
-        <a:srgbClr val="954F72"/>
-      </a:folHlink>
-    </a:clrScheme>
-    <a:fontScheme name="Office">
-      <a:majorFont>
-        <a:latin typeface="Arial"/>
-        <a:ea typeface=""/>
-        <a:cs typeface=""/>
-        <a:font script="Jpan" typeface="ＭＳ Ｐゴシック"/>
-        <a:font script="Hang" typeface="맑은 고딕"/>
-        <a:font script="Hans" typeface="宋体"/>
-        <a:font script="Hant" typeface="新細明體"/>
-        <a:font script="Arab" typeface="Times New Roman"/>
-        <a:font script="Hebr" typeface="Times New Roman"/>
-        <a:font script="Thai" typeface="Angsana New"/>
-        <a:font script="Ethi" typeface="Nyala"/>
-        <a:font script="Beng" typeface="Vrinda"/>
-        <a:font script="Gujr" typeface="Shruti"/>
-        <a:font script="Khmr" typeface="MoolBoran"/>
-        <a:font script="Knda" typeface="Tunga"/>
-        <a:font script="Guru" typeface="Raavi"/>
-        <a:font script="Cans" typeface="Euphemia"/>
-        <a:font script="Cher" typeface="Plantagenet Cherokee"/>
-        <a:font script="Yiii" typeface="Microsoft Yi Baiti"/>
-        <a:font script="Tibt" typeface="Microsoft Himalaya"/>
-        <a:font script="Thaa" typeface="MV Boli"/>
-        <a:font script="Deva" typeface="Mangal"/>
-        <a:font script="Telu" typeface="Gautami"/>
-        <a:font script="Taml" typeface="Latha"/>
-        <a:font script="Syrc" typeface="Estrangelo Edessa"/>
-        <a:font script="Orya" typeface="Kalinga"/>
-        <a:font script="Mlym" typeface="Kartika"/>
-        <a:font script="Laoo" typeface="DokChampa"/>
-        <a:font script="Sinh" typeface="Iskoola Pota"/>
-        <a:font script="Mong" typeface="Mongolian Baiti"/>
-        <a:font script="Viet" typeface="Times New Roman"/>
-        <a:font script="Uigh" typeface="Microsoft Uighur"/>
-        <a:font script="Geor" typeface="Sylfaen"/>
-      </a:majorFont>
-      <a:minorFont>
-        <a:latin typeface="Arial"/>
-        <a:ea typeface=""/>
-        <a:cs typeface=""/>
-        <a:font script="Jpan" typeface="ＭＳ Ｐゴシック"/>
-        <a:font script="Hang" typeface="맑은 고딕"/>
-        <a:font script="Hans" typeface="宋体"/>
-        <a:font script="Hant" typeface="新細明體"/>
-        <a:font script="Arab" typeface="Arial"/>
-        <a:font script="Hebr" typeface="Arial"/>
-        <a:font script="Thai" typeface="Cordia New"/>
-        <a:font script="Ethi" typeface="Nyala"/>
-        <a:font script="Beng" typeface="Vrinda"/>
-        <a:font script="Gujr" typeface="Shruti"/>
-        <a:font script="Khmr" typeface="DaunPenh"/>
-        <a:font script="Knda" typeface="Tunga"/>
-        <a:font script="Guru" typeface="Raavi"/>
-        <a:font script="Cans" typeface="Euphemia"/>
-        <a:font script="Cher" typeface="Plantagenet Cherokee"/>
-        <a:font script="Yiii" typeface="Microsoft Yi Baiti"/>
-        <a:font script="Tibt" typeface="Microsoft Himalaya"/>
-        <a:font script="Thaa" typeface="MV Boli"/>
-        <a:font script="Deva" typeface="Mangal"/>
-        <a:font script="Telu" typeface="Gautami"/>
-        <a:font script="Taml" typeface="Latha"/>
-        <a:font script="Syrc" typeface="Estrangelo Edessa"/>
-        <a:font script="Orya" typeface="Kalinga"/>
-        <a:font script="Mlym" typeface="Kartika"/>
-        <a:font script="Laoo" typeface="DokChampa"/>
-        <a:font script="Sinh" typeface="Iskoola Pota"/>
-        <a:font script="Mong" typeface="Mongolian Baiti"/>
-        <a:font script="Viet" typeface="Arial"/>
-        <a:font script="Uigh" typeface="Microsoft Uighur"/>
-        <a:font script="Geor" typeface="Sylfaen"/>
-      </a:minorFont>
-    </a:fontScheme>
-    <a:fmtScheme name="Office">
-      <a:fillStyleLst>
-        <a:solidFill>
-          <a:schemeClr val="phClr"/>
-        </a:solidFill>
-        <a:gradFill rotWithShape="1">
-          <a:gsLst>
-            <a:gs pos="0">
-              <a:schemeClr val="phClr">
-                <a:tint val="50000"/>
-                <a:satMod val="300000"/>
-              </a:schemeClr>
-            </a:gs>
-            <a:gs pos="35000">
-              <a:schemeClr val="phClr">
-                <a:tint val="37000"/>
-                <a:satMod val="300000"/>
-              </a:schemeClr>
-            </a:gs>
-            <a:gs pos="100000">
-              <a:schemeClr val="phClr">
-                <a:tint val="15000"/>
-                <a:satMod val="350000"/>
-              </a:schemeClr>
-            </a:gs>
-          </a:gsLst>
-          <a:lin ang="16200000" scaled="1"/>
-        </a:gradFill>
-        <a:gradFill rotWithShape="1">
-          <a:gsLst>
-            <a:gs pos="0">
-              <a:schemeClr val="phClr">
-                <a:tint val="100000"/>
-                <a:shade val="100000"/>
-                <a:satMod val="130000"/>
-              </a:schemeClr>
-            </a:gs>
-            <a:gs pos="100000">
-              <a:schemeClr val="phClr">
-                <a:tint val="50000"/>
-                <a:shade val="100000"/>
-                <a:satMod val="350000"/>
-              </a:schemeClr>
-            </a:gs>
-          </a:gsLst>
-          <a:lin ang="16200000" scaled="0"/>
-        </a:gradFill>
-      </a:fillStyleLst>
-      <a:lnStyleLst>
-        <a:ln w="9525" cap="flat" cmpd="sng" algn="ctr">
-          <a:solidFill>
-            <a:schemeClr val="phClr">
-              <a:shade val="95000"/>
-              <a:satMod val="105000"/>
-            </a:schemeClr>
-          </a:solidFill>
-          <a:prstDash val="solid"/>
-        </a:ln>
-        <a:ln w="25400" cap="flat" cmpd="sng" algn="ctr">
-          <a:solidFill>
-            <a:schemeClr val="phClr"/>
-          </a:solidFill>
-          <a:prstDash val="solid"/>
-        </a:ln>
-        <a:ln w="38100" cap="flat" cmpd="sng" algn="ctr">
-          <a:solidFill>
-            <a:schemeClr val="phClr"/>
-          </a:solidFill>
-          <a:prstDash val="solid"/>
-        </a:ln>
-      </a:lnStyleLst>
-      <a:effectStyleLst>
-        <a:effectStyle>
-          <a:effectLst>
-            <a:outerShdw blurRad="40000" dist="20000" dir="5400000" rotWithShape="0">
-              <a:srgbClr val="000000">
-                <a:alpha val="38000"/>
-              </a:srgbClr>
-            </a:outerShdw>
-          </a:effectLst>
-        </a:effectStyle>
-        <a:effectStyle>
-          <a:effectLst>
-            <a:outerShdw blurRad="40000" dist="23000" dir="5400000" rotWithShape="0">
-              <a:srgbClr val="000000">
-                <a:alpha val="35000"/>
-              </a:srgbClr>
-            </a:outerShdw>
-          </a:effectLst>
-        </a:effectStyle>
-        <a:effectStyle>
-          <a:effectLst>
-            <a:outerShdw blurRad="40000" dist="23000" dir="5400000" rotWithShape="0">
-              <a:srgbClr val="000000">
-                <a:alpha val="35000"/>
-              </a:srgbClr>
-            </a:outerShdw>
-          </a:effectLst>
-          <a:scene3d>
-            <a:camera prst="orthographicFront">
-              <a:rot lat="0" lon="0" rev="0"/>
-            </a:camera>
-            <a:lightRig rig="threePt" dir="t">
-              <a:rot lat="0" lon="0" rev="1200000"/>
-            </a:lightRig>
-          </a:scene3d>
-          <a:sp3d>
-            <a:bevelT w="63500" h="25400"/>
-          </a:sp3d>
-        </a:effectStyle>
-      </a:effectStyleLst>
-      <a:bgFillStyleLst>
-        <a:solidFill>
-          <a:schemeClr val="phClr"/>
-        </a:solidFill>
-        <a:gradFill rotWithShape="1">
-          <a:gsLst>
-            <a:gs pos="0">
-              <a:schemeClr val="phClr">
-                <a:tint val="40000"/>
-                <a:satMod val="350000"/>
-              </a:schemeClr>
-            </a:gs>
-            <a:gs pos="40000">
-              <a:schemeClr val="phClr">
-                <a:tint val="45000"/>
-                <a:shade val="99000"/>
-                <a:satMod val="350000"/>
-              </a:schemeClr>
-            </a:gs>
-            <a:gs pos="100000">
-              <a:schemeClr val="phClr">
-                <a:shade val="20000"/>
-                <a:satMod val="255000"/>
-              </a:schemeClr>
-            </a:gs>
-          </a:gsLst>
-          <a:path path="circle">
-            <a:fillToRect l="50000" t="-80000" r="50000" b="180000"/>
-          </a:path>
-        </a:gradFill>
-        <a:gradFill rotWithShape="1">
-          <a:gsLst>
-            <a:gs pos="0">
-              <a:schemeClr val="phClr">
-                <a:tint val="80000"/>
-                <a:satMod val="300000"/>
-              </a:schemeClr>
-            </a:gs>
-            <a:gs pos="100000">
-              <a:schemeClr val="phClr">
-                <a:shade val="30000"/>
-                <a:satMod val="200000"/>
-              </a:schemeClr>
-            </a:gs>
-          </a:gsLst>
-          <a:path path="circle">
-            <a:fillToRect l="50000" t="50000" r="50000" b="50000"/>
-          </a:path>
-        </a:gradFill>
-      </a:bgFillStyleLst>
-    </a:fmtScheme>
-  </a:themeElements>
+  <a:objectDefaults/>
+  <a:extraClrSchemeLst/>
 </a:theme>
 </file>